--- a/MINSYST Deliverables/MINSYST GW03 - Research Team Midterm Presentation.pptx
+++ b/MINSYST Deliverables/MINSYST GW03 - Research Team Midterm Presentation.pptx
@@ -5,7 +5,7 @@
     <p:sldMasterId id="2147483648" r:id="rId1"/>
   </p:sldMasterIdLst>
   <p:notesMasterIdLst>
-    <p:notesMasterId r:id="rId26"/>
+    <p:notesMasterId r:id="rId27"/>
   </p:notesMasterIdLst>
   <p:sldIdLst>
     <p:sldId id="256" r:id="rId2"/>
@@ -32,6 +32,7 @@
     <p:sldId id="289" r:id="rId23"/>
     <p:sldId id="265" r:id="rId24"/>
     <p:sldId id="270" r:id="rId25"/>
+    <p:sldId id="290" r:id="rId26"/>
   </p:sldIdLst>
   <p:sldSz cx="12192000" cy="6858000"/>
   <p:notesSz cx="6858000" cy="9144000"/>
@@ -132,7 +133,7 @@
   </p:defaultTextStyle>
   <p:extLst>
     <p:ext uri="{EFAFB233-063F-42B5-8137-9DF3F51BA10A}">
-      <p15:sldGuideLst xmlns:p15="http://schemas.microsoft.com/office/powerpoint/2012/main"/>
+      <p15:sldGuideLst xmlns:p15="http://schemas.microsoft.com/office/powerpoint/2012/main" xmlns=""/>
     </p:ext>
   </p:extLst>
 </p:presentation>
@@ -140,17 +141,7 @@
 
 <file path=ppt/charts/chart1.xml><?xml version="1.0" encoding="utf-8"?>
 <c:chartSpace xmlns:c="http://schemas.openxmlformats.org/drawingml/2006/chart" xmlns:a="http://schemas.openxmlformats.org/drawingml/2006/main" xmlns:r="http://schemas.openxmlformats.org/officeDocument/2006/relationships">
-  <c:date1904 val="0"/>
-  <c:lang val="en-US"/>
-  <c:roundedCorners val="0"/>
-  <mc:AlternateContent xmlns:mc="http://schemas.openxmlformats.org/markup-compatibility/2006">
-    <mc:Choice xmlns:c14="http://schemas.microsoft.com/office/drawing/2007/8/2/chart" Requires="c14">
-      <c14:style val="102"/>
-    </mc:Choice>
-    <mc:Fallback>
-      <c:style val="2"/>
-    </mc:Fallback>
-  </mc:AlternateContent>
+  <c:lang val="en-PH"/>
   <c:clrMapOvr bg1="lt1" tx1="dk1" bg2="lt2" tx2="dk2" accent1="accent1" accent2="accent2" accent3="accent3" accent4="accent4" accent5="accent5" accent6="accent6" hlink="hlink" folHlink="folHlink"/>
   <c:chart>
     <c:title>
@@ -180,7 +171,6 @@
         </c:rich>
       </c:tx>
       <c:layout/>
-      <c:overlay val="0"/>
       <c:spPr>
         <a:noFill/>
         <a:ln>
@@ -189,7 +179,6 @@
         <a:effectLst/>
       </c:spPr>
     </c:title>
-    <c:autoTitleDeleted val="0"/>
     <c:plotArea>
       <c:layout/>
       <c:pieChart>
@@ -210,7 +199,6 @@
           </c:tx>
           <c:dPt>
             <c:idx val="0"/>
-            <c:bubble3D val="0"/>
             <c:spPr>
               <a:solidFill>
                 <a:schemeClr val="accent1"/>
@@ -225,7 +213,6 @@
           </c:dPt>
           <c:dPt>
             <c:idx val="1"/>
-            <c:bubble3D val="0"/>
             <c:spPr>
               <a:solidFill>
                 <a:schemeClr val="accent2"/>
@@ -240,7 +227,6 @@
           </c:dPt>
           <c:dPt>
             <c:idx val="2"/>
-            <c:bubble3D val="0"/>
             <c:spPr>
               <a:solidFill>
                 <a:schemeClr val="accent3"/>
@@ -255,7 +241,6 @@
           </c:dPt>
           <c:dPt>
             <c:idx val="3"/>
-            <c:bubble3D val="0"/>
             <c:spPr>
               <a:solidFill>
                 <a:schemeClr val="accent4"/>
@@ -297,12 +282,7 @@
                 </a:p>
               </c:txPr>
               <c:dLblPos val="bestFit"/>
-              <c:showLegendKey val="0"/>
               <c:showVal val="1"/>
-              <c:showCatName val="0"/>
-              <c:showSerName val="0"/>
-              <c:showPercent val="0"/>
-              <c:showBubbleSize val="0"/>
               <c:extLst>
                 <c:ext xmlns:c15="http://schemas.microsoft.com/office/drawing/2012/chart" uri="{CE6537A1-D6FC-4f65-9D91-7224C49458BB}">
                   <c15:layout/>
@@ -313,8 +293,8 @@
               <c:idx val="1"/>
               <c:layout>
                 <c:manualLayout>
-                  <c:x val="0.10032458656604355"/>
-                  <c:y val="0.14242021377762562"/>
+                  <c:x val="0.10032458656604357"/>
+                  <c:y val="0.14242021377762568"/>
                 </c:manualLayout>
               </c:layout>
               <c:spPr>
@@ -337,12 +317,7 @@
                 </a:p>
               </c:txPr>
               <c:dLblPos val="bestFit"/>
-              <c:showLegendKey val="0"/>
               <c:showVal val="1"/>
-              <c:showCatName val="0"/>
-              <c:showSerName val="0"/>
-              <c:showPercent val="0"/>
-              <c:showBubbleSize val="0"/>
               <c:extLst>
                 <c:ext xmlns:c15="http://schemas.microsoft.com/office/drawing/2012/chart" uri="{CE6537A1-D6FC-4f65-9D91-7224C49458BB}">
                   <c15:layout/>
@@ -383,12 +358,7 @@
               </a:p>
             </c:txPr>
             <c:dLblPos val="bestFit"/>
-            <c:showLegendKey val="0"/>
             <c:showVal val="1"/>
-            <c:showCatName val="0"/>
-            <c:showSerName val="0"/>
-            <c:showPercent val="0"/>
-            <c:showBubbleSize val="0"/>
             <c:showLeaderLines val="1"/>
             <c:leaderLines>
               <c:spPr>
@@ -431,24 +401,17 @@
                 <c:formatCode>0.00%</c:formatCode>
                 <c:ptCount val="4"/>
                 <c:pt idx="0">
-                  <c:v>0.82280000000000053</c:v>
+                  <c:v>0.82280000000000064</c:v>
                 </c:pt>
                 <c:pt idx="1">
-                  <c:v>0.17720000000000014</c:v>
+                  <c:v>0.17720000000000016</c:v>
                 </c:pt>
               </c:numCache>
             </c:numRef>
           </c:val>
         </c:ser>
         <c:dLbls>
-          <c:dLblPos val="bestFit"/>
-          <c:showLegendKey val="0"/>
           <c:showVal val="1"/>
-          <c:showCatName val="0"/>
-          <c:showSerName val="0"/>
-          <c:showPercent val="0"/>
-          <c:showBubbleSize val="0"/>
-          <c:showLeaderLines val="1"/>
         </c:dLbls>
         <c:firstSliceAng val="0"/>
       </c:pieChart>
@@ -477,10 +440,9 @@
           <c:x val="0.40329033143221549"/>
           <c:y val="0.8363648364179197"/>
           <c:w val="0.17784437609175041"/>
-          <c:h val="0.11369758555461468"/>
+          <c:h val="0.11369758555461469"/>
         </c:manualLayout>
       </c:layout>
-      <c:overlay val="0"/>
       <c:spPr>
         <a:noFill/>
         <a:ln>
@@ -511,7 +473,6 @@
     </c:legend>
     <c:plotVisOnly val="1"/>
     <c:dispBlanksAs val="zero"/>
-    <c:showDLblsOverMax val="0"/>
   </c:chart>
   <c:spPr>
     <a:solidFill>
@@ -538,25 +499,13 @@
       <a:endParaRPr lang="en-US"/>
     </a:p>
   </c:txPr>
-  <c:externalData r:id="rId2">
-    <c:autoUpdate val="0"/>
-  </c:externalData>
+  <c:externalData r:id="rId2"/>
 </c:chartSpace>
 </file>
 
 <file path=ppt/charts/chart10.xml><?xml version="1.0" encoding="utf-8"?>
 <c:chartSpace xmlns:c="http://schemas.openxmlformats.org/drawingml/2006/chart" xmlns:a="http://schemas.openxmlformats.org/drawingml/2006/main" xmlns:r="http://schemas.openxmlformats.org/officeDocument/2006/relationships">
-  <c:date1904 val="0"/>
-  <c:lang val="en-US"/>
-  <c:roundedCorners val="0"/>
-  <mc:AlternateContent xmlns:mc="http://schemas.openxmlformats.org/markup-compatibility/2006">
-    <mc:Choice xmlns:c14="http://schemas.microsoft.com/office/drawing/2007/8/2/chart" Requires="c14">
-      <c14:style val="102"/>
-    </mc:Choice>
-    <mc:Fallback>
-      <c:style val="2"/>
-    </mc:Fallback>
-  </mc:AlternateContent>
+  <c:lang val="en-PH"/>
   <c:chart>
     <c:title>
       <c:tx>
@@ -579,11 +528,10 @@
         <c:manualLayout>
           <c:xMode val="edge"/>
           <c:yMode val="edge"/>
-          <c:x val="0.11142689141513151"/>
+          <c:x val="0.11142689141513153"/>
           <c:y val="3.446295232624929E-2"/>
         </c:manualLayout>
       </c:layout>
-      <c:overlay val="0"/>
       <c:spPr>
         <a:noFill/>
         <a:ln>
@@ -592,7 +540,6 @@
         <a:effectLst/>
       </c:spPr>
     </c:title>
-    <c:autoTitleDeleted val="0"/>
     <c:plotArea>
       <c:layout/>
       <c:pieChart>
@@ -613,7 +560,6 @@
           </c:tx>
           <c:dPt>
             <c:idx val="0"/>
-            <c:bubble3D val="0"/>
             <c:spPr>
               <a:solidFill>
                 <a:schemeClr val="accent1"/>
@@ -628,7 +574,6 @@
           </c:dPt>
           <c:dPt>
             <c:idx val="1"/>
-            <c:bubble3D val="0"/>
             <c:spPr>
               <a:solidFill>
                 <a:schemeClr val="accent2"/>
@@ -643,7 +588,6 @@
           </c:dPt>
           <c:dPt>
             <c:idx val="2"/>
-            <c:bubble3D val="0"/>
             <c:spPr>
               <a:solidFill>
                 <a:schemeClr val="accent3"/>
@@ -666,12 +610,7 @@
                 </c:manualLayout>
               </c:layout>
               <c:dLblPos val="bestFit"/>
-              <c:showLegendKey val="0"/>
               <c:showVal val="1"/>
-              <c:showCatName val="0"/>
-              <c:showSerName val="0"/>
-              <c:showPercent val="0"/>
-              <c:showBubbleSize val="0"/>
               <c:extLst>
                 <c:ext xmlns:c15="http://schemas.microsoft.com/office/drawing/2012/chart" uri="{CE6537A1-D6FC-4f65-9D91-7224C49458BB}">
                   <c15:layout/>
@@ -687,12 +626,7 @@
                 </c:manualLayout>
               </c:layout>
               <c:dLblPos val="bestFit"/>
-              <c:showLegendKey val="0"/>
               <c:showVal val="1"/>
-              <c:showCatName val="0"/>
-              <c:showSerName val="0"/>
-              <c:showPercent val="0"/>
-              <c:showBubbleSize val="0"/>
               <c:extLst>
                 <c:ext xmlns:c15="http://schemas.microsoft.com/office/drawing/2012/chart" uri="{CE6537A1-D6FC-4f65-9D91-7224C49458BB}">
                   <c15:layout/>
@@ -708,12 +642,7 @@
                 </c:manualLayout>
               </c:layout>
               <c:dLblPos val="bestFit"/>
-              <c:showLegendKey val="0"/>
               <c:showVal val="1"/>
-              <c:showCatName val="0"/>
-              <c:showSerName val="0"/>
-              <c:showPercent val="0"/>
-              <c:showBubbleSize val="0"/>
               <c:extLst>
                 <c:ext xmlns:c15="http://schemas.microsoft.com/office/drawing/2012/chart" uri="{CE6537A1-D6FC-4f65-9D91-7224C49458BB}">
                   <c15:layout/>
@@ -738,13 +667,7 @@
               </a:p>
             </c:txPr>
             <c:dLblPos val="bestFit"/>
-            <c:showLegendKey val="0"/>
             <c:showVal val="1"/>
-            <c:showCatName val="0"/>
-            <c:showSerName val="0"/>
-            <c:showPercent val="0"/>
-            <c:showBubbleSize val="0"/>
-            <c:showLeaderLines val="0"/>
             <c:extLst>
               <c:ext xmlns:c15="http://schemas.microsoft.com/office/drawing/2012/chart" uri="{CE6537A1-D6FC-4f65-9D91-7224C49458BB}"/>
             </c:extLst>
@@ -786,13 +709,7 @@
           </c:val>
         </c:ser>
         <c:dLbls>
-          <c:showLegendKey val="0"/>
           <c:showVal val="1"/>
-          <c:showCatName val="0"/>
-          <c:showSerName val="0"/>
-          <c:showPercent val="0"/>
-          <c:showBubbleSize val="0"/>
-          <c:showLeaderLines val="0"/>
         </c:dLbls>
         <c:firstSliceAng val="0"/>
       </c:pieChart>
@@ -816,7 +733,6 @@
           <c:h val="0.1349757590344875"/>
         </c:manualLayout>
       </c:layout>
-      <c:overlay val="0"/>
       <c:spPr>
         <a:noFill/>
         <a:ln>
@@ -837,7 +753,6 @@
     </c:legend>
     <c:plotVisOnly val="1"/>
     <c:dispBlanksAs val="zero"/>
-    <c:showDLblsOverMax val="0"/>
   </c:chart>
   <c:spPr>
     <a:solidFill>
@@ -864,25 +779,14 @@
       <a:endParaRPr lang="en-US"/>
     </a:p>
   </c:txPr>
-  <c:externalData r:id="rId1">
-    <c:autoUpdate val="0"/>
-  </c:externalData>
+  <c:externalData r:id="rId1"/>
 </c:chartSpace>
 </file>
 
 <file path=ppt/charts/chart11.xml><?xml version="1.0" encoding="utf-8"?>
 <c:chartSpace xmlns:c="http://schemas.openxmlformats.org/drawingml/2006/chart" xmlns:a="http://schemas.openxmlformats.org/drawingml/2006/main" xmlns:r="http://schemas.openxmlformats.org/officeDocument/2006/relationships">
-  <c:date1904 val="0"/>
-  <c:lang val="en-US"/>
-  <c:roundedCorners val="0"/>
-  <mc:AlternateContent xmlns:mc="http://schemas.openxmlformats.org/markup-compatibility/2006">
-    <mc:Choice xmlns:c14="http://schemas.microsoft.com/office/drawing/2007/8/2/chart" Requires="c14">
-      <c14:style val="107"/>
-    </mc:Choice>
-    <mc:Fallback>
-      <c:style val="7"/>
-    </mc:Fallback>
-  </mc:AlternateContent>
+  <c:lang val="en-PH"/>
+  <c:style val="7"/>
   <c:chart>
     <c:title>
       <c:tx>
@@ -914,7 +818,6 @@
         </c:rich>
       </c:tx>
       <c:layout/>
-      <c:overlay val="0"/>
       <c:spPr>
         <a:noFill/>
         <a:ln>
@@ -922,34 +825,12 @@
         </a:ln>
         <a:effectLst/>
       </c:spPr>
-      <c:txPr>
-        <a:bodyPr rot="0" spcFirstLastPara="1" vertOverflow="ellipsis" vert="horz" wrap="square" anchor="ctr" anchorCtr="1"/>
-        <a:lstStyle/>
-        <a:p>
-          <a:pPr>
-            <a:defRPr sz="1800" b="0" i="0" u="none" strike="noStrike" kern="1200" spc="0" baseline="0">
-              <a:solidFill>
-                <a:schemeClr val="tx1">
-                  <a:lumMod val="65000"/>
-                  <a:lumOff val="35000"/>
-                </a:schemeClr>
-              </a:solidFill>
-              <a:latin typeface="+mn-lt"/>
-              <a:ea typeface="+mn-ea"/>
-              <a:cs typeface="+mn-cs"/>
-            </a:defRPr>
-          </a:pPr>
-          <a:endParaRPr lang="en-US"/>
-        </a:p>
-      </c:txPr>
     </c:title>
-    <c:autoTitleDeleted val="0"/>
     <c:plotArea>
       <c:layout/>
       <c:barChart>
         <c:barDir val="col"/>
         <c:grouping val="clustered"/>
-        <c:varyColors val="0"/>
         <c:ser>
           <c:idx val="0"/>
           <c:order val="0"/>
@@ -975,7 +856,6 @@
             </a:ln>
             <a:effectLst/>
           </c:spPr>
-          <c:invertIfNegative val="0"/>
           <c:dLbls>
             <c:spPr>
               <a:noFill/>
@@ -1007,13 +887,7 @@
               </a:p>
             </c:txPr>
             <c:dLblPos val="outEnd"/>
-            <c:showLegendKey val="0"/>
             <c:showVal val="1"/>
-            <c:showCatName val="0"/>
-            <c:showSerName val="0"/>
-            <c:showPercent val="0"/>
-            <c:showBubbleSize val="0"/>
-            <c:showLeaderLines val="0"/>
             <c:extLst>
               <c:ext xmlns:c15="http://schemas.microsoft.com/office/drawing/2012/chart" uri="{CE6537A1-D6FC-4f65-9D91-7224C49458BB}">
                 <c15:layout/>
@@ -1109,7 +983,6 @@
             </a:ln>
             <a:effectLst/>
           </c:spPr>
-          <c:invertIfNegative val="0"/>
           <c:dLbls>
             <c:spPr>
               <a:noFill/>
@@ -1141,13 +1014,7 @@
               </a:p>
             </c:txPr>
             <c:dLblPos val="outEnd"/>
-            <c:showLegendKey val="0"/>
             <c:showVal val="1"/>
-            <c:showCatName val="0"/>
-            <c:showSerName val="0"/>
-            <c:showPercent val="0"/>
-            <c:showBubbleSize val="0"/>
-            <c:showLeaderLines val="0"/>
             <c:extLst>
               <c:ext xmlns:c15="http://schemas.microsoft.com/office/drawing/2012/chart" uri="{CE6537A1-D6FC-4f65-9D91-7224C49458BB}">
                 <c15:layout/>
@@ -1241,7 +1108,6 @@
             </a:ln>
             <a:effectLst/>
           </c:spPr>
-          <c:invertIfNegative val="0"/>
           <c:dLbls>
             <c:spPr>
               <a:noFill/>
@@ -1273,13 +1139,7 @@
               </a:p>
             </c:txPr>
             <c:dLblPos val="outEnd"/>
-            <c:showLegendKey val="0"/>
             <c:showVal val="1"/>
-            <c:showCatName val="0"/>
-            <c:showSerName val="0"/>
-            <c:showPercent val="0"/>
-            <c:showBubbleSize val="0"/>
-            <c:showLeaderLines val="0"/>
             <c:extLst>
               <c:ext xmlns:c15="http://schemas.microsoft.com/office/drawing/2012/chart" uri="{CE6537A1-D6FC-4f65-9D91-7224C49458BB}">
                 <c15:layout/>
@@ -1375,7 +1235,6 @@
             </a:ln>
             <a:effectLst/>
           </c:spPr>
-          <c:invertIfNegative val="0"/>
           <c:dLbls>
             <c:spPr>
               <a:noFill/>
@@ -1407,13 +1266,7 @@
               </a:p>
             </c:txPr>
             <c:dLblPos val="outEnd"/>
-            <c:showLegendKey val="0"/>
             <c:showVal val="1"/>
-            <c:showCatName val="0"/>
-            <c:showSerName val="0"/>
-            <c:showPercent val="0"/>
-            <c:showBubbleSize val="0"/>
-            <c:showLeaderLines val="0"/>
             <c:extLst>
               <c:ext xmlns:c15="http://schemas.microsoft.com/office/drawing/2012/chart" uri="{CE6537A1-D6FC-4f65-9D91-7224C49458BB}">
                 <c15:layout/>
@@ -1509,7 +1362,6 @@
             </a:ln>
             <a:effectLst/>
           </c:spPr>
-          <c:invertIfNegative val="0"/>
           <c:dLbls>
             <c:spPr>
               <a:noFill/>
@@ -1541,13 +1393,7 @@
               </a:p>
             </c:txPr>
             <c:dLblPos val="outEnd"/>
-            <c:showLegendKey val="0"/>
             <c:showVal val="1"/>
-            <c:showCatName val="0"/>
-            <c:showSerName val="0"/>
-            <c:showPercent val="0"/>
-            <c:showBubbleSize val="0"/>
-            <c:showLeaderLines val="0"/>
             <c:extLst>
               <c:ext xmlns:c15="http://schemas.microsoft.com/office/drawing/2012/chart" uri="{CE6537A1-D6FC-4f65-9D91-7224C49458BB}">
                 <c15:layout/>
@@ -1619,24 +1465,18 @@
           </c:val>
         </c:ser>
         <c:dLbls>
-          <c:showLegendKey val="0"/>
           <c:showVal val="1"/>
-          <c:showCatName val="0"/>
-          <c:showSerName val="0"/>
-          <c:showPercent val="0"/>
-          <c:showBubbleSize val="0"/>
         </c:dLbls>
         <c:gapWidth val="219"/>
         <c:overlap val="-27"/>
-        <c:axId val="285748688"/>
-        <c:axId val="285747568"/>
+        <c:axId val="108940672"/>
+        <c:axId val="108967424"/>
       </c:barChart>
       <c:catAx>
-        <c:axId val="285748688"/>
+        <c:axId val="108940672"/>
         <c:scaling>
           <c:orientation val="minMax"/>
         </c:scaling>
-        <c:delete val="0"/>
         <c:axPos val="b"/>
         <c:title>
           <c:tx>
@@ -1665,7 +1505,6 @@
             </c:rich>
           </c:tx>
           <c:layout/>
-          <c:overlay val="0"/>
           <c:spPr>
             <a:noFill/>
             <a:ln>
@@ -1673,30 +1512,9 @@
             </a:ln>
             <a:effectLst/>
           </c:spPr>
-          <c:txPr>
-            <a:bodyPr rot="0" spcFirstLastPara="1" vertOverflow="ellipsis" vert="horz" wrap="square" anchor="ctr" anchorCtr="1"/>
-            <a:lstStyle/>
-            <a:p>
-              <a:pPr>
-                <a:defRPr sz="1000" b="1" i="0" u="none" strike="noStrike" kern="1200" baseline="0">
-                  <a:solidFill>
-                    <a:schemeClr val="tx1">
-                      <a:lumMod val="65000"/>
-                      <a:lumOff val="35000"/>
-                    </a:schemeClr>
-                  </a:solidFill>
-                  <a:latin typeface="+mn-lt"/>
-                  <a:ea typeface="+mn-ea"/>
-                  <a:cs typeface="+mn-cs"/>
-                </a:defRPr>
-              </a:pPr>
-              <a:endParaRPr lang="en-US"/>
-            </a:p>
-          </c:txPr>
         </c:title>
         <c:numFmt formatCode="General" sourceLinked="1"/>
         <c:majorTickMark val="none"/>
-        <c:minorTickMark val="none"/>
         <c:tickLblPos val="nextTo"/>
         <c:spPr>
           <a:noFill/>
@@ -1732,20 +1550,18 @@
             <a:endParaRPr lang="en-US"/>
           </a:p>
         </c:txPr>
-        <c:crossAx val="285747568"/>
+        <c:crossAx val="108967424"/>
         <c:crosses val="autoZero"/>
         <c:auto val="1"/>
         <c:lblAlgn val="ctr"/>
         <c:lblOffset val="100"/>
-        <c:noMultiLvlLbl val="0"/>
       </c:catAx>
       <c:valAx>
-        <c:axId val="285747568"/>
+        <c:axId val="108967424"/>
         <c:scaling>
           <c:orientation val="minMax"/>
           <c:max val="60"/>
         </c:scaling>
-        <c:delete val="0"/>
         <c:axPos val="l"/>
         <c:majorGridlines>
           <c:spPr>
@@ -1792,11 +1608,10 @@
             <c:manualLayout>
               <c:xMode val="edge"/>
               <c:yMode val="edge"/>
-              <c:x val="1.7499513902391583E-2"/>
+              <c:x val="1.7499513902391579E-2"/>
               <c:y val="0.27987393149171852"/>
             </c:manualLayout>
           </c:layout>
-          <c:overlay val="0"/>
           <c:spPr>
             <a:noFill/>
             <a:ln>
@@ -1804,30 +1619,9 @@
             </a:ln>
             <a:effectLst/>
           </c:spPr>
-          <c:txPr>
-            <a:bodyPr rot="-5400000" spcFirstLastPara="1" vertOverflow="ellipsis" vert="horz" wrap="square" anchor="ctr" anchorCtr="1"/>
-            <a:lstStyle/>
-            <a:p>
-              <a:pPr>
-                <a:defRPr sz="1100" b="1" i="0" u="none" strike="noStrike" kern="1200" baseline="0">
-                  <a:solidFill>
-                    <a:schemeClr val="tx1">
-                      <a:lumMod val="65000"/>
-                      <a:lumOff val="35000"/>
-                    </a:schemeClr>
-                  </a:solidFill>
-                  <a:latin typeface="+mn-lt"/>
-                  <a:ea typeface="+mn-ea"/>
-                  <a:cs typeface="+mn-cs"/>
-                </a:defRPr>
-              </a:pPr>
-              <a:endParaRPr lang="en-US"/>
-            </a:p>
-          </c:txPr>
         </c:title>
         <c:numFmt formatCode="General" sourceLinked="1"/>
         <c:majorTickMark val="none"/>
-        <c:minorTickMark val="none"/>
         <c:tickLblPos val="nextTo"/>
         <c:spPr>
           <a:noFill/>
@@ -1858,7 +1652,7 @@
             <a:endParaRPr lang="en-US"/>
           </a:p>
         </c:txPr>
-        <c:crossAx val="285748688"/>
+        <c:crossAx val="108940672"/>
         <c:crosses val="autoZero"/>
         <c:crossBetween val="between"/>
         <c:majorUnit val="10"/>
@@ -1878,12 +1672,11 @@
           <c:xMode val="edge"/>
           <c:yMode val="edge"/>
           <c:x val="3.7276567339446204E-2"/>
-          <c:y val="0.85590590676249123"/>
+          <c:y val="0.85590590676249134"/>
           <c:w val="0.92544686532110754"/>
-          <c:h val="0.12403055871151052"/>
+          <c:h val="0.12403055871151054"/>
         </c:manualLayout>
       </c:layout>
-      <c:overlay val="0"/>
       <c:spPr>
         <a:noFill/>
         <a:ln>
@@ -1914,7 +1707,6 @@
     </c:legend>
     <c:plotVisOnly val="1"/>
     <c:dispBlanksAs val="gap"/>
-    <c:showDLblsOverMax val="0"/>
   </c:chart>
   <c:spPr>
     <a:solidFill>
@@ -1942,25 +1734,13 @@
       <a:endParaRPr lang="en-US"/>
     </a:p>
   </c:txPr>
-  <c:externalData r:id="rId3">
-    <c:autoUpdate val="0"/>
-  </c:externalData>
+  <c:externalData r:id="rId1"/>
 </c:chartSpace>
 </file>
 
 <file path=ppt/charts/chart12.xml><?xml version="1.0" encoding="utf-8"?>
 <c:chartSpace xmlns:c="http://schemas.openxmlformats.org/drawingml/2006/chart" xmlns:a="http://schemas.openxmlformats.org/drawingml/2006/main" xmlns:r="http://schemas.openxmlformats.org/officeDocument/2006/relationships">
-  <c:date1904 val="0"/>
-  <c:lang val="en-US"/>
-  <c:roundedCorners val="0"/>
-  <mc:AlternateContent xmlns:mc="http://schemas.openxmlformats.org/markup-compatibility/2006">
-    <mc:Choice xmlns:c14="http://schemas.microsoft.com/office/drawing/2007/8/2/chart" Requires="c14">
-      <c14:style val="102"/>
-    </mc:Choice>
-    <mc:Fallback>
-      <c:style val="2"/>
-    </mc:Fallback>
-  </mc:AlternateContent>
+  <c:lang val="en-PH"/>
   <c:chart>
     <c:title>
       <c:tx>
@@ -1988,7 +1768,6 @@
         </c:rich>
       </c:tx>
       <c:layout/>
-      <c:overlay val="0"/>
       <c:spPr>
         <a:noFill/>
         <a:ln>
@@ -1997,7 +1776,6 @@
         <a:effectLst/>
       </c:spPr>
     </c:title>
-    <c:autoTitleDeleted val="0"/>
     <c:plotArea>
       <c:layout/>
       <c:pieChart>
@@ -2019,7 +1797,6 @@
           </c:tx>
           <c:dPt>
             <c:idx val="0"/>
-            <c:bubble3D val="0"/>
             <c:spPr>
               <a:solidFill>
                 <a:schemeClr val="accent1"/>
@@ -2034,7 +1811,6 @@
           </c:dPt>
           <c:dPt>
             <c:idx val="1"/>
-            <c:bubble3D val="0"/>
             <c:spPr>
               <a:solidFill>
                 <a:schemeClr val="accent2"/>
@@ -2049,7 +1825,6 @@
           </c:dPt>
           <c:dPt>
             <c:idx val="2"/>
-            <c:bubble3D val="0"/>
             <c:spPr>
               <a:solidFill>
                 <a:schemeClr val="accent3"/>
@@ -2064,7 +1839,6 @@
           </c:dPt>
           <c:dPt>
             <c:idx val="3"/>
-            <c:bubble3D val="0"/>
             <c:spPr>
               <a:solidFill>
                 <a:schemeClr val="accent4"/>
@@ -2079,7 +1853,6 @@
           </c:dPt>
           <c:dPt>
             <c:idx val="4"/>
-            <c:bubble3D val="0"/>
             <c:spPr>
               <a:solidFill>
                 <a:schemeClr val="accent5"/>
@@ -2094,7 +1867,6 @@
           </c:dPt>
           <c:dPt>
             <c:idx val="5"/>
-            <c:bubble3D val="0"/>
             <c:spPr>
               <a:solidFill>
                 <a:schemeClr val="accent6"/>
@@ -2109,7 +1881,6 @@
           </c:dPt>
           <c:dPt>
             <c:idx val="6"/>
-            <c:bubble3D val="0"/>
             <c:spPr>
               <a:solidFill>
                 <a:schemeClr val="accent1">
@@ -2129,8 +1900,8 @@
               <c:idx val="0"/>
               <c:layout>
                 <c:manualLayout>
-                  <c:x val="-8.0662761807977629E-2"/>
-                  <c:y val="-0.10419380142950486"/>
+                  <c:x val="-8.0662761807977643E-2"/>
+                  <c:y val="-0.10419380142950488"/>
                 </c:manualLayout>
               </c:layout>
               <c:spPr>
@@ -2151,12 +1922,7 @@
                 </a:p>
               </c:txPr>
               <c:dLblPos val="bestFit"/>
-              <c:showLegendKey val="0"/>
               <c:showVal val="1"/>
-              <c:showCatName val="0"/>
-              <c:showSerName val="0"/>
-              <c:showPercent val="0"/>
-              <c:showBubbleSize val="0"/>
               <c:extLst>
                 <c:ext xmlns:c15="http://schemas.microsoft.com/office/drawing/2012/chart" uri="{CE6537A1-D6FC-4f65-9D91-7224C49458BB}">
                   <c15:layout/>
@@ -2189,12 +1955,7 @@
                 </a:p>
               </c:txPr>
               <c:dLblPos val="bestFit"/>
-              <c:showLegendKey val="0"/>
               <c:showVal val="1"/>
-              <c:showCatName val="0"/>
-              <c:showSerName val="0"/>
-              <c:showPercent val="0"/>
-              <c:showBubbleSize val="0"/>
               <c:extLst>
                 <c:ext xmlns:c15="http://schemas.microsoft.com/office/drawing/2012/chart" uri="{CE6537A1-D6FC-4f65-9D91-7224C49458BB}">
                   <c15:layout/>
@@ -2234,20 +1995,13 @@
                   <a:endParaRPr lang="en-US"/>
                 </a:p>
               </c:txPr>
-              <c:dLblPos val="bestFit"/>
-              <c:showLegendKey val="0"/>
-              <c:showVal val="1"/>
-              <c:showCatName val="0"/>
-              <c:showSerName val="0"/>
-              <c:showPercent val="0"/>
-              <c:showBubbleSize val="0"/>
             </c:dLbl>
             <c:dLbl>
               <c:idx val="5"/>
               <c:layout>
                 <c:manualLayout>
-                  <c:x val="6.9236646683679612E-3"/>
-                  <c:y val="1.191333594231999E-2"/>
+                  <c:x val="6.9236646683679621E-3"/>
+                  <c:y val="1.1913335942319993E-2"/>
                 </c:manualLayout>
               </c:layout>
               <c:spPr>
@@ -2268,12 +2022,7 @@
                 </a:p>
               </c:txPr>
               <c:dLblPos val="bestFit"/>
-              <c:showLegendKey val="0"/>
               <c:showVal val="1"/>
-              <c:showCatName val="0"/>
-              <c:showSerName val="0"/>
-              <c:showPercent val="0"/>
-              <c:showBubbleSize val="0"/>
               <c:extLst>
                 <c:ext xmlns:c15="http://schemas.microsoft.com/office/drawing/2012/chart" uri="{CE6537A1-D6FC-4f65-9D91-7224C49458BB}">
                   <c15:layout/>
@@ -2305,12 +2054,7 @@
               </a:p>
             </c:txPr>
             <c:dLblPos val="bestFit"/>
-            <c:showLegendKey val="0"/>
             <c:showVal val="1"/>
-            <c:showCatName val="0"/>
-            <c:showSerName val="0"/>
-            <c:showPercent val="0"/>
-            <c:showBubbleSize val="0"/>
             <c:showLeaderLines val="1"/>
             <c:leaderLines>
               <c:spPr>
@@ -2365,7 +2109,7 @@
                 <c:formatCode>0%</c:formatCode>
                 <c:ptCount val="7"/>
                 <c:pt idx="0">
-                  <c:v>0.63460000000000083</c:v>
+                  <c:v>0.63460000000000094</c:v>
                 </c:pt>
                 <c:pt idx="1">
                   <c:v>0.26920000000000005</c:v>
@@ -2387,13 +2131,7 @@
           </c:val>
         </c:ser>
         <c:dLbls>
-          <c:showLegendKey val="0"/>
           <c:showVal val="1"/>
-          <c:showCatName val="0"/>
-          <c:showSerName val="0"/>
-          <c:showPercent val="0"/>
-          <c:showBubbleSize val="0"/>
-          <c:showLeaderLines val="1"/>
         </c:dLbls>
         <c:firstSliceAng val="0"/>
       </c:pieChart>
@@ -2421,7 +2159,6 @@
           <c:h val="0.1349757590344875"/>
         </c:manualLayout>
       </c:layout>
-      <c:overlay val="0"/>
       <c:spPr>
         <a:noFill/>
         <a:ln>
@@ -2442,7 +2179,6 @@
     </c:legend>
     <c:plotVisOnly val="1"/>
     <c:dispBlanksAs val="zero"/>
-    <c:showDLblsOverMax val="0"/>
   </c:chart>
   <c:spPr>
     <a:solidFill>
@@ -2469,25 +2205,13 @@
       <a:endParaRPr lang="en-US"/>
     </a:p>
   </c:txPr>
-  <c:externalData r:id="rId1">
-    <c:autoUpdate val="0"/>
-  </c:externalData>
+  <c:externalData r:id="rId1"/>
 </c:chartSpace>
 </file>
 
 <file path=ppt/charts/chart13.xml><?xml version="1.0" encoding="utf-8"?>
 <c:chartSpace xmlns:c="http://schemas.openxmlformats.org/drawingml/2006/chart" xmlns:a="http://schemas.openxmlformats.org/drawingml/2006/main" xmlns:r="http://schemas.openxmlformats.org/officeDocument/2006/relationships">
-  <c:date1904 val="0"/>
-  <c:lang val="en-US"/>
-  <c:roundedCorners val="0"/>
-  <mc:AlternateContent xmlns:mc="http://schemas.openxmlformats.org/markup-compatibility/2006">
-    <mc:Choice xmlns:c14="http://schemas.microsoft.com/office/drawing/2007/8/2/chart" Requires="c14">
-      <c14:style val="102"/>
-    </mc:Choice>
-    <mc:Fallback>
-      <c:style val="2"/>
-    </mc:Fallback>
-  </mc:AlternateContent>
+  <c:lang val="en-PH"/>
   <c:chart>
     <c:title>
       <c:tx>
@@ -2506,7 +2230,6 @@
         </c:rich>
       </c:tx>
       <c:layout/>
-      <c:overlay val="0"/>
       <c:spPr>
         <a:noFill/>
         <a:ln>
@@ -2515,13 +2238,11 @@
         <a:effectLst/>
       </c:spPr>
     </c:title>
-    <c:autoTitleDeleted val="0"/>
     <c:plotArea>
       <c:layout/>
       <c:barChart>
         <c:barDir val="col"/>
         <c:grouping val="clustered"/>
-        <c:varyColors val="0"/>
         <c:ser>
           <c:idx val="0"/>
           <c:order val="0"/>
@@ -2546,7 +2267,6 @@
             </a:ln>
             <a:effectLst/>
           </c:spPr>
-          <c:invertIfNegative val="0"/>
           <c:dLbls>
             <c:spPr>
               <a:noFill/>
@@ -2566,13 +2286,7 @@
               </a:p>
             </c:txPr>
             <c:dLblPos val="outEnd"/>
-            <c:showLegendKey val="0"/>
             <c:showVal val="1"/>
-            <c:showCatName val="0"/>
-            <c:showSerName val="0"/>
-            <c:showPercent val="0"/>
-            <c:showBubbleSize val="0"/>
-            <c:showLeaderLines val="0"/>
             <c:extLst>
               <c:ext xmlns:c15="http://schemas.microsoft.com/office/drawing/2012/chart" uri="{CE6537A1-D6FC-4f65-9D91-7224C49458BB}">
                 <c15:layout/>
@@ -2672,7 +2386,6 @@
             </a:ln>
             <a:effectLst/>
           </c:spPr>
-          <c:invertIfNegative val="0"/>
           <c:dLbls>
             <c:spPr>
               <a:noFill/>
@@ -2692,13 +2405,7 @@
               </a:p>
             </c:txPr>
             <c:dLblPos val="outEnd"/>
-            <c:showLegendKey val="0"/>
             <c:showVal val="1"/>
-            <c:showCatName val="0"/>
-            <c:showSerName val="0"/>
-            <c:showPercent val="0"/>
-            <c:showBubbleSize val="0"/>
-            <c:showLeaderLines val="0"/>
             <c:extLst>
               <c:ext xmlns:c15="http://schemas.microsoft.com/office/drawing/2012/chart" uri="{CE6537A1-D6FC-4f65-9D91-7224C49458BB}">
                 <c15:layout/>
@@ -2798,7 +2505,6 @@
             </a:ln>
             <a:effectLst/>
           </c:spPr>
-          <c:invertIfNegative val="0"/>
           <c:dLbls>
             <c:spPr>
               <a:noFill/>
@@ -2818,13 +2524,7 @@
               </a:p>
             </c:txPr>
             <c:dLblPos val="outEnd"/>
-            <c:showLegendKey val="0"/>
             <c:showVal val="1"/>
-            <c:showCatName val="0"/>
-            <c:showSerName val="0"/>
-            <c:showPercent val="0"/>
-            <c:showBubbleSize val="0"/>
-            <c:showLeaderLines val="0"/>
             <c:extLst>
               <c:ext xmlns:c15="http://schemas.microsoft.com/office/drawing/2012/chart" uri="{CE6537A1-D6FC-4f65-9D91-7224C49458BB}">
                 <c15:layout/>
@@ -2901,24 +2601,18 @@
           </c:val>
         </c:ser>
         <c:dLbls>
-          <c:showLegendKey val="0"/>
           <c:showVal val="1"/>
-          <c:showCatName val="0"/>
-          <c:showSerName val="0"/>
-          <c:showPercent val="0"/>
-          <c:showBubbleSize val="0"/>
         </c:dLbls>
         <c:gapWidth val="219"/>
         <c:overlap val="-27"/>
-        <c:axId val="409108544"/>
-        <c:axId val="409106304"/>
+        <c:axId val="131786624"/>
+        <c:axId val="131801088"/>
       </c:barChart>
       <c:catAx>
-        <c:axId val="409108544"/>
+        <c:axId val="131786624"/>
         <c:scaling>
           <c:orientation val="minMax"/>
         </c:scaling>
-        <c:delete val="0"/>
         <c:axPos val="b"/>
         <c:title>
           <c:tx>
@@ -2937,7 +2631,6 @@
             </c:rich>
           </c:tx>
           <c:layout/>
-          <c:overlay val="0"/>
           <c:spPr>
             <a:noFill/>
             <a:ln>
@@ -2948,7 +2641,6 @@
         </c:title>
         <c:numFmt formatCode="General" sourceLinked="1"/>
         <c:majorTickMark val="none"/>
-        <c:minorTickMark val="none"/>
         <c:tickLblPos val="nextTo"/>
         <c:spPr>
           <a:noFill/>
@@ -2973,20 +2665,18 @@
             <a:endParaRPr lang="en-US"/>
           </a:p>
         </c:txPr>
-        <c:crossAx val="409106304"/>
+        <c:crossAx val="131801088"/>
         <c:crosses val="autoZero"/>
         <c:auto val="1"/>
         <c:lblAlgn val="ctr"/>
         <c:lblOffset val="100"/>
-        <c:noMultiLvlLbl val="0"/>
       </c:catAx>
       <c:valAx>
-        <c:axId val="409106304"/>
+        <c:axId val="131801088"/>
         <c:scaling>
           <c:orientation val="minMax"/>
           <c:max val="20"/>
         </c:scaling>
-        <c:delete val="0"/>
         <c:axPos val="l"/>
         <c:majorGridlines>
           <c:spPr>
@@ -3022,11 +2712,10 @@
             <c:manualLayout>
               <c:xMode val="edge"/>
               <c:yMode val="edge"/>
-              <c:x val="1.6227008581539051E-2"/>
-              <c:y val="0.1296136974969371"/>
+              <c:x val="1.6227008581539054E-2"/>
+              <c:y val="0.12961369749693713"/>
             </c:manualLayout>
           </c:layout>
-          <c:overlay val="0"/>
           <c:spPr>
             <a:noFill/>
             <a:ln>
@@ -3037,7 +2726,6 @@
         </c:title>
         <c:numFmt formatCode="General" sourceLinked="1"/>
         <c:majorTickMark val="none"/>
-        <c:minorTickMark val="none"/>
         <c:tickLblPos val="nextTo"/>
         <c:spPr>
           <a:noFill/>
@@ -3056,7 +2744,7 @@
             <a:endParaRPr lang="en-US"/>
           </a:p>
         </c:txPr>
-        <c:crossAx val="409108544"/>
+        <c:crossAx val="131786624"/>
         <c:crosses val="autoZero"/>
         <c:crossBetween val="between"/>
         <c:majorUnit val="5"/>
@@ -3072,7 +2760,6 @@
     <c:legend>
       <c:legendPos val="b"/>
       <c:layout/>
-      <c:overlay val="0"/>
       <c:spPr>
         <a:noFill/>
         <a:ln>
@@ -3093,7 +2780,6 @@
     </c:legend>
     <c:plotVisOnly val="1"/>
     <c:dispBlanksAs val="gap"/>
-    <c:showDLblsOverMax val="0"/>
   </c:chart>
   <c:spPr>
     <a:solidFill>
@@ -3120,25 +2806,13 @@
       <a:endParaRPr lang="en-US"/>
     </a:p>
   </c:txPr>
-  <c:externalData r:id="rId1">
-    <c:autoUpdate val="0"/>
-  </c:externalData>
+  <c:externalData r:id="rId1"/>
 </c:chartSpace>
 </file>
 
 <file path=ppt/charts/chart2.xml><?xml version="1.0" encoding="utf-8"?>
 <c:chartSpace xmlns:c="http://schemas.openxmlformats.org/drawingml/2006/chart" xmlns:a="http://schemas.openxmlformats.org/drawingml/2006/main" xmlns:r="http://schemas.openxmlformats.org/officeDocument/2006/relationships">
-  <c:date1904 val="0"/>
-  <c:lang val="en-US"/>
-  <c:roundedCorners val="0"/>
-  <mc:AlternateContent xmlns:mc="http://schemas.openxmlformats.org/markup-compatibility/2006">
-    <mc:Choice xmlns:c14="http://schemas.microsoft.com/office/drawing/2007/8/2/chart" Requires="c14">
-      <c14:style val="102"/>
-    </mc:Choice>
-    <mc:Fallback>
-      <c:style val="2"/>
-    </mc:Fallback>
-  </mc:AlternateContent>
+  <c:lang val="en-PH"/>
   <c:chart>
     <c:title>
       <c:tx>
@@ -3181,7 +2855,6 @@
           <c:y val="3.5005724730837198E-2"/>
         </c:manualLayout>
       </c:layout>
-      <c:overlay val="0"/>
       <c:spPr>
         <a:noFill/>
         <a:ln>
@@ -3190,13 +2863,11 @@
         <a:effectLst/>
       </c:spPr>
     </c:title>
-    <c:autoTitleDeleted val="0"/>
     <c:plotArea>
       <c:layout/>
       <c:barChart>
         <c:barDir val="bar"/>
         <c:grouping val="clustered"/>
-        <c:varyColors val="0"/>
         <c:ser>
           <c:idx val="0"/>
           <c:order val="0"/>
@@ -3222,7 +2893,6 @@
             </a:ln>
             <a:effectLst/>
           </c:spPr>
-          <c:invertIfNegative val="0"/>
           <c:dLbls>
             <c:spPr>
               <a:noFill/>
@@ -3254,13 +2924,7 @@
               </a:p>
             </c:txPr>
             <c:dLblPos val="outEnd"/>
-            <c:showLegendKey val="0"/>
             <c:showVal val="1"/>
-            <c:showCatName val="0"/>
-            <c:showSerName val="0"/>
-            <c:showPercent val="0"/>
-            <c:showBubbleSize val="0"/>
-            <c:showLeaderLines val="0"/>
             <c:extLst>
               <c:ext xmlns:c15="http://schemas.microsoft.com/office/drawing/2012/chart" uri="{CE6537A1-D6FC-4f65-9D91-7224C49458BB}">
                 <c15:layout/>
@@ -3324,7 +2988,7 @@
                   <c:v>3.6</c:v>
                 </c:pt>
                 <c:pt idx="3">
-                  <c:v>1.9</c:v>
+                  <c:v>1.9000000000000001</c:v>
                 </c:pt>
                 <c:pt idx="4">
                   <c:v>2.8</c:v>
@@ -3359,7 +3023,6 @@
             </a:ln>
             <a:effectLst/>
           </c:spPr>
-          <c:invertIfNegative val="0"/>
           <c:dLbls>
             <c:spPr>
               <a:noFill/>
@@ -3391,13 +3054,7 @@
               </a:p>
             </c:txPr>
             <c:dLblPos val="outEnd"/>
-            <c:showLegendKey val="0"/>
             <c:showVal val="1"/>
-            <c:showCatName val="0"/>
-            <c:showSerName val="0"/>
-            <c:showPercent val="0"/>
-            <c:showBubbleSize val="0"/>
-            <c:showLeaderLines val="0"/>
             <c:extLst>
               <c:ext xmlns:c15="http://schemas.microsoft.com/office/drawing/2012/chart" uri="{CE6537A1-D6FC-4f65-9D91-7224C49458BB}">
                 <c15:showLeaderLines val="1"/>
@@ -3477,7 +3134,6 @@
             </a:ln>
             <a:effectLst/>
           </c:spPr>
-          <c:invertIfNegative val="0"/>
           <c:dLbls>
             <c:spPr>
               <a:noFill/>
@@ -3509,13 +3165,7 @@
               </a:p>
             </c:txPr>
             <c:dLblPos val="outEnd"/>
-            <c:showLegendKey val="0"/>
             <c:showVal val="1"/>
-            <c:showCatName val="0"/>
-            <c:showSerName val="0"/>
-            <c:showPercent val="0"/>
-            <c:showBubbleSize val="0"/>
-            <c:showLeaderLines val="0"/>
             <c:extLst>
               <c:ext xmlns:c15="http://schemas.microsoft.com/office/drawing/2012/chart" uri="{CE6537A1-D6FC-4f65-9D91-7224C49458BB}">
                 <c15:showLeaderLines val="1"/>
@@ -3573,27 +3223,20 @@
           </c:val>
         </c:ser>
         <c:dLbls>
-          <c:showLegendKey val="0"/>
           <c:showVal val="1"/>
-          <c:showCatName val="0"/>
-          <c:showSerName val="0"/>
-          <c:showPercent val="0"/>
-          <c:showBubbleSize val="0"/>
         </c:dLbls>
         <c:gapWidth val="182"/>
-        <c:axId val="290886448"/>
-        <c:axId val="290887008"/>
+        <c:axId val="107511808"/>
+        <c:axId val="107513344"/>
       </c:barChart>
       <c:catAx>
-        <c:axId val="290886448"/>
+        <c:axId val="107511808"/>
         <c:scaling>
           <c:orientation val="minMax"/>
         </c:scaling>
-        <c:delete val="0"/>
         <c:axPos val="l"/>
         <c:numFmt formatCode="General" sourceLinked="1"/>
         <c:majorTickMark val="none"/>
-        <c:minorTickMark val="none"/>
         <c:tickLblPos val="nextTo"/>
         <c:spPr>
           <a:noFill/>
@@ -3628,21 +3271,19 @@
             <a:endParaRPr lang="en-US"/>
           </a:p>
         </c:txPr>
-        <c:crossAx val="290887008"/>
+        <c:crossAx val="107513344"/>
         <c:crosses val="autoZero"/>
         <c:auto val="1"/>
         <c:lblAlgn val="ctr"/>
         <c:lblOffset val="100"/>
-        <c:noMultiLvlLbl val="0"/>
       </c:catAx>
       <c:valAx>
-        <c:axId val="290887008"/>
+        <c:axId val="107513344"/>
         <c:scaling>
           <c:orientation val="minMax"/>
           <c:max val="5"/>
           <c:min val="0"/>
         </c:scaling>
-        <c:delete val="0"/>
         <c:axPos val="b"/>
         <c:majorGridlines>
           <c:spPr>
@@ -3660,7 +3301,6 @@
         </c:majorGridlines>
         <c:numFmt formatCode="#,##0.00" sourceLinked="0"/>
         <c:majorTickMark val="none"/>
-        <c:minorTickMark val="none"/>
         <c:tickLblPos val="nextTo"/>
         <c:spPr>
           <a:noFill/>
@@ -3689,7 +3329,7 @@
             <a:endParaRPr lang="en-US"/>
           </a:p>
         </c:txPr>
-        <c:crossAx val="290886448"/>
+        <c:crossAx val="107511808"/>
         <c:crosses val="autoZero"/>
         <c:crossBetween val="between"/>
         <c:majorUnit val="1"/>
@@ -3704,7 +3344,6 @@
     </c:plotArea>
     <c:plotVisOnly val="1"/>
     <c:dispBlanksAs val="gap"/>
-    <c:showDLblsOverMax val="0"/>
   </c:chart>
   <c:spPr>
     <a:solidFill>
@@ -3731,25 +3370,14 @@
       <a:endParaRPr lang="en-US"/>
     </a:p>
   </c:txPr>
-  <c:externalData r:id="rId1">
-    <c:autoUpdate val="0"/>
-  </c:externalData>
+  <c:externalData r:id="rId1"/>
 </c:chartSpace>
 </file>
 
 <file path=ppt/charts/chart3.xml><?xml version="1.0" encoding="utf-8"?>
 <c:chartSpace xmlns:c="http://schemas.openxmlformats.org/drawingml/2006/chart" xmlns:a="http://schemas.openxmlformats.org/drawingml/2006/main" xmlns:r="http://schemas.openxmlformats.org/officeDocument/2006/relationships">
-  <c:date1904 val="0"/>
-  <c:lang val="en-US"/>
-  <c:roundedCorners val="0"/>
-  <mc:AlternateContent xmlns:mc="http://schemas.openxmlformats.org/markup-compatibility/2006">
-    <mc:Choice xmlns:c14="http://schemas.microsoft.com/office/drawing/2007/8/2/chart" Requires="c14">
-      <c14:style val="103"/>
-    </mc:Choice>
-    <mc:Fallback>
-      <c:style val="3"/>
-    </mc:Fallback>
-  </mc:AlternateContent>
+  <c:lang val="en-PH"/>
+  <c:style val="3"/>
   <c:chart>
     <c:title>
       <c:tx>
@@ -3781,7 +3409,6 @@
         </c:rich>
       </c:tx>
       <c:layout/>
-      <c:overlay val="0"/>
       <c:spPr>
         <a:noFill/>
         <a:ln>
@@ -3789,34 +3416,12 @@
         </a:ln>
         <a:effectLst/>
       </c:spPr>
-      <c:txPr>
-        <a:bodyPr rot="0" spcFirstLastPara="1" vertOverflow="ellipsis" vert="horz" wrap="square" anchor="ctr" anchorCtr="1"/>
-        <a:lstStyle/>
-        <a:p>
-          <a:pPr>
-            <a:defRPr sz="1800" b="0" i="0" u="none" strike="noStrike" kern="1200" spc="0" baseline="0">
-              <a:solidFill>
-                <a:schemeClr val="tx1">
-                  <a:lumMod val="65000"/>
-                  <a:lumOff val="35000"/>
-                </a:schemeClr>
-              </a:solidFill>
-              <a:latin typeface="+mn-lt"/>
-              <a:ea typeface="+mn-ea"/>
-              <a:cs typeface="+mn-cs"/>
-            </a:defRPr>
-          </a:pPr>
-          <a:endParaRPr lang="en-US"/>
-        </a:p>
-      </c:txPr>
     </c:title>
-    <c:autoTitleDeleted val="0"/>
     <c:plotArea>
       <c:layout/>
       <c:barChart>
         <c:barDir val="col"/>
         <c:grouping val="clustered"/>
-        <c:varyColors val="0"/>
         <c:ser>
           <c:idx val="0"/>
           <c:order val="0"/>
@@ -3842,7 +3447,6 @@
             </a:ln>
             <a:effectLst/>
           </c:spPr>
-          <c:invertIfNegative val="0"/>
           <c:dLbls>
             <c:spPr>
               <a:noFill/>
@@ -3874,13 +3478,7 @@
               </a:p>
             </c:txPr>
             <c:dLblPos val="outEnd"/>
-            <c:showLegendKey val="0"/>
             <c:showVal val="1"/>
-            <c:showCatName val="0"/>
-            <c:showSerName val="0"/>
-            <c:showPercent val="0"/>
-            <c:showBubbleSize val="0"/>
-            <c:showLeaderLines val="0"/>
             <c:extLst>
               <c:ext xmlns:c15="http://schemas.microsoft.com/office/drawing/2012/chart" uri="{CE6537A1-D6FC-4f65-9D91-7224C49458BB}">
                 <c15:layout/>
@@ -3976,7 +3574,6 @@
             </a:ln>
             <a:effectLst/>
           </c:spPr>
-          <c:invertIfNegative val="0"/>
           <c:dLbls>
             <c:spPr>
               <a:noFill/>
@@ -4008,13 +3605,7 @@
               </a:p>
             </c:txPr>
             <c:dLblPos val="outEnd"/>
-            <c:showLegendKey val="0"/>
             <c:showVal val="1"/>
-            <c:showCatName val="0"/>
-            <c:showSerName val="0"/>
-            <c:showPercent val="0"/>
-            <c:showBubbleSize val="0"/>
-            <c:showLeaderLines val="0"/>
             <c:extLst>
               <c:ext xmlns:c15="http://schemas.microsoft.com/office/drawing/2012/chart" uri="{CE6537A1-D6FC-4f65-9D91-7224C49458BB}">
                 <c15:layout/>
@@ -4108,7 +3699,6 @@
             </a:ln>
             <a:effectLst/>
           </c:spPr>
-          <c:invertIfNegative val="0"/>
           <c:dLbls>
             <c:spPr>
               <a:noFill/>
@@ -4140,13 +3730,7 @@
               </a:p>
             </c:txPr>
             <c:dLblPos val="outEnd"/>
-            <c:showLegendKey val="0"/>
             <c:showVal val="1"/>
-            <c:showCatName val="0"/>
-            <c:showSerName val="0"/>
-            <c:showPercent val="0"/>
-            <c:showBubbleSize val="0"/>
-            <c:showLeaderLines val="0"/>
             <c:extLst>
               <c:ext xmlns:c15="http://schemas.microsoft.com/office/drawing/2012/chart" uri="{CE6537A1-D6FC-4f65-9D91-7224C49458BB}">
                 <c15:layout/>
@@ -4242,7 +3826,6 @@
             </a:ln>
             <a:effectLst/>
           </c:spPr>
-          <c:invertIfNegative val="0"/>
           <c:dLbls>
             <c:spPr>
               <a:noFill/>
@@ -4274,13 +3857,7 @@
               </a:p>
             </c:txPr>
             <c:dLblPos val="outEnd"/>
-            <c:showLegendKey val="0"/>
             <c:showVal val="1"/>
-            <c:showCatName val="0"/>
-            <c:showSerName val="0"/>
-            <c:showPercent val="0"/>
-            <c:showBubbleSize val="0"/>
-            <c:showLeaderLines val="0"/>
             <c:extLst>
               <c:ext xmlns:c15="http://schemas.microsoft.com/office/drawing/2012/chart" uri="{CE6537A1-D6FC-4f65-9D91-7224C49458BB}">
                 <c15:layout/>
@@ -4376,7 +3953,6 @@
             </a:ln>
             <a:effectLst/>
           </c:spPr>
-          <c:invertIfNegative val="0"/>
           <c:dLbls>
             <c:spPr>
               <a:noFill/>
@@ -4408,13 +3984,7 @@
               </a:p>
             </c:txPr>
             <c:dLblPos val="outEnd"/>
-            <c:showLegendKey val="0"/>
             <c:showVal val="1"/>
-            <c:showCatName val="0"/>
-            <c:showSerName val="0"/>
-            <c:showPercent val="0"/>
-            <c:showBubbleSize val="0"/>
-            <c:showLeaderLines val="0"/>
             <c:extLst>
               <c:ext xmlns:c15="http://schemas.microsoft.com/office/drawing/2012/chart" uri="{CE6537A1-D6FC-4f65-9D91-7224C49458BB}">
                 <c15:layout/>
@@ -4486,24 +4056,18 @@
           </c:val>
         </c:ser>
         <c:dLbls>
-          <c:showLegendKey val="0"/>
           <c:showVal val="1"/>
-          <c:showCatName val="0"/>
-          <c:showSerName val="0"/>
-          <c:showPercent val="0"/>
-          <c:showBubbleSize val="0"/>
         </c:dLbls>
         <c:gapWidth val="219"/>
         <c:overlap val="-27"/>
-        <c:axId val="294188064"/>
-        <c:axId val="294191984"/>
+        <c:axId val="41697664"/>
+        <c:axId val="41699584"/>
       </c:barChart>
       <c:catAx>
-        <c:axId val="294188064"/>
+        <c:axId val="41697664"/>
         <c:scaling>
           <c:orientation val="minMax"/>
         </c:scaling>
-        <c:delete val="0"/>
         <c:axPos val="b"/>
         <c:title>
           <c:tx>
@@ -4532,7 +4096,6 @@
             </c:rich>
           </c:tx>
           <c:layout/>
-          <c:overlay val="0"/>
           <c:spPr>
             <a:noFill/>
             <a:ln>
@@ -4540,30 +4103,9 @@
             </a:ln>
             <a:effectLst/>
           </c:spPr>
-          <c:txPr>
-            <a:bodyPr rot="0" spcFirstLastPara="1" vertOverflow="ellipsis" vert="horz" wrap="square" anchor="ctr" anchorCtr="1"/>
-            <a:lstStyle/>
-            <a:p>
-              <a:pPr>
-                <a:defRPr sz="1000" b="1" i="0" u="none" strike="noStrike" kern="1200" baseline="0">
-                  <a:solidFill>
-                    <a:schemeClr val="tx1">
-                      <a:lumMod val="65000"/>
-                      <a:lumOff val="35000"/>
-                    </a:schemeClr>
-                  </a:solidFill>
-                  <a:latin typeface="+mn-lt"/>
-                  <a:ea typeface="+mn-ea"/>
-                  <a:cs typeface="+mn-cs"/>
-                </a:defRPr>
-              </a:pPr>
-              <a:endParaRPr lang="en-US"/>
-            </a:p>
-          </c:txPr>
         </c:title>
         <c:numFmt formatCode="General" sourceLinked="1"/>
         <c:majorTickMark val="none"/>
-        <c:minorTickMark val="none"/>
         <c:tickLblPos val="nextTo"/>
         <c:spPr>
           <a:noFill/>
@@ -4599,20 +4141,18 @@
             <a:endParaRPr lang="en-US"/>
           </a:p>
         </c:txPr>
-        <c:crossAx val="294191984"/>
+        <c:crossAx val="41699584"/>
         <c:crosses val="autoZero"/>
         <c:auto val="1"/>
         <c:lblAlgn val="ctr"/>
         <c:lblOffset val="100"/>
-        <c:noMultiLvlLbl val="0"/>
       </c:catAx>
       <c:valAx>
-        <c:axId val="294191984"/>
+        <c:axId val="41699584"/>
         <c:scaling>
           <c:orientation val="minMax"/>
           <c:max val="60"/>
         </c:scaling>
-        <c:delete val="0"/>
         <c:axPos val="l"/>
         <c:majorGridlines>
           <c:spPr>
@@ -4659,11 +4199,10 @@
             <c:manualLayout>
               <c:xMode val="edge"/>
               <c:yMode val="edge"/>
-              <c:x val="1.5555123468792544E-2"/>
+              <c:x val="1.5555123468792547E-2"/>
               <c:y val="0.23434157756492024"/>
             </c:manualLayout>
           </c:layout>
-          <c:overlay val="0"/>
           <c:spPr>
             <a:noFill/>
             <a:ln>
@@ -4671,30 +4210,9 @@
             </a:ln>
             <a:effectLst/>
           </c:spPr>
-          <c:txPr>
-            <a:bodyPr rot="-5400000" spcFirstLastPara="1" vertOverflow="ellipsis" vert="horz" wrap="square" anchor="ctr" anchorCtr="1"/>
-            <a:lstStyle/>
-            <a:p>
-              <a:pPr>
-                <a:defRPr sz="1100" b="1" i="0" u="none" strike="noStrike" kern="1200" baseline="0">
-                  <a:solidFill>
-                    <a:schemeClr val="tx1">
-                      <a:lumMod val="65000"/>
-                      <a:lumOff val="35000"/>
-                    </a:schemeClr>
-                  </a:solidFill>
-                  <a:latin typeface="+mn-lt"/>
-                  <a:ea typeface="+mn-ea"/>
-                  <a:cs typeface="+mn-cs"/>
-                </a:defRPr>
-              </a:pPr>
-              <a:endParaRPr lang="en-US"/>
-            </a:p>
-          </c:txPr>
         </c:title>
         <c:numFmt formatCode="General" sourceLinked="1"/>
         <c:majorTickMark val="none"/>
-        <c:minorTickMark val="none"/>
         <c:tickLblPos val="nextTo"/>
         <c:spPr>
           <a:noFill/>
@@ -4725,7 +4243,7 @@
             <a:endParaRPr lang="en-US"/>
           </a:p>
         </c:txPr>
-        <c:crossAx val="294188064"/>
+        <c:crossAx val="41697664"/>
         <c:crosses val="autoZero"/>
         <c:crossBetween val="between"/>
         <c:majorUnit val="10"/>
@@ -4744,13 +4262,12 @@
         <c:manualLayout>
           <c:xMode val="edge"/>
           <c:yMode val="edge"/>
-          <c:x val="2.6290455186393585E-2"/>
-          <c:y val="0.83748316582056426"/>
+          <c:x val="2.6290455186393592E-2"/>
+          <c:y val="0.83748316582056415"/>
           <c:w val="0.95519649826000064"/>
-          <c:h val="0.1398881334440023"/>
+          <c:h val="0.13988813344400233"/>
         </c:manualLayout>
       </c:layout>
-      <c:overlay val="0"/>
       <c:spPr>
         <a:noFill/>
         <a:ln>
@@ -4781,7 +4298,6 @@
     </c:legend>
     <c:plotVisOnly val="1"/>
     <c:dispBlanksAs val="gap"/>
-    <c:showDLblsOverMax val="0"/>
   </c:chart>
   <c:spPr>
     <a:solidFill>
@@ -4809,25 +4325,14 @@
       <a:endParaRPr lang="en-US"/>
     </a:p>
   </c:txPr>
-  <c:externalData r:id="rId3">
-    <c:autoUpdate val="0"/>
-  </c:externalData>
+  <c:externalData r:id="rId1"/>
 </c:chartSpace>
 </file>
 
 <file path=ppt/charts/chart4.xml><?xml version="1.0" encoding="utf-8"?>
 <c:chartSpace xmlns:c="http://schemas.openxmlformats.org/drawingml/2006/chart" xmlns:a="http://schemas.openxmlformats.org/drawingml/2006/main" xmlns:r="http://schemas.openxmlformats.org/officeDocument/2006/relationships">
-  <c:date1904 val="0"/>
-  <c:lang val="en-US"/>
-  <c:roundedCorners val="0"/>
-  <mc:AlternateContent xmlns:mc="http://schemas.openxmlformats.org/markup-compatibility/2006">
-    <mc:Choice xmlns:c14="http://schemas.microsoft.com/office/drawing/2007/8/2/chart" Requires="c14">
-      <c14:style val="107"/>
-    </mc:Choice>
-    <mc:Fallback>
-      <c:style val="7"/>
-    </mc:Fallback>
-  </mc:AlternateContent>
+  <c:lang val="en-PH"/>
+  <c:style val="7"/>
   <c:chart>
     <c:title>
       <c:tx>
@@ -4859,7 +4364,6 @@
         </c:rich>
       </c:tx>
       <c:layout/>
-      <c:overlay val="0"/>
       <c:spPr>
         <a:noFill/>
         <a:ln>
@@ -4867,34 +4371,12 @@
         </a:ln>
         <a:effectLst/>
       </c:spPr>
-      <c:txPr>
-        <a:bodyPr rot="0" spcFirstLastPara="1" vertOverflow="ellipsis" vert="horz" wrap="square" anchor="ctr" anchorCtr="1"/>
-        <a:lstStyle/>
-        <a:p>
-          <a:pPr>
-            <a:defRPr sz="1800" b="0" i="0" u="none" strike="noStrike" kern="1200" spc="0" baseline="0">
-              <a:solidFill>
-                <a:schemeClr val="tx1">
-                  <a:lumMod val="65000"/>
-                  <a:lumOff val="35000"/>
-                </a:schemeClr>
-              </a:solidFill>
-              <a:latin typeface="+mn-lt"/>
-              <a:ea typeface="+mn-ea"/>
-              <a:cs typeface="+mn-cs"/>
-            </a:defRPr>
-          </a:pPr>
-          <a:endParaRPr lang="en-US"/>
-        </a:p>
-      </c:txPr>
     </c:title>
-    <c:autoTitleDeleted val="0"/>
     <c:plotArea>
       <c:layout/>
       <c:barChart>
         <c:barDir val="col"/>
         <c:grouping val="clustered"/>
-        <c:varyColors val="0"/>
         <c:ser>
           <c:idx val="0"/>
           <c:order val="0"/>
@@ -4920,7 +4402,6 @@
             </a:ln>
             <a:effectLst/>
           </c:spPr>
-          <c:invertIfNegative val="0"/>
           <c:dLbls>
             <c:spPr>
               <a:noFill/>
@@ -4952,13 +4433,7 @@
               </a:p>
             </c:txPr>
             <c:dLblPos val="outEnd"/>
-            <c:showLegendKey val="0"/>
             <c:showVal val="1"/>
-            <c:showCatName val="0"/>
-            <c:showSerName val="0"/>
-            <c:showPercent val="0"/>
-            <c:showBubbleSize val="0"/>
-            <c:showLeaderLines val="0"/>
             <c:extLst>
               <c:ext xmlns:c15="http://schemas.microsoft.com/office/drawing/2012/chart" uri="{CE6537A1-D6FC-4f65-9D91-7224C49458BB}">
                 <c15:layout/>
@@ -5054,7 +4529,6 @@
             </a:ln>
             <a:effectLst/>
           </c:spPr>
-          <c:invertIfNegative val="0"/>
           <c:dLbls>
             <c:spPr>
               <a:noFill/>
@@ -5086,13 +4560,7 @@
               </a:p>
             </c:txPr>
             <c:dLblPos val="outEnd"/>
-            <c:showLegendKey val="0"/>
             <c:showVal val="1"/>
-            <c:showCatName val="0"/>
-            <c:showSerName val="0"/>
-            <c:showPercent val="0"/>
-            <c:showBubbleSize val="0"/>
-            <c:showLeaderLines val="0"/>
             <c:extLst>
               <c:ext xmlns:c15="http://schemas.microsoft.com/office/drawing/2012/chart" uri="{CE6537A1-D6FC-4f65-9D91-7224C49458BB}">
                 <c15:layout/>
@@ -5186,7 +4654,6 @@
             </a:ln>
             <a:effectLst/>
           </c:spPr>
-          <c:invertIfNegative val="0"/>
           <c:dLbls>
             <c:spPr>
               <a:noFill/>
@@ -5218,13 +4685,7 @@
               </a:p>
             </c:txPr>
             <c:dLblPos val="outEnd"/>
-            <c:showLegendKey val="0"/>
             <c:showVal val="1"/>
-            <c:showCatName val="0"/>
-            <c:showSerName val="0"/>
-            <c:showPercent val="0"/>
-            <c:showBubbleSize val="0"/>
-            <c:showLeaderLines val="0"/>
             <c:extLst>
               <c:ext xmlns:c15="http://schemas.microsoft.com/office/drawing/2012/chart" uri="{CE6537A1-D6FC-4f65-9D91-7224C49458BB}">
                 <c15:layout/>
@@ -5320,7 +4781,6 @@
             </a:ln>
             <a:effectLst/>
           </c:spPr>
-          <c:invertIfNegative val="0"/>
           <c:dLbls>
             <c:spPr>
               <a:noFill/>
@@ -5352,13 +4812,7 @@
               </a:p>
             </c:txPr>
             <c:dLblPos val="outEnd"/>
-            <c:showLegendKey val="0"/>
             <c:showVal val="1"/>
-            <c:showCatName val="0"/>
-            <c:showSerName val="0"/>
-            <c:showPercent val="0"/>
-            <c:showBubbleSize val="0"/>
-            <c:showLeaderLines val="0"/>
             <c:extLst>
               <c:ext xmlns:c15="http://schemas.microsoft.com/office/drawing/2012/chart" uri="{CE6537A1-D6FC-4f65-9D91-7224C49458BB}">
                 <c15:layout/>
@@ -5454,7 +4908,6 @@
             </a:ln>
             <a:effectLst/>
           </c:spPr>
-          <c:invertIfNegative val="0"/>
           <c:dLbls>
             <c:spPr>
               <a:noFill/>
@@ -5486,13 +4939,7 @@
               </a:p>
             </c:txPr>
             <c:dLblPos val="outEnd"/>
-            <c:showLegendKey val="0"/>
             <c:showVal val="1"/>
-            <c:showCatName val="0"/>
-            <c:showSerName val="0"/>
-            <c:showPercent val="0"/>
-            <c:showBubbleSize val="0"/>
-            <c:showLeaderLines val="0"/>
             <c:extLst>
               <c:ext xmlns:c15="http://schemas.microsoft.com/office/drawing/2012/chart" uri="{CE6537A1-D6FC-4f65-9D91-7224C49458BB}">
                 <c15:layout/>
@@ -5564,24 +5011,18 @@
           </c:val>
         </c:ser>
         <c:dLbls>
-          <c:showLegendKey val="0"/>
           <c:showVal val="1"/>
-          <c:showCatName val="0"/>
-          <c:showSerName val="0"/>
-          <c:showPercent val="0"/>
-          <c:showBubbleSize val="0"/>
         </c:dLbls>
         <c:gapWidth val="219"/>
         <c:overlap val="-27"/>
-        <c:axId val="296068080"/>
-        <c:axId val="290890368"/>
+        <c:axId val="41893248"/>
+        <c:axId val="41911808"/>
       </c:barChart>
       <c:catAx>
-        <c:axId val="296068080"/>
+        <c:axId val="41893248"/>
         <c:scaling>
           <c:orientation val="minMax"/>
         </c:scaling>
-        <c:delete val="0"/>
         <c:axPos val="b"/>
         <c:title>
           <c:tx>
@@ -5610,7 +5051,6 @@
             </c:rich>
           </c:tx>
           <c:layout/>
-          <c:overlay val="0"/>
           <c:spPr>
             <a:noFill/>
             <a:ln>
@@ -5618,30 +5058,9 @@
             </a:ln>
             <a:effectLst/>
           </c:spPr>
-          <c:txPr>
-            <a:bodyPr rot="0" spcFirstLastPara="1" vertOverflow="ellipsis" vert="horz" wrap="square" anchor="ctr" anchorCtr="1"/>
-            <a:lstStyle/>
-            <a:p>
-              <a:pPr>
-                <a:defRPr sz="1000" b="1" i="0" u="none" strike="noStrike" kern="1200" baseline="0">
-                  <a:solidFill>
-                    <a:schemeClr val="tx1">
-                      <a:lumMod val="65000"/>
-                      <a:lumOff val="35000"/>
-                    </a:schemeClr>
-                  </a:solidFill>
-                  <a:latin typeface="+mn-lt"/>
-                  <a:ea typeface="+mn-ea"/>
-                  <a:cs typeface="+mn-cs"/>
-                </a:defRPr>
-              </a:pPr>
-              <a:endParaRPr lang="en-US"/>
-            </a:p>
-          </c:txPr>
         </c:title>
         <c:numFmt formatCode="General" sourceLinked="1"/>
         <c:majorTickMark val="none"/>
-        <c:minorTickMark val="none"/>
         <c:tickLblPos val="nextTo"/>
         <c:spPr>
           <a:noFill/>
@@ -5677,20 +5096,18 @@
             <a:endParaRPr lang="en-US"/>
           </a:p>
         </c:txPr>
-        <c:crossAx val="290890368"/>
+        <c:crossAx val="41911808"/>
         <c:crosses val="autoZero"/>
         <c:auto val="1"/>
         <c:lblAlgn val="ctr"/>
         <c:lblOffset val="100"/>
-        <c:noMultiLvlLbl val="0"/>
       </c:catAx>
       <c:valAx>
-        <c:axId val="290890368"/>
+        <c:axId val="41911808"/>
         <c:scaling>
           <c:orientation val="minMax"/>
           <c:max val="60"/>
         </c:scaling>
-        <c:delete val="0"/>
         <c:axPos val="l"/>
         <c:majorGridlines>
           <c:spPr>
@@ -5737,11 +5154,10 @@
             <c:manualLayout>
               <c:xMode val="edge"/>
               <c:yMode val="edge"/>
-              <c:x val="1.7499513902391583E-2"/>
+              <c:x val="1.7499513902391579E-2"/>
               <c:y val="0.27987393149171852"/>
             </c:manualLayout>
           </c:layout>
-          <c:overlay val="0"/>
           <c:spPr>
             <a:noFill/>
             <a:ln>
@@ -5749,30 +5165,9 @@
             </a:ln>
             <a:effectLst/>
           </c:spPr>
-          <c:txPr>
-            <a:bodyPr rot="-5400000" spcFirstLastPara="1" vertOverflow="ellipsis" vert="horz" wrap="square" anchor="ctr" anchorCtr="1"/>
-            <a:lstStyle/>
-            <a:p>
-              <a:pPr>
-                <a:defRPr sz="1100" b="1" i="0" u="none" strike="noStrike" kern="1200" baseline="0">
-                  <a:solidFill>
-                    <a:schemeClr val="tx1">
-                      <a:lumMod val="65000"/>
-                      <a:lumOff val="35000"/>
-                    </a:schemeClr>
-                  </a:solidFill>
-                  <a:latin typeface="+mn-lt"/>
-                  <a:ea typeface="+mn-ea"/>
-                  <a:cs typeface="+mn-cs"/>
-                </a:defRPr>
-              </a:pPr>
-              <a:endParaRPr lang="en-US"/>
-            </a:p>
-          </c:txPr>
         </c:title>
         <c:numFmt formatCode="General" sourceLinked="1"/>
         <c:majorTickMark val="none"/>
-        <c:minorTickMark val="none"/>
         <c:tickLblPos val="nextTo"/>
         <c:spPr>
           <a:noFill/>
@@ -5803,7 +5198,7 @@
             <a:endParaRPr lang="en-US"/>
           </a:p>
         </c:txPr>
-        <c:crossAx val="296068080"/>
+        <c:crossAx val="41893248"/>
         <c:crosses val="autoZero"/>
         <c:crossBetween val="between"/>
         <c:majorUnit val="10"/>
@@ -5823,12 +5218,11 @@
           <c:xMode val="edge"/>
           <c:yMode val="edge"/>
           <c:x val="3.7276567339446204E-2"/>
-          <c:y val="0.85590590676249123"/>
+          <c:y val="0.85590590676249134"/>
           <c:w val="0.92544686532110754"/>
-          <c:h val="0.12403055871151052"/>
+          <c:h val="0.12403055871151054"/>
         </c:manualLayout>
       </c:layout>
-      <c:overlay val="0"/>
       <c:spPr>
         <a:noFill/>
         <a:ln>
@@ -5859,7 +5253,6 @@
     </c:legend>
     <c:plotVisOnly val="1"/>
     <c:dispBlanksAs val="gap"/>
-    <c:showDLblsOverMax val="0"/>
   </c:chart>
   <c:spPr>
     <a:solidFill>
@@ -5887,25 +5280,13 @@
       <a:endParaRPr lang="en-US"/>
     </a:p>
   </c:txPr>
-  <c:externalData r:id="rId3">
-    <c:autoUpdate val="0"/>
-  </c:externalData>
+  <c:externalData r:id="rId1"/>
 </c:chartSpace>
 </file>
 
 <file path=ppt/charts/chart5.xml><?xml version="1.0" encoding="utf-8"?>
 <c:chartSpace xmlns:c="http://schemas.openxmlformats.org/drawingml/2006/chart" xmlns:a="http://schemas.openxmlformats.org/drawingml/2006/main" xmlns:r="http://schemas.openxmlformats.org/officeDocument/2006/relationships">
-  <c:date1904 val="0"/>
-  <c:lang val="en-US"/>
-  <c:roundedCorners val="0"/>
-  <mc:AlternateContent xmlns:mc="http://schemas.openxmlformats.org/markup-compatibility/2006">
-    <mc:Choice xmlns:c14="http://schemas.microsoft.com/office/drawing/2007/8/2/chart" Requires="c14">
-      <c14:style val="102"/>
-    </mc:Choice>
-    <mc:Fallback>
-      <c:style val="2"/>
-    </mc:Fallback>
-  </mc:AlternateContent>
+  <c:lang val="en-PH"/>
   <c:chart>
     <c:title>
       <c:tx>
@@ -5940,11 +5321,10 @@
         <c:manualLayout>
           <c:xMode val="edge"/>
           <c:yMode val="edge"/>
-          <c:x val="0.13225253804192236"/>
-          <c:y val="1.8857250612860654E-2"/>
+          <c:x val="0.13225253804192239"/>
+          <c:y val="1.8857250612860657E-2"/>
         </c:manualLayout>
       </c:layout>
-      <c:overlay val="0"/>
       <c:spPr>
         <a:noFill/>
         <a:ln>
@@ -5953,13 +5333,11 @@
         <a:effectLst/>
       </c:spPr>
     </c:title>
-    <c:autoTitleDeleted val="0"/>
     <c:plotArea>
       <c:layout/>
       <c:barChart>
         <c:barDir val="col"/>
         <c:grouping val="clustered"/>
-        <c:varyColors val="0"/>
         <c:ser>
           <c:idx val="0"/>
           <c:order val="0"/>
@@ -5983,7 +5361,6 @@
             </a:ln>
             <a:effectLst/>
           </c:spPr>
-          <c:invertIfNegative val="0"/>
           <c:dLbls>
             <c:spPr>
               <a:noFill/>
@@ -6015,13 +5392,7 @@
               </a:p>
             </c:txPr>
             <c:dLblPos val="outEnd"/>
-            <c:showLegendKey val="0"/>
             <c:showVal val="1"/>
-            <c:showCatName val="0"/>
-            <c:showSerName val="0"/>
-            <c:showPercent val="0"/>
-            <c:showBubbleSize val="0"/>
-            <c:showLeaderLines val="0"/>
             <c:extLst>
               <c:ext xmlns:c15="http://schemas.microsoft.com/office/drawing/2012/chart" uri="{CE6537A1-D6FC-4f65-9D91-7224C49458BB}">
                 <c15:showLeaderLines val="1"/>
@@ -6095,7 +5466,6 @@
             </a:ln>
             <a:effectLst/>
           </c:spPr>
-          <c:invertIfNegative val="0"/>
           <c:dLbls>
             <c:spPr>
               <a:noFill/>
@@ -6127,13 +5497,7 @@
               </a:p>
             </c:txPr>
             <c:dLblPos val="outEnd"/>
-            <c:showLegendKey val="0"/>
             <c:showVal val="1"/>
-            <c:showCatName val="0"/>
-            <c:showSerName val="0"/>
-            <c:showPercent val="0"/>
-            <c:showBubbleSize val="0"/>
-            <c:showLeaderLines val="0"/>
             <c:extLst>
               <c:ext xmlns:c15="http://schemas.microsoft.com/office/drawing/2012/chart" uri="{CE6537A1-D6FC-4f65-9D91-7224C49458BB}">
                 <c15:layout/>
@@ -6220,7 +5584,6 @@
             </a:ln>
             <a:effectLst/>
           </c:spPr>
-          <c:invertIfNegative val="0"/>
           <c:dLbls>
             <c:spPr>
               <a:noFill/>
@@ -6252,13 +5615,7 @@
               </a:p>
             </c:txPr>
             <c:dLblPos val="outEnd"/>
-            <c:showLegendKey val="0"/>
             <c:showVal val="1"/>
-            <c:showCatName val="0"/>
-            <c:showSerName val="0"/>
-            <c:showPercent val="0"/>
-            <c:showBubbleSize val="0"/>
-            <c:showLeaderLines val="0"/>
             <c:extLst>
               <c:ext xmlns:c15="http://schemas.microsoft.com/office/drawing/2012/chart" uri="{CE6537A1-D6FC-4f65-9D91-7224C49458BB}">
                 <c15:showLeaderLines val="1"/>
@@ -6310,24 +5667,18 @@
           </c:val>
         </c:ser>
         <c:dLbls>
-          <c:showLegendKey val="0"/>
           <c:showVal val="1"/>
-          <c:showCatName val="0"/>
-          <c:showSerName val="0"/>
-          <c:showPercent val="0"/>
-          <c:showBubbleSize val="0"/>
         </c:dLbls>
         <c:gapWidth val="219"/>
         <c:overlap val="-27"/>
-        <c:axId val="409092304"/>
-        <c:axId val="409090624"/>
+        <c:axId val="109159168"/>
+        <c:axId val="109161088"/>
       </c:barChart>
       <c:catAx>
-        <c:axId val="409092304"/>
+        <c:axId val="109159168"/>
         <c:scaling>
           <c:orientation val="minMax"/>
         </c:scaling>
-        <c:delete val="0"/>
         <c:axPos val="b"/>
         <c:title>
           <c:tx>
@@ -6360,10 +5711,9 @@
               <c:xMode val="edge"/>
               <c:yMode val="edge"/>
               <c:x val="0.4187090166130556"/>
-              <c:y val="0.91512535234267978"/>
+              <c:y val="0.91512535234267989"/>
             </c:manualLayout>
           </c:layout>
-          <c:overlay val="0"/>
           <c:spPr>
             <a:noFill/>
             <a:ln>
@@ -6374,7 +5724,6 @@
         </c:title>
         <c:numFmt formatCode="General" sourceLinked="1"/>
         <c:majorTickMark val="none"/>
-        <c:minorTickMark val="none"/>
         <c:tickLblPos val="nextTo"/>
         <c:spPr>
           <a:noFill/>
@@ -6409,20 +5758,18 @@
             <a:endParaRPr lang="en-US"/>
           </a:p>
         </c:txPr>
-        <c:crossAx val="409090624"/>
+        <c:crossAx val="109161088"/>
         <c:crosses val="autoZero"/>
         <c:auto val="1"/>
         <c:lblAlgn val="ctr"/>
         <c:lblOffset val="100"/>
-        <c:noMultiLvlLbl val="0"/>
       </c:catAx>
       <c:valAx>
-        <c:axId val="409090624"/>
+        <c:axId val="109161088"/>
         <c:scaling>
           <c:orientation val="minMax"/>
           <c:max val="3"/>
         </c:scaling>
-        <c:delete val="0"/>
         <c:axPos val="l"/>
         <c:majorGridlines>
           <c:spPr>
@@ -6473,11 +5820,10 @@
             <c:manualLayout>
               <c:xMode val="edge"/>
               <c:yMode val="edge"/>
-              <c:x val="1.749951390239159E-2"/>
+              <c:x val="1.7499513902391586E-2"/>
               <c:y val="0.3059991298937908"/>
             </c:manualLayout>
           </c:layout>
-          <c:overlay val="0"/>
           <c:spPr>
             <a:noFill/>
             <a:ln>
@@ -6488,7 +5834,6 @@
         </c:title>
         <c:numFmt formatCode="General" sourceLinked="1"/>
         <c:majorTickMark val="none"/>
-        <c:minorTickMark val="none"/>
         <c:tickLblPos val="nextTo"/>
         <c:spPr>
           <a:noFill/>
@@ -6517,7 +5862,7 @@
             <a:endParaRPr lang="en-US"/>
           </a:p>
         </c:txPr>
-        <c:crossAx val="409092304"/>
+        <c:crossAx val="109159168"/>
         <c:crosses val="autoZero"/>
         <c:crossBetween val="between"/>
         <c:majorUnit val="1"/>
@@ -6532,7 +5877,6 @@
     </c:plotArea>
     <c:plotVisOnly val="1"/>
     <c:dispBlanksAs val="gap"/>
-    <c:showDLblsOverMax val="0"/>
   </c:chart>
   <c:spPr>
     <a:solidFill>
@@ -6559,25 +5903,13 @@
       <a:endParaRPr lang="en-US"/>
     </a:p>
   </c:txPr>
-  <c:externalData r:id="rId1">
-    <c:autoUpdate val="0"/>
-  </c:externalData>
+  <c:externalData r:id="rId1"/>
 </c:chartSpace>
 </file>
 
 <file path=ppt/charts/chart6.xml><?xml version="1.0" encoding="utf-8"?>
 <c:chartSpace xmlns:c="http://schemas.openxmlformats.org/drawingml/2006/chart" xmlns:a="http://schemas.openxmlformats.org/drawingml/2006/main" xmlns:r="http://schemas.openxmlformats.org/officeDocument/2006/relationships">
-  <c:date1904 val="0"/>
-  <c:lang val="en-US"/>
-  <c:roundedCorners val="0"/>
-  <mc:AlternateContent xmlns:mc="http://schemas.openxmlformats.org/markup-compatibility/2006">
-    <mc:Choice xmlns:c14="http://schemas.microsoft.com/office/drawing/2007/8/2/chart" Requires="c14">
-      <c14:style val="102"/>
-    </mc:Choice>
-    <mc:Fallback>
-      <c:style val="2"/>
-    </mc:Fallback>
-  </mc:AlternateContent>
+  <c:lang val="en-PH"/>
   <c:chart>
     <c:title>
       <c:tx>
@@ -6612,11 +5944,10 @@
         <c:manualLayout>
           <c:xMode val="edge"/>
           <c:yMode val="edge"/>
-          <c:x val="0.13225253804192236"/>
-          <c:y val="1.8857250612860654E-2"/>
+          <c:x val="0.13225253804192239"/>
+          <c:y val="1.8857250612860657E-2"/>
         </c:manualLayout>
       </c:layout>
-      <c:overlay val="0"/>
       <c:spPr>
         <a:noFill/>
         <a:ln>
@@ -6625,13 +5956,11 @@
         <a:effectLst/>
       </c:spPr>
     </c:title>
-    <c:autoTitleDeleted val="0"/>
     <c:plotArea>
       <c:layout/>
       <c:barChart>
         <c:barDir val="col"/>
         <c:grouping val="clustered"/>
-        <c:varyColors val="0"/>
         <c:ser>
           <c:idx val="0"/>
           <c:order val="0"/>
@@ -6655,7 +5984,6 @@
             </a:ln>
             <a:effectLst/>
           </c:spPr>
-          <c:invertIfNegative val="0"/>
           <c:dLbls>
             <c:spPr>
               <a:noFill/>
@@ -6687,13 +6015,7 @@
               </a:p>
             </c:txPr>
             <c:dLblPos val="outEnd"/>
-            <c:showLegendKey val="0"/>
             <c:showVal val="1"/>
-            <c:showCatName val="0"/>
-            <c:showSerName val="0"/>
-            <c:showPercent val="0"/>
-            <c:showBubbleSize val="0"/>
-            <c:showLeaderLines val="0"/>
             <c:extLst>
               <c:ext xmlns:c15="http://schemas.microsoft.com/office/drawing/2012/chart" uri="{CE6537A1-D6FC-4f65-9D91-7224C49458BB}">
                 <c15:showLeaderLines val="1"/>
@@ -6767,7 +6089,6 @@
             </a:ln>
             <a:effectLst/>
           </c:spPr>
-          <c:invertIfNegative val="0"/>
           <c:dLbls>
             <c:dLbl>
               <c:idx val="0"/>
@@ -6807,12 +6128,7 @@
                 </a:p>
               </c:txPr>
               <c:dLblPos val="outEnd"/>
-              <c:showLegendKey val="0"/>
               <c:showVal val="1"/>
-              <c:showCatName val="0"/>
-              <c:showSerName val="0"/>
-              <c:showPercent val="0"/>
-              <c:showBubbleSize val="0"/>
               <c:extLst>
                 <c:ext xmlns:c15="http://schemas.microsoft.com/office/drawing/2012/chart" uri="{CE6537A1-D6FC-4f65-9D91-7224C49458BB}">
                   <c15:layout/>
@@ -6850,13 +6166,6 @@
                   <a:endParaRPr lang="en-US"/>
                 </a:p>
               </c:txPr>
-              <c:dLblPos val="outEnd"/>
-              <c:showLegendKey val="0"/>
-              <c:showVal val="1"/>
-              <c:showCatName val="0"/>
-              <c:showSerName val="0"/>
-              <c:showPercent val="0"/>
-              <c:showBubbleSize val="0"/>
             </c:dLbl>
             <c:dLbl>
               <c:idx val="2"/>
@@ -6889,13 +6198,6 @@
                   <a:endParaRPr lang="en-US"/>
                 </a:p>
               </c:txPr>
-              <c:dLblPos val="outEnd"/>
-              <c:showLegendKey val="0"/>
-              <c:showVal val="1"/>
-              <c:showCatName val="0"/>
-              <c:showSerName val="0"/>
-              <c:showPercent val="0"/>
-              <c:showBubbleSize val="0"/>
             </c:dLbl>
             <c:dLbl>
               <c:idx val="3"/>
@@ -6928,13 +6230,6 @@
                   <a:endParaRPr lang="en-US"/>
                 </a:p>
               </c:txPr>
-              <c:dLblPos val="outEnd"/>
-              <c:showLegendKey val="0"/>
-              <c:showVal val="1"/>
-              <c:showCatName val="0"/>
-              <c:showSerName val="0"/>
-              <c:showPercent val="0"/>
-              <c:showBubbleSize val="0"/>
             </c:dLbl>
             <c:spPr>
               <a:noFill/>
@@ -6966,13 +6261,7 @@
               </a:p>
             </c:txPr>
             <c:dLblPos val="outEnd"/>
-            <c:showLegendKey val="0"/>
             <c:showVal val="1"/>
-            <c:showCatName val="0"/>
-            <c:showSerName val="0"/>
-            <c:showPercent val="0"/>
-            <c:showBubbleSize val="0"/>
-            <c:showLeaderLines val="0"/>
             <c:extLst>
               <c:ext xmlns:c15="http://schemas.microsoft.com/office/drawing/2012/chart" uri="{CE6537A1-D6FC-4f65-9D91-7224C49458BB}">
                 <c15:layout/>
@@ -7059,7 +6348,6 @@
             </a:ln>
             <a:effectLst/>
           </c:spPr>
-          <c:invertIfNegative val="0"/>
           <c:dLbls>
             <c:spPr>
               <a:noFill/>
@@ -7091,13 +6379,7 @@
               </a:p>
             </c:txPr>
             <c:dLblPos val="outEnd"/>
-            <c:showLegendKey val="0"/>
             <c:showVal val="1"/>
-            <c:showCatName val="0"/>
-            <c:showSerName val="0"/>
-            <c:showPercent val="0"/>
-            <c:showBubbleSize val="0"/>
-            <c:showLeaderLines val="0"/>
             <c:extLst>
               <c:ext xmlns:c15="http://schemas.microsoft.com/office/drawing/2012/chart" uri="{CE6537A1-D6FC-4f65-9D91-7224C49458BB}">
                 <c15:showLeaderLines val="1"/>
@@ -7149,24 +6431,18 @@
           </c:val>
         </c:ser>
         <c:dLbls>
-          <c:showLegendKey val="0"/>
           <c:showVal val="1"/>
-          <c:showCatName val="0"/>
-          <c:showSerName val="0"/>
-          <c:showPercent val="0"/>
-          <c:showBubbleSize val="0"/>
         </c:dLbls>
         <c:gapWidth val="219"/>
         <c:overlap val="-27"/>
-        <c:axId val="409105184"/>
-        <c:axId val="409091744"/>
+        <c:axId val="109189760"/>
+        <c:axId val="109196032"/>
       </c:barChart>
       <c:catAx>
-        <c:axId val="409105184"/>
+        <c:axId val="109189760"/>
         <c:scaling>
           <c:orientation val="minMax"/>
         </c:scaling>
-        <c:delete val="0"/>
         <c:axPos val="b"/>
         <c:title>
           <c:tx>
@@ -7199,10 +6475,9 @@
               <c:xMode val="edge"/>
               <c:yMode val="edge"/>
               <c:x val="0.4187090166130556"/>
-              <c:y val="0.91512535234267978"/>
+              <c:y val="0.91512535234267989"/>
             </c:manualLayout>
           </c:layout>
-          <c:overlay val="0"/>
           <c:spPr>
             <a:noFill/>
             <a:ln>
@@ -7213,7 +6488,6 @@
         </c:title>
         <c:numFmt formatCode="General" sourceLinked="1"/>
         <c:majorTickMark val="none"/>
-        <c:minorTickMark val="none"/>
         <c:tickLblPos val="nextTo"/>
         <c:spPr>
           <a:noFill/>
@@ -7248,20 +6522,18 @@
             <a:endParaRPr lang="en-US"/>
           </a:p>
         </c:txPr>
-        <c:crossAx val="409091744"/>
+        <c:crossAx val="109196032"/>
         <c:crosses val="autoZero"/>
         <c:auto val="1"/>
         <c:lblAlgn val="ctr"/>
         <c:lblOffset val="100"/>
-        <c:noMultiLvlLbl val="0"/>
       </c:catAx>
       <c:valAx>
-        <c:axId val="409091744"/>
+        <c:axId val="109196032"/>
         <c:scaling>
           <c:orientation val="minMax"/>
           <c:max val="3"/>
         </c:scaling>
-        <c:delete val="0"/>
         <c:axPos val="l"/>
         <c:majorGridlines>
           <c:spPr>
@@ -7312,11 +6584,10 @@
             <c:manualLayout>
               <c:xMode val="edge"/>
               <c:yMode val="edge"/>
-              <c:x val="1.555512346879254E-2"/>
-              <c:y val="0.34928139843655681"/>
+              <c:x val="1.5555123468792542E-2"/>
+              <c:y val="0.34928139843655676"/>
             </c:manualLayout>
           </c:layout>
-          <c:overlay val="0"/>
           <c:spPr>
             <a:noFill/>
             <a:ln>
@@ -7327,7 +6598,6 @@
         </c:title>
         <c:numFmt formatCode="General" sourceLinked="1"/>
         <c:majorTickMark val="none"/>
-        <c:minorTickMark val="none"/>
         <c:tickLblPos val="nextTo"/>
         <c:spPr>
           <a:noFill/>
@@ -7356,7 +6626,7 @@
             <a:endParaRPr lang="en-US"/>
           </a:p>
         </c:txPr>
-        <c:crossAx val="409105184"/>
+        <c:crossAx val="109189760"/>
         <c:crosses val="autoZero"/>
         <c:crossBetween val="between"/>
         <c:majorUnit val="1"/>
@@ -7371,7 +6641,6 @@
     </c:plotArea>
     <c:plotVisOnly val="1"/>
     <c:dispBlanksAs val="gap"/>
-    <c:showDLblsOverMax val="0"/>
   </c:chart>
   <c:spPr>
     <a:solidFill>
@@ -7398,25 +6667,14 @@
       <a:endParaRPr lang="en-US"/>
     </a:p>
   </c:txPr>
-  <c:externalData r:id="rId1">
-    <c:autoUpdate val="0"/>
-  </c:externalData>
+  <c:externalData r:id="rId1"/>
 </c:chartSpace>
 </file>
 
 <file path=ppt/charts/chart7.xml><?xml version="1.0" encoding="utf-8"?>
 <c:chartSpace xmlns:c="http://schemas.openxmlformats.org/drawingml/2006/chart" xmlns:a="http://schemas.openxmlformats.org/drawingml/2006/main" xmlns:r="http://schemas.openxmlformats.org/officeDocument/2006/relationships">
-  <c:date1904 val="0"/>
-  <c:lang val="en-US"/>
-  <c:roundedCorners val="0"/>
-  <mc:AlternateContent xmlns:mc="http://schemas.openxmlformats.org/markup-compatibility/2006">
-    <mc:Choice xmlns:c14="http://schemas.microsoft.com/office/drawing/2007/8/2/chart" Requires="c14">
-      <c14:style val="107"/>
-    </mc:Choice>
-    <mc:Fallback>
-      <c:style val="7"/>
-    </mc:Fallback>
-  </mc:AlternateContent>
+  <c:lang val="en-PH"/>
+  <c:style val="7"/>
   <c:chart>
     <c:title>
       <c:tx>
@@ -7448,7 +6706,6 @@
         </c:rich>
       </c:tx>
       <c:layout/>
-      <c:overlay val="0"/>
       <c:spPr>
         <a:noFill/>
         <a:ln>
@@ -7456,34 +6713,12 @@
         </a:ln>
         <a:effectLst/>
       </c:spPr>
-      <c:txPr>
-        <a:bodyPr rot="0" spcFirstLastPara="1" vertOverflow="ellipsis" vert="horz" wrap="square" anchor="ctr" anchorCtr="1"/>
-        <a:lstStyle/>
-        <a:p>
-          <a:pPr>
-            <a:defRPr sz="1800" b="0" i="0" u="none" strike="noStrike" kern="1200" spc="0" baseline="0">
-              <a:solidFill>
-                <a:schemeClr val="tx1">
-                  <a:lumMod val="65000"/>
-                  <a:lumOff val="35000"/>
-                </a:schemeClr>
-              </a:solidFill>
-              <a:latin typeface="+mn-lt"/>
-              <a:ea typeface="+mn-ea"/>
-              <a:cs typeface="+mn-cs"/>
-            </a:defRPr>
-          </a:pPr>
-          <a:endParaRPr lang="en-US"/>
-        </a:p>
-      </c:txPr>
     </c:title>
-    <c:autoTitleDeleted val="0"/>
     <c:plotArea>
       <c:layout/>
       <c:barChart>
         <c:barDir val="col"/>
         <c:grouping val="clustered"/>
-        <c:varyColors val="0"/>
         <c:ser>
           <c:idx val="0"/>
           <c:order val="0"/>
@@ -7509,7 +6744,6 @@
             </a:ln>
             <a:effectLst/>
           </c:spPr>
-          <c:invertIfNegative val="0"/>
           <c:dLbls>
             <c:spPr>
               <a:noFill/>
@@ -7541,13 +6775,7 @@
               </a:p>
             </c:txPr>
             <c:dLblPos val="outEnd"/>
-            <c:showLegendKey val="0"/>
             <c:showVal val="1"/>
-            <c:showCatName val="0"/>
-            <c:showSerName val="0"/>
-            <c:showPercent val="0"/>
-            <c:showBubbleSize val="0"/>
-            <c:showLeaderLines val="0"/>
             <c:extLst>
               <c:ext xmlns:c15="http://schemas.microsoft.com/office/drawing/2012/chart" uri="{CE6537A1-D6FC-4f65-9D91-7224C49458BB}">
                 <c15:layout/>
@@ -7643,7 +6871,6 @@
             </a:ln>
             <a:effectLst/>
           </c:spPr>
-          <c:invertIfNegative val="0"/>
           <c:dLbls>
             <c:spPr>
               <a:noFill/>
@@ -7675,13 +6902,7 @@
               </a:p>
             </c:txPr>
             <c:dLblPos val="outEnd"/>
-            <c:showLegendKey val="0"/>
             <c:showVal val="1"/>
-            <c:showCatName val="0"/>
-            <c:showSerName val="0"/>
-            <c:showPercent val="0"/>
-            <c:showBubbleSize val="0"/>
-            <c:showLeaderLines val="0"/>
             <c:extLst>
               <c:ext xmlns:c15="http://schemas.microsoft.com/office/drawing/2012/chart" uri="{CE6537A1-D6FC-4f65-9D91-7224C49458BB}">
                 <c15:layout/>
@@ -7775,7 +6996,6 @@
             </a:ln>
             <a:effectLst/>
           </c:spPr>
-          <c:invertIfNegative val="0"/>
           <c:dLbls>
             <c:spPr>
               <a:noFill/>
@@ -7807,13 +7027,7 @@
               </a:p>
             </c:txPr>
             <c:dLblPos val="outEnd"/>
-            <c:showLegendKey val="0"/>
             <c:showVal val="1"/>
-            <c:showCatName val="0"/>
-            <c:showSerName val="0"/>
-            <c:showPercent val="0"/>
-            <c:showBubbleSize val="0"/>
-            <c:showLeaderLines val="0"/>
             <c:extLst>
               <c:ext xmlns:c15="http://schemas.microsoft.com/office/drawing/2012/chart" uri="{CE6537A1-D6FC-4f65-9D91-7224C49458BB}">
                 <c15:layout/>
@@ -7909,7 +7123,6 @@
             </a:ln>
             <a:effectLst/>
           </c:spPr>
-          <c:invertIfNegative val="0"/>
           <c:dLbls>
             <c:spPr>
               <a:noFill/>
@@ -7941,13 +7154,7 @@
               </a:p>
             </c:txPr>
             <c:dLblPos val="outEnd"/>
-            <c:showLegendKey val="0"/>
             <c:showVal val="1"/>
-            <c:showCatName val="0"/>
-            <c:showSerName val="0"/>
-            <c:showPercent val="0"/>
-            <c:showBubbleSize val="0"/>
-            <c:showLeaderLines val="0"/>
             <c:extLst>
               <c:ext xmlns:c15="http://schemas.microsoft.com/office/drawing/2012/chart" uri="{CE6537A1-D6FC-4f65-9D91-7224C49458BB}">
                 <c15:layout/>
@@ -8043,7 +7250,6 @@
             </a:ln>
             <a:effectLst/>
           </c:spPr>
-          <c:invertIfNegative val="0"/>
           <c:dLbls>
             <c:spPr>
               <a:noFill/>
@@ -8075,13 +7281,7 @@
               </a:p>
             </c:txPr>
             <c:dLblPos val="outEnd"/>
-            <c:showLegendKey val="0"/>
             <c:showVal val="1"/>
-            <c:showCatName val="0"/>
-            <c:showSerName val="0"/>
-            <c:showPercent val="0"/>
-            <c:showBubbleSize val="0"/>
-            <c:showLeaderLines val="0"/>
             <c:extLst>
               <c:ext xmlns:c15="http://schemas.microsoft.com/office/drawing/2012/chart" uri="{CE6537A1-D6FC-4f65-9D91-7224C49458BB}">
                 <c15:layout/>
@@ -8153,24 +7353,18 @@
           </c:val>
         </c:ser>
         <c:dLbls>
-          <c:showLegendKey val="0"/>
           <c:showVal val="1"/>
-          <c:showCatName val="0"/>
-          <c:showSerName val="0"/>
-          <c:showPercent val="0"/>
-          <c:showBubbleSize val="0"/>
         </c:dLbls>
         <c:gapWidth val="219"/>
         <c:overlap val="-27"/>
-        <c:axId val="285731888"/>
-        <c:axId val="285735808"/>
+        <c:axId val="109324160"/>
+        <c:axId val="109334528"/>
       </c:barChart>
       <c:catAx>
-        <c:axId val="285731888"/>
+        <c:axId val="109324160"/>
         <c:scaling>
           <c:orientation val="minMax"/>
         </c:scaling>
-        <c:delete val="0"/>
         <c:axPos val="b"/>
         <c:title>
           <c:tx>
@@ -8199,7 +7393,6 @@
             </c:rich>
           </c:tx>
           <c:layout/>
-          <c:overlay val="0"/>
           <c:spPr>
             <a:noFill/>
             <a:ln>
@@ -8207,30 +7400,9 @@
             </a:ln>
             <a:effectLst/>
           </c:spPr>
-          <c:txPr>
-            <a:bodyPr rot="0" spcFirstLastPara="1" vertOverflow="ellipsis" vert="horz" wrap="square" anchor="ctr" anchorCtr="1"/>
-            <a:lstStyle/>
-            <a:p>
-              <a:pPr>
-                <a:defRPr sz="1000" b="1" i="0" u="none" strike="noStrike" kern="1200" baseline="0">
-                  <a:solidFill>
-                    <a:schemeClr val="tx1">
-                      <a:lumMod val="65000"/>
-                      <a:lumOff val="35000"/>
-                    </a:schemeClr>
-                  </a:solidFill>
-                  <a:latin typeface="+mn-lt"/>
-                  <a:ea typeface="+mn-ea"/>
-                  <a:cs typeface="+mn-cs"/>
-                </a:defRPr>
-              </a:pPr>
-              <a:endParaRPr lang="en-US"/>
-            </a:p>
-          </c:txPr>
         </c:title>
         <c:numFmt formatCode="General" sourceLinked="1"/>
         <c:majorTickMark val="none"/>
-        <c:minorTickMark val="none"/>
         <c:tickLblPos val="nextTo"/>
         <c:spPr>
           <a:noFill/>
@@ -8266,20 +7438,18 @@
             <a:endParaRPr lang="en-US"/>
           </a:p>
         </c:txPr>
-        <c:crossAx val="285735808"/>
+        <c:crossAx val="109334528"/>
         <c:crosses val="autoZero"/>
         <c:auto val="1"/>
         <c:lblAlgn val="ctr"/>
         <c:lblOffset val="100"/>
-        <c:noMultiLvlLbl val="0"/>
       </c:catAx>
       <c:valAx>
-        <c:axId val="285735808"/>
+        <c:axId val="109334528"/>
         <c:scaling>
           <c:orientation val="minMax"/>
           <c:max val="60"/>
         </c:scaling>
-        <c:delete val="0"/>
         <c:axPos val="l"/>
         <c:majorGridlines>
           <c:spPr>
@@ -8326,11 +7496,10 @@
             <c:manualLayout>
               <c:xMode val="edge"/>
               <c:yMode val="edge"/>
-              <c:x val="1.7499513902391583E-2"/>
+              <c:x val="1.7499513902391579E-2"/>
               <c:y val="0.27987393149171852"/>
             </c:manualLayout>
           </c:layout>
-          <c:overlay val="0"/>
           <c:spPr>
             <a:noFill/>
             <a:ln>
@@ -8338,30 +7507,9 @@
             </a:ln>
             <a:effectLst/>
           </c:spPr>
-          <c:txPr>
-            <a:bodyPr rot="-5400000" spcFirstLastPara="1" vertOverflow="ellipsis" vert="horz" wrap="square" anchor="ctr" anchorCtr="1"/>
-            <a:lstStyle/>
-            <a:p>
-              <a:pPr>
-                <a:defRPr sz="1100" b="1" i="0" u="none" strike="noStrike" kern="1200" baseline="0">
-                  <a:solidFill>
-                    <a:schemeClr val="tx1">
-                      <a:lumMod val="65000"/>
-                      <a:lumOff val="35000"/>
-                    </a:schemeClr>
-                  </a:solidFill>
-                  <a:latin typeface="+mn-lt"/>
-                  <a:ea typeface="+mn-ea"/>
-                  <a:cs typeface="+mn-cs"/>
-                </a:defRPr>
-              </a:pPr>
-              <a:endParaRPr lang="en-US"/>
-            </a:p>
-          </c:txPr>
         </c:title>
         <c:numFmt formatCode="General" sourceLinked="1"/>
         <c:majorTickMark val="none"/>
-        <c:minorTickMark val="none"/>
         <c:tickLblPos val="nextTo"/>
         <c:spPr>
           <a:noFill/>
@@ -8392,7 +7540,7 @@
             <a:endParaRPr lang="en-US"/>
           </a:p>
         </c:txPr>
-        <c:crossAx val="285731888"/>
+        <c:crossAx val="109324160"/>
         <c:crosses val="autoZero"/>
         <c:crossBetween val="between"/>
         <c:majorUnit val="10"/>
@@ -8412,12 +7560,11 @@
           <c:xMode val="edge"/>
           <c:yMode val="edge"/>
           <c:x val="3.7276567339446204E-2"/>
-          <c:y val="0.85590590676249123"/>
+          <c:y val="0.85590590676249134"/>
           <c:w val="0.92544686532110754"/>
-          <c:h val="0.12403055871151052"/>
+          <c:h val="0.12403055871151054"/>
         </c:manualLayout>
       </c:layout>
-      <c:overlay val="0"/>
       <c:spPr>
         <a:noFill/>
         <a:ln>
@@ -8448,7 +7595,6 @@
     </c:legend>
     <c:plotVisOnly val="1"/>
     <c:dispBlanksAs val="gap"/>
-    <c:showDLblsOverMax val="0"/>
   </c:chart>
   <c:spPr>
     <a:solidFill>
@@ -8476,25 +7622,13 @@
       <a:endParaRPr lang="en-US"/>
     </a:p>
   </c:txPr>
-  <c:externalData r:id="rId3">
-    <c:autoUpdate val="0"/>
-  </c:externalData>
+  <c:externalData r:id="rId1"/>
 </c:chartSpace>
 </file>
 
 <file path=ppt/charts/chart8.xml><?xml version="1.0" encoding="utf-8"?>
 <c:chartSpace xmlns:c="http://schemas.openxmlformats.org/drawingml/2006/chart" xmlns:a="http://schemas.openxmlformats.org/drawingml/2006/main" xmlns:r="http://schemas.openxmlformats.org/officeDocument/2006/relationships">
-  <c:date1904 val="0"/>
-  <c:lang val="en-US"/>
-  <c:roundedCorners val="0"/>
-  <mc:AlternateContent xmlns:mc="http://schemas.openxmlformats.org/markup-compatibility/2006">
-    <mc:Choice xmlns:c14="http://schemas.microsoft.com/office/drawing/2007/8/2/chart" Requires="c14">
-      <c14:style val="102"/>
-    </mc:Choice>
-    <mc:Fallback>
-      <c:style val="2"/>
-    </mc:Fallback>
-  </mc:AlternateContent>
+  <c:lang val="en-PH"/>
   <c:clrMapOvr bg1="lt1" tx1="dk1" bg2="lt2" tx2="dk2" accent1="accent1" accent2="accent2" accent3="accent3" accent4="accent4" accent5="accent5" accent6="accent6" hlink="hlink" folHlink="folHlink"/>
   <c:chart>
     <c:title>
@@ -8538,7 +7672,6 @@
           <c:y val="3.5005724730837198E-2"/>
         </c:manualLayout>
       </c:layout>
-      <c:overlay val="0"/>
       <c:spPr>
         <a:noFill/>
         <a:ln>
@@ -8547,13 +7680,11 @@
         <a:effectLst/>
       </c:spPr>
     </c:title>
-    <c:autoTitleDeleted val="0"/>
     <c:plotArea>
       <c:layout/>
       <c:barChart>
         <c:barDir val="bar"/>
         <c:grouping val="clustered"/>
-        <c:varyColors val="0"/>
         <c:ser>
           <c:idx val="0"/>
           <c:order val="0"/>
@@ -8579,7 +7710,6 @@
             </a:ln>
             <a:effectLst/>
           </c:spPr>
-          <c:invertIfNegative val="0"/>
           <c:dLbls>
             <c:spPr>
               <a:noFill/>
@@ -8611,13 +7741,7 @@
               </a:p>
             </c:txPr>
             <c:dLblPos val="outEnd"/>
-            <c:showLegendKey val="0"/>
             <c:showVal val="1"/>
-            <c:showCatName val="0"/>
-            <c:showSerName val="0"/>
-            <c:showPercent val="0"/>
-            <c:showBubbleSize val="0"/>
-            <c:showLeaderLines val="0"/>
             <c:extLst>
               <c:ext xmlns:c15="http://schemas.microsoft.com/office/drawing/2012/chart" uri="{CE6537A1-D6FC-4f65-9D91-7224C49458BB}">
                 <c15:layout/>
@@ -8710,7 +7834,6 @@
             </a:ln>
             <a:effectLst/>
           </c:spPr>
-          <c:invertIfNegative val="0"/>
           <c:dLbls>
             <c:spPr>
               <a:noFill/>
@@ -8742,13 +7865,7 @@
               </a:p>
             </c:txPr>
             <c:dLblPos val="outEnd"/>
-            <c:showLegendKey val="0"/>
             <c:showVal val="1"/>
-            <c:showCatName val="0"/>
-            <c:showSerName val="0"/>
-            <c:showPercent val="0"/>
-            <c:showBubbleSize val="0"/>
-            <c:showLeaderLines val="0"/>
             <c:extLst>
               <c:ext xmlns:c15="http://schemas.microsoft.com/office/drawing/2012/chart" uri="{CE6537A1-D6FC-4f65-9D91-7224C49458BB}">
                 <c15:showLeaderLines val="1"/>
@@ -8825,7 +7942,6 @@
             </a:ln>
             <a:effectLst/>
           </c:spPr>
-          <c:invertIfNegative val="0"/>
           <c:dLbls>
             <c:spPr>
               <a:noFill/>
@@ -8857,13 +7973,7 @@
               </a:p>
             </c:txPr>
             <c:dLblPos val="outEnd"/>
-            <c:showLegendKey val="0"/>
             <c:showVal val="1"/>
-            <c:showCatName val="0"/>
-            <c:showSerName val="0"/>
-            <c:showPercent val="0"/>
-            <c:showBubbleSize val="0"/>
-            <c:showLeaderLines val="0"/>
             <c:extLst>
               <c:ext xmlns:c15="http://schemas.microsoft.com/office/drawing/2012/chart" uri="{CE6537A1-D6FC-4f65-9D91-7224C49458BB}">
                 <c15:showLeaderLines val="1"/>
@@ -8918,27 +8028,20 @@
           </c:val>
         </c:ser>
         <c:dLbls>
-          <c:showLegendKey val="0"/>
           <c:showVal val="1"/>
-          <c:showCatName val="0"/>
-          <c:showSerName val="0"/>
-          <c:showPercent val="0"/>
-          <c:showBubbleSize val="0"/>
         </c:dLbls>
         <c:gapWidth val="182"/>
-        <c:axId val="359751008"/>
-        <c:axId val="359749888"/>
+        <c:axId val="109365888"/>
+        <c:axId val="109375872"/>
       </c:barChart>
       <c:catAx>
-        <c:axId val="359751008"/>
+        <c:axId val="109365888"/>
         <c:scaling>
           <c:orientation val="minMax"/>
         </c:scaling>
-        <c:delete val="0"/>
         <c:axPos val="l"/>
         <c:numFmt formatCode="General" sourceLinked="1"/>
         <c:majorTickMark val="none"/>
-        <c:minorTickMark val="none"/>
         <c:tickLblPos val="nextTo"/>
         <c:spPr>
           <a:noFill/>
@@ -8973,21 +8076,19 @@
             <a:endParaRPr lang="en-US"/>
           </a:p>
         </c:txPr>
-        <c:crossAx val="359749888"/>
+        <c:crossAx val="109375872"/>
         <c:crosses val="autoZero"/>
         <c:auto val="1"/>
         <c:lblAlgn val="ctr"/>
         <c:lblOffset val="100"/>
-        <c:noMultiLvlLbl val="0"/>
       </c:catAx>
       <c:valAx>
-        <c:axId val="359749888"/>
+        <c:axId val="109375872"/>
         <c:scaling>
           <c:orientation val="minMax"/>
           <c:max val="5"/>
           <c:min val="0"/>
         </c:scaling>
-        <c:delete val="0"/>
         <c:axPos val="b"/>
         <c:majorGridlines>
           <c:spPr>
@@ -9005,7 +8106,6 @@
         </c:majorGridlines>
         <c:numFmt formatCode="#,##0.00" sourceLinked="0"/>
         <c:majorTickMark val="none"/>
-        <c:minorTickMark val="none"/>
         <c:tickLblPos val="nextTo"/>
         <c:spPr>
           <a:noFill/>
@@ -9034,7 +8134,7 @@
             <a:endParaRPr lang="en-US"/>
           </a:p>
         </c:txPr>
-        <c:crossAx val="359751008"/>
+        <c:crossAx val="109365888"/>
         <c:crosses val="autoZero"/>
         <c:crossBetween val="between"/>
         <c:majorUnit val="1"/>
@@ -9049,7 +8149,6 @@
     </c:plotArea>
     <c:plotVisOnly val="1"/>
     <c:dispBlanksAs val="gap"/>
-    <c:showDLblsOverMax val="0"/>
   </c:chart>
   <c:spPr>
     <a:solidFill>
@@ -9076,25 +8175,13 @@
       <a:endParaRPr lang="en-US"/>
     </a:p>
   </c:txPr>
-  <c:externalData r:id="rId2">
-    <c:autoUpdate val="0"/>
-  </c:externalData>
+  <c:externalData r:id="rId2"/>
 </c:chartSpace>
 </file>
 
 <file path=ppt/charts/chart9.xml><?xml version="1.0" encoding="utf-8"?>
 <c:chartSpace xmlns:c="http://schemas.openxmlformats.org/drawingml/2006/chart" xmlns:a="http://schemas.openxmlformats.org/drawingml/2006/main" xmlns:r="http://schemas.openxmlformats.org/officeDocument/2006/relationships">
-  <c:date1904 val="0"/>
-  <c:lang val="en-US"/>
-  <c:roundedCorners val="0"/>
-  <mc:AlternateContent xmlns:mc="http://schemas.openxmlformats.org/markup-compatibility/2006">
-    <mc:Choice xmlns:c14="http://schemas.microsoft.com/office/drawing/2007/8/2/chart" Requires="c14">
-      <c14:style val="102"/>
-    </mc:Choice>
-    <mc:Fallback>
-      <c:style val="2"/>
-    </mc:Fallback>
-  </mc:AlternateContent>
+  <c:lang val="en-PH"/>
   <c:chart>
     <c:title>
       <c:tx>
@@ -9114,7 +8201,6 @@
         </c:rich>
       </c:tx>
       <c:layout/>
-      <c:overlay val="0"/>
       <c:spPr>
         <a:noFill/>
         <a:ln>
@@ -9123,17 +8209,16 @@
         <a:effectLst/>
       </c:spPr>
     </c:title>
-    <c:autoTitleDeleted val="0"/>
     <c:plotArea>
       <c:layout>
         <c:manualLayout>
           <c:layoutTarget val="inner"/>
           <c:xMode val="edge"/>
           <c:yMode val="edge"/>
-          <c:x val="0.38760414635784041"/>
-          <c:y val="0.28968774621377924"/>
-          <c:w val="0.21323337278470311"/>
-          <c:h val="0.57686739472993087"/>
+          <c:x val="0.38760414635784052"/>
+          <c:y val="0.2896877462137793"/>
+          <c:w val="0.21323337278470314"/>
+          <c:h val="0.57686739472993076"/>
         </c:manualLayout>
       </c:layout>
       <c:pieChart>
@@ -9155,7 +8240,6 @@
           </c:tx>
           <c:dPt>
             <c:idx val="0"/>
-            <c:bubble3D val="0"/>
             <c:spPr>
               <a:solidFill>
                 <a:schemeClr val="accent1"/>
@@ -9170,7 +8254,6 @@
           </c:dPt>
           <c:dPt>
             <c:idx val="1"/>
-            <c:bubble3D val="0"/>
             <c:spPr>
               <a:solidFill>
                 <a:schemeClr val="accent2"/>
@@ -9185,7 +8268,6 @@
           </c:dPt>
           <c:dPt>
             <c:idx val="2"/>
-            <c:bubble3D val="0"/>
             <c:spPr>
               <a:solidFill>
                 <a:schemeClr val="accent3"/>
@@ -9204,7 +8286,7 @@
               <c:layout>
                 <c:manualLayout>
                   <c:x val="-6.5725159591981691E-2"/>
-                  <c:y val="0.11199662960693331"/>
+                  <c:y val="0.11199662960693334"/>
                 </c:manualLayout>
               </c:layout>
               <c:spPr>
@@ -9225,12 +8307,7 @@
                 </a:p>
               </c:txPr>
               <c:dLblPos val="bestFit"/>
-              <c:showLegendKey val="0"/>
               <c:showVal val="1"/>
-              <c:showCatName val="0"/>
-              <c:showSerName val="0"/>
-              <c:showPercent val="0"/>
-              <c:showBubbleSize val="0"/>
               <c:extLst>
                 <c:ext xmlns:c15="http://schemas.microsoft.com/office/drawing/2012/chart" uri="{CE6537A1-D6FC-4f65-9D91-7224C49458BB}">
                   <c15:layout/>
@@ -9242,7 +8319,7 @@
               <c:layout>
                 <c:manualLayout>
                   <c:x val="6.6300952738445509E-2"/>
-                  <c:y val="-0.1487402061630046"/>
+                  <c:y val="-0.14874020616300465"/>
                 </c:manualLayout>
               </c:layout>
               <c:spPr>
@@ -9263,12 +8340,7 @@
                 </a:p>
               </c:txPr>
               <c:dLblPos val="bestFit"/>
-              <c:showLegendKey val="0"/>
               <c:showVal val="1"/>
-              <c:showCatName val="0"/>
-              <c:showSerName val="0"/>
-              <c:showPercent val="0"/>
-              <c:showBubbleSize val="0"/>
               <c:extLst>
                 <c:ext xmlns:c15="http://schemas.microsoft.com/office/drawing/2012/chart" uri="{CE6537A1-D6FC-4f65-9D91-7224C49458BB}">
                   <c15:layout/>
@@ -9279,8 +8351,8 @@
               <c:idx val="2"/>
               <c:layout>
                 <c:manualLayout>
-                  <c:x val="1.3881529397203024E-2"/>
-                  <c:y val="9.3257846012431062E-2"/>
+                  <c:x val="1.3881529397203031E-2"/>
+                  <c:y val="9.3257846012431089E-2"/>
                 </c:manualLayout>
               </c:layout>
               <c:spPr>
@@ -9301,12 +8373,7 @@
                 </a:p>
               </c:txPr>
               <c:dLblPos val="bestFit"/>
-              <c:showLegendKey val="0"/>
               <c:showVal val="1"/>
-              <c:showCatName val="0"/>
-              <c:showSerName val="0"/>
-              <c:showPercent val="0"/>
-              <c:showBubbleSize val="0"/>
               <c:extLst>
                 <c:ext xmlns:c15="http://schemas.microsoft.com/office/drawing/2012/chart" uri="{CE6537A1-D6FC-4f65-9D91-7224C49458BB}">
                   <c15:layout/>
@@ -9331,12 +8398,7 @@
               </a:p>
             </c:txPr>
             <c:dLblPos val="bestFit"/>
-            <c:showLegendKey val="0"/>
             <c:showVal val="1"/>
-            <c:showCatName val="0"/>
-            <c:showSerName val="0"/>
-            <c:showPercent val="0"/>
-            <c:showBubbleSize val="0"/>
             <c:showLeaderLines val="1"/>
             <c:leaderLines>
               <c:spPr>
@@ -9380,26 +8442,20 @@
                 <c:formatCode>0%</c:formatCode>
                 <c:ptCount val="3"/>
                 <c:pt idx="0">
-                  <c:v>0.30769999999999997</c:v>
+                  <c:v>0.30770000000000003</c:v>
                 </c:pt>
                 <c:pt idx="1">
                   <c:v>0.61539999999999995</c:v>
                 </c:pt>
                 <c:pt idx="2">
-                  <c:v>7.0000000000000007E-2</c:v>
+                  <c:v>7.0000000000000021E-2</c:v>
                 </c:pt>
               </c:numCache>
             </c:numRef>
           </c:val>
         </c:ser>
         <c:dLbls>
-          <c:showLegendKey val="0"/>
           <c:showVal val="1"/>
-          <c:showCatName val="0"/>
-          <c:showSerName val="0"/>
-          <c:showPercent val="0"/>
-          <c:showBubbleSize val="0"/>
-          <c:showLeaderLines val="1"/>
         </c:dLbls>
         <c:firstSliceAng val="0"/>
       </c:pieChart>
@@ -9423,7 +8479,6 @@
           <c:h val="0.1349757590344875"/>
         </c:manualLayout>
       </c:layout>
-      <c:overlay val="0"/>
       <c:spPr>
         <a:noFill/>
         <a:ln>
@@ -9444,7 +8499,6 @@
     </c:legend>
     <c:plotVisOnly val="1"/>
     <c:dispBlanksAs val="zero"/>
-    <c:showDLblsOverMax val="0"/>
   </c:chart>
   <c:spPr>
     <a:solidFill>
@@ -9471,9 +8525,7 @@
       <a:endParaRPr lang="en-US"/>
     </a:p>
   </c:txPr>
-  <c:externalData r:id="rId1">
-    <c:autoUpdate val="0"/>
-  </c:externalData>
+  <c:externalData r:id="rId1"/>
 </c:chartSpace>
 </file>
 
@@ -12457,33 +11509,33 @@
   </dgm:ptLst>
   <dgm:cxnLst>
     <dgm:cxn modelId="{1FAF0CAE-475C-47BC-805E-DD5876B59CDA}" type="presOf" srcId="{B9BCEE7D-9A23-41B3-B1E4-D085C4B4C5DC}" destId="{B4E38B97-D4C7-4A67-B32A-874A7E1A6EDA}" srcOrd="0" destOrd="1" presId="urn:microsoft.com/office/officeart/2005/8/layout/venn1"/>
+    <dgm:cxn modelId="{C7800B42-B9AC-4495-8199-E277E25EEF17}" srcId="{FDACCE7C-95A1-4A0F-8E03-28C52837AF44}" destId="{052E23DB-FAF3-4A80-9126-E57170026537}" srcOrd="1" destOrd="0" parTransId="{C63F7E1A-47CB-4811-863F-125DAF10F9F1}" sibTransId="{E85E0722-06B9-4459-AD0E-5294CDDEE2DD}"/>
+    <dgm:cxn modelId="{5E666AF0-41A4-432D-BE32-89D4E47FC443}" srcId="{83597630-8952-4CB4-B5A4-F4A198BDD028}" destId="{8E1CF7A8-C542-4736-ADCB-ED4FB9CE27E4}" srcOrd="1" destOrd="0" parTransId="{E75DCC5C-01B6-4088-AC56-26D0EEB256D8}" sibTransId="{DA74763C-A8F0-4A27-8450-A58D9DF6B57C}"/>
+    <dgm:cxn modelId="{891D6962-FF56-40A6-A8DF-6681CDA39F95}" type="presOf" srcId="{E10E7DBE-6A20-416F-AD16-F08806EAA8A9}" destId="{B4E38B97-D4C7-4A67-B32A-874A7E1A6EDA}" srcOrd="0" destOrd="2" presId="urn:microsoft.com/office/officeart/2005/8/layout/venn1"/>
+    <dgm:cxn modelId="{11EB7DF2-5335-4017-A662-28B792E67BE9}" srcId="{92D595C9-7754-4267-9D80-6D842AD2E604}" destId="{B9BCEE7D-9A23-41B3-B1E4-D085C4B4C5DC}" srcOrd="0" destOrd="0" parTransId="{FA4FF7E7-042B-4797-A758-99FBBC872385}" sibTransId="{7142472B-03C3-42F6-8833-C9EAB63B354F}"/>
+    <dgm:cxn modelId="{8BDC0863-6198-4B0F-B8BE-16ECF007C87D}" srcId="{8E1CF7A8-C542-4736-ADCB-ED4FB9CE27E4}" destId="{2A661751-8FF9-48E8-BF89-B30679EE9A75}" srcOrd="0" destOrd="0" parTransId="{E2A45CDD-91BC-44E4-BFAB-4FF1EE09717B}" sibTransId="{BC2E554F-247D-4856-BB4B-F229517F219F}"/>
+    <dgm:cxn modelId="{4F3ACE97-4D3A-4388-B35E-D6CFA5155B4E}" type="presOf" srcId="{E10E7DBE-6A20-416F-AD16-F08806EAA8A9}" destId="{FD570D4A-91D9-4963-98B5-E44419776B61}" srcOrd="1" destOrd="2" presId="urn:microsoft.com/office/officeart/2005/8/layout/venn1"/>
+    <dgm:cxn modelId="{B9D432C5-B9B7-429D-B83E-4D965AB21602}" srcId="{83597630-8952-4CB4-B5A4-F4A198BDD028}" destId="{FDACCE7C-95A1-4A0F-8E03-28C52837AF44}" srcOrd="2" destOrd="0" parTransId="{118EBA43-9716-42B0-BD48-677D67318D77}" sibTransId="{7E31A73A-F4D4-4C76-BBF3-4B1C13B04397}"/>
+    <dgm:cxn modelId="{DEFBF879-CABC-483F-B1E1-FE8162386CD2}" type="presOf" srcId="{8E1CF7A8-C542-4736-ADCB-ED4FB9CE27E4}" destId="{2091BDE8-52E5-4C02-99D9-84AC1D184724}" srcOrd="1" destOrd="0" presId="urn:microsoft.com/office/officeart/2005/8/layout/venn1"/>
+    <dgm:cxn modelId="{08C88245-A88E-4785-8168-6F88C7B0BA9B}" srcId="{FDACCE7C-95A1-4A0F-8E03-28C52837AF44}" destId="{26DE8474-1DC3-476D-9BEF-5491A272B60C}" srcOrd="0" destOrd="0" parTransId="{7F48469C-E79B-47CA-A32F-542006D65A26}" sibTransId="{42028A39-C62B-46B1-BAAA-419C9A5D0BFE}"/>
+    <dgm:cxn modelId="{6D34EA4F-0B37-42EA-A194-E23DDDCCA4D8}" type="presOf" srcId="{2A661751-8FF9-48E8-BF89-B30679EE9A75}" destId="{2091BDE8-52E5-4C02-99D9-84AC1D184724}" srcOrd="1" destOrd="1" presId="urn:microsoft.com/office/officeart/2005/8/layout/venn1"/>
+    <dgm:cxn modelId="{66806BD8-FAF6-47F2-A4BF-ABF0B75BE0A3}" srcId="{8E1CF7A8-C542-4736-ADCB-ED4FB9CE27E4}" destId="{85FC4795-AFBF-4D0C-9A3B-B25F7375CBB0}" srcOrd="1" destOrd="0" parTransId="{4DCDF301-59BE-4D68-BD2C-A082CE24C106}" sibTransId="{CDB83FCF-76A8-4D7E-B7C2-07C8FFAB0CD9}"/>
+    <dgm:cxn modelId="{9A26FDF3-D7B4-46FA-9F13-7FB369EAFA66}" type="presOf" srcId="{052E23DB-FAF3-4A80-9126-E57170026537}" destId="{F1DEF9BB-7C3F-44CE-8D7D-097F18388513}" srcOrd="0" destOrd="2" presId="urn:microsoft.com/office/officeart/2005/8/layout/venn1"/>
+    <dgm:cxn modelId="{6E14664B-3515-4F3D-94A8-97C861D1CA93}" type="presOf" srcId="{052E23DB-FAF3-4A80-9126-E57170026537}" destId="{DF9DA87F-8F51-4F68-9420-213A96F10CB8}" srcOrd="1" destOrd="2" presId="urn:microsoft.com/office/officeart/2005/8/layout/venn1"/>
+    <dgm:cxn modelId="{54E64B62-EA8D-43ED-9536-BBFA2079C655}" type="presOf" srcId="{2A661751-8FF9-48E8-BF89-B30679EE9A75}" destId="{79C4CD74-0998-4073-AFD1-30A57F9C07BA}" srcOrd="0" destOrd="1" presId="urn:microsoft.com/office/officeart/2005/8/layout/venn1"/>
+    <dgm:cxn modelId="{DC23255A-F2B4-4E80-8ADE-75F743CACF5C}" type="presOf" srcId="{FDACCE7C-95A1-4A0F-8E03-28C52837AF44}" destId="{F1DEF9BB-7C3F-44CE-8D7D-097F18388513}" srcOrd="0" destOrd="0" presId="urn:microsoft.com/office/officeart/2005/8/layout/venn1"/>
+    <dgm:cxn modelId="{737FCD4A-C73A-4675-A3AD-3F3DDAB06263}" type="presOf" srcId="{26DE8474-1DC3-476D-9BEF-5491A272B60C}" destId="{F1DEF9BB-7C3F-44CE-8D7D-097F18388513}" srcOrd="0" destOrd="1" presId="urn:microsoft.com/office/officeart/2005/8/layout/venn1"/>
+    <dgm:cxn modelId="{A7A2E22B-18AD-4FC1-8788-7DB8571A45D6}" type="presOf" srcId="{85FC4795-AFBF-4D0C-9A3B-B25F7375CBB0}" destId="{79C4CD74-0998-4073-AFD1-30A57F9C07BA}" srcOrd="0" destOrd="2" presId="urn:microsoft.com/office/officeart/2005/8/layout/venn1"/>
+    <dgm:cxn modelId="{C64C0595-01E1-4C3C-B636-B7E7057A1BB3}" srcId="{83597630-8952-4CB4-B5A4-F4A198BDD028}" destId="{92D595C9-7754-4267-9D80-6D842AD2E604}" srcOrd="0" destOrd="0" parTransId="{4CE66025-C501-4909-8989-0361E2DE819A}" sibTransId="{7C81C6A9-B86E-4D12-BDBA-E5405A897999}"/>
     <dgm:cxn modelId="{E5C82A2D-F186-4F51-8D49-B1E8E6E5C091}" type="presOf" srcId="{83597630-8952-4CB4-B5A4-F4A198BDD028}" destId="{DB3F9B5B-F93F-4DAB-978B-448054965579}" srcOrd="0" destOrd="0" presId="urn:microsoft.com/office/officeart/2005/8/layout/venn1"/>
+    <dgm:cxn modelId="{AC686D59-913A-488C-9B79-BE7EB6B42DA8}" type="presOf" srcId="{8E1CF7A8-C542-4736-ADCB-ED4FB9CE27E4}" destId="{79C4CD74-0998-4073-AFD1-30A57F9C07BA}" srcOrd="0" destOrd="0" presId="urn:microsoft.com/office/officeart/2005/8/layout/venn1"/>
+    <dgm:cxn modelId="{A0AF000C-273B-4A0D-BCA7-D8832A4106EA}" type="presOf" srcId="{FDACCE7C-95A1-4A0F-8E03-28C52837AF44}" destId="{DF9DA87F-8F51-4F68-9420-213A96F10CB8}" srcOrd="1" destOrd="0" presId="urn:microsoft.com/office/officeart/2005/8/layout/venn1"/>
+    <dgm:cxn modelId="{9D5D5ABA-F9C5-4070-A591-155A22834C7E}" type="presOf" srcId="{92D595C9-7754-4267-9D80-6D842AD2E604}" destId="{B4E38B97-D4C7-4A67-B32A-874A7E1A6EDA}" srcOrd="0" destOrd="0" presId="urn:microsoft.com/office/officeart/2005/8/layout/venn1"/>
+    <dgm:cxn modelId="{97A67466-B93E-44C1-AEAA-EC15DCA6C27D}" type="presOf" srcId="{92D595C9-7754-4267-9D80-6D842AD2E604}" destId="{FD570D4A-91D9-4963-98B5-E44419776B61}" srcOrd="1" destOrd="0" presId="urn:microsoft.com/office/officeart/2005/8/layout/venn1"/>
+    <dgm:cxn modelId="{F6E855CF-A029-4143-B69D-F701F7AED2A9}" srcId="{92D595C9-7754-4267-9D80-6D842AD2E604}" destId="{E10E7DBE-6A20-416F-AD16-F08806EAA8A9}" srcOrd="1" destOrd="0" parTransId="{21269030-05CF-4597-A53F-B07172733693}" sibTransId="{2381D3D1-AE82-4BC8-A613-D08B47C6552D}"/>
+    <dgm:cxn modelId="{6406178F-98E4-43AA-943E-73DD6CF29146}" type="presOf" srcId="{85FC4795-AFBF-4D0C-9A3B-B25F7375CBB0}" destId="{2091BDE8-52E5-4C02-99D9-84AC1D184724}" srcOrd="1" destOrd="2" presId="urn:microsoft.com/office/officeart/2005/8/layout/venn1"/>
     <dgm:cxn modelId="{2DEC82F3-7456-461F-8F0B-0C6355181AD6}" type="presOf" srcId="{26DE8474-1DC3-476D-9BEF-5491A272B60C}" destId="{DF9DA87F-8F51-4F68-9420-213A96F10CB8}" srcOrd="1" destOrd="1" presId="urn:microsoft.com/office/officeart/2005/8/layout/venn1"/>
-    <dgm:cxn modelId="{6406178F-98E4-43AA-943E-73DD6CF29146}" type="presOf" srcId="{85FC4795-AFBF-4D0C-9A3B-B25F7375CBB0}" destId="{2091BDE8-52E5-4C02-99D9-84AC1D184724}" srcOrd="1" destOrd="2" presId="urn:microsoft.com/office/officeart/2005/8/layout/venn1"/>
-    <dgm:cxn modelId="{97A67466-B93E-44C1-AEAA-EC15DCA6C27D}" type="presOf" srcId="{92D595C9-7754-4267-9D80-6D842AD2E604}" destId="{FD570D4A-91D9-4963-98B5-E44419776B61}" srcOrd="1" destOrd="0" presId="urn:microsoft.com/office/officeart/2005/8/layout/venn1"/>
-    <dgm:cxn modelId="{DEFBF879-CABC-483F-B1E1-FE8162386CD2}" type="presOf" srcId="{8E1CF7A8-C542-4736-ADCB-ED4FB9CE27E4}" destId="{2091BDE8-52E5-4C02-99D9-84AC1D184724}" srcOrd="1" destOrd="0" presId="urn:microsoft.com/office/officeart/2005/8/layout/venn1"/>
-    <dgm:cxn modelId="{6E14664B-3515-4F3D-94A8-97C861D1CA93}" type="presOf" srcId="{052E23DB-FAF3-4A80-9126-E57170026537}" destId="{DF9DA87F-8F51-4F68-9420-213A96F10CB8}" srcOrd="1" destOrd="2" presId="urn:microsoft.com/office/officeart/2005/8/layout/venn1"/>
-    <dgm:cxn modelId="{C64C0595-01E1-4C3C-B636-B7E7057A1BB3}" srcId="{83597630-8952-4CB4-B5A4-F4A198BDD028}" destId="{92D595C9-7754-4267-9D80-6D842AD2E604}" srcOrd="0" destOrd="0" parTransId="{4CE66025-C501-4909-8989-0361E2DE819A}" sibTransId="{7C81C6A9-B86E-4D12-BDBA-E5405A897999}"/>
-    <dgm:cxn modelId="{A7A2E22B-18AD-4FC1-8788-7DB8571A45D6}" type="presOf" srcId="{85FC4795-AFBF-4D0C-9A3B-B25F7375CBB0}" destId="{79C4CD74-0998-4073-AFD1-30A57F9C07BA}" srcOrd="0" destOrd="2" presId="urn:microsoft.com/office/officeart/2005/8/layout/venn1"/>
-    <dgm:cxn modelId="{11EB7DF2-5335-4017-A662-28B792E67BE9}" srcId="{92D595C9-7754-4267-9D80-6D842AD2E604}" destId="{B9BCEE7D-9A23-41B3-B1E4-D085C4B4C5DC}" srcOrd="0" destOrd="0" parTransId="{FA4FF7E7-042B-4797-A758-99FBBC872385}" sibTransId="{7142472B-03C3-42F6-8833-C9EAB63B354F}"/>
-    <dgm:cxn modelId="{6D34EA4F-0B37-42EA-A194-E23DDDCCA4D8}" type="presOf" srcId="{2A661751-8FF9-48E8-BF89-B30679EE9A75}" destId="{2091BDE8-52E5-4C02-99D9-84AC1D184724}" srcOrd="1" destOrd="1" presId="urn:microsoft.com/office/officeart/2005/8/layout/venn1"/>
-    <dgm:cxn modelId="{8BDC0863-6198-4B0F-B8BE-16ECF007C87D}" srcId="{8E1CF7A8-C542-4736-ADCB-ED4FB9CE27E4}" destId="{2A661751-8FF9-48E8-BF89-B30679EE9A75}" srcOrd="0" destOrd="0" parTransId="{E2A45CDD-91BC-44E4-BFAB-4FF1EE09717B}" sibTransId="{BC2E554F-247D-4856-BB4B-F229517F219F}"/>
-    <dgm:cxn modelId="{B9D432C5-B9B7-429D-B83E-4D965AB21602}" srcId="{83597630-8952-4CB4-B5A4-F4A198BDD028}" destId="{FDACCE7C-95A1-4A0F-8E03-28C52837AF44}" srcOrd="2" destOrd="0" parTransId="{118EBA43-9716-42B0-BD48-677D67318D77}" sibTransId="{7E31A73A-F4D4-4C76-BBF3-4B1C13B04397}"/>
-    <dgm:cxn modelId="{54E64B62-EA8D-43ED-9536-BBFA2079C655}" type="presOf" srcId="{2A661751-8FF9-48E8-BF89-B30679EE9A75}" destId="{79C4CD74-0998-4073-AFD1-30A57F9C07BA}" srcOrd="0" destOrd="1" presId="urn:microsoft.com/office/officeart/2005/8/layout/venn1"/>
-    <dgm:cxn modelId="{9D5D5ABA-F9C5-4070-A591-155A22834C7E}" type="presOf" srcId="{92D595C9-7754-4267-9D80-6D842AD2E604}" destId="{B4E38B97-D4C7-4A67-B32A-874A7E1A6EDA}" srcOrd="0" destOrd="0" presId="urn:microsoft.com/office/officeart/2005/8/layout/venn1"/>
     <dgm:cxn modelId="{9F3204F5-FBAA-4C93-9AA0-255109D98C90}" type="presOf" srcId="{B9BCEE7D-9A23-41B3-B1E4-D085C4B4C5DC}" destId="{FD570D4A-91D9-4963-98B5-E44419776B61}" srcOrd="1" destOrd="1" presId="urn:microsoft.com/office/officeart/2005/8/layout/venn1"/>
-    <dgm:cxn modelId="{891D6962-FF56-40A6-A8DF-6681CDA39F95}" type="presOf" srcId="{E10E7DBE-6A20-416F-AD16-F08806EAA8A9}" destId="{B4E38B97-D4C7-4A67-B32A-874A7E1A6EDA}" srcOrd="0" destOrd="2" presId="urn:microsoft.com/office/officeart/2005/8/layout/venn1"/>
-    <dgm:cxn modelId="{737FCD4A-C73A-4675-A3AD-3F3DDAB06263}" type="presOf" srcId="{26DE8474-1DC3-476D-9BEF-5491A272B60C}" destId="{F1DEF9BB-7C3F-44CE-8D7D-097F18388513}" srcOrd="0" destOrd="1" presId="urn:microsoft.com/office/officeart/2005/8/layout/venn1"/>
-    <dgm:cxn modelId="{4F3ACE97-4D3A-4388-B35E-D6CFA5155B4E}" type="presOf" srcId="{E10E7DBE-6A20-416F-AD16-F08806EAA8A9}" destId="{FD570D4A-91D9-4963-98B5-E44419776B61}" srcOrd="1" destOrd="2" presId="urn:microsoft.com/office/officeart/2005/8/layout/venn1"/>
-    <dgm:cxn modelId="{5E666AF0-41A4-432D-BE32-89D4E47FC443}" srcId="{83597630-8952-4CB4-B5A4-F4A198BDD028}" destId="{8E1CF7A8-C542-4736-ADCB-ED4FB9CE27E4}" srcOrd="1" destOrd="0" parTransId="{E75DCC5C-01B6-4088-AC56-26D0EEB256D8}" sibTransId="{DA74763C-A8F0-4A27-8450-A58D9DF6B57C}"/>
-    <dgm:cxn modelId="{F6E855CF-A029-4143-B69D-F701F7AED2A9}" srcId="{92D595C9-7754-4267-9D80-6D842AD2E604}" destId="{E10E7DBE-6A20-416F-AD16-F08806EAA8A9}" srcOrd="1" destOrd="0" parTransId="{21269030-05CF-4597-A53F-B07172733693}" sibTransId="{2381D3D1-AE82-4BC8-A613-D08B47C6552D}"/>
-    <dgm:cxn modelId="{AC686D59-913A-488C-9B79-BE7EB6B42DA8}" type="presOf" srcId="{8E1CF7A8-C542-4736-ADCB-ED4FB9CE27E4}" destId="{79C4CD74-0998-4073-AFD1-30A57F9C07BA}" srcOrd="0" destOrd="0" presId="urn:microsoft.com/office/officeart/2005/8/layout/venn1"/>
-    <dgm:cxn modelId="{08C88245-A88E-4785-8168-6F88C7B0BA9B}" srcId="{FDACCE7C-95A1-4A0F-8E03-28C52837AF44}" destId="{26DE8474-1DC3-476D-9BEF-5491A272B60C}" srcOrd="0" destOrd="0" parTransId="{7F48469C-E79B-47CA-A32F-542006D65A26}" sibTransId="{42028A39-C62B-46B1-BAAA-419C9A5D0BFE}"/>
-    <dgm:cxn modelId="{DC23255A-F2B4-4E80-8ADE-75F743CACF5C}" type="presOf" srcId="{FDACCE7C-95A1-4A0F-8E03-28C52837AF44}" destId="{F1DEF9BB-7C3F-44CE-8D7D-097F18388513}" srcOrd="0" destOrd="0" presId="urn:microsoft.com/office/officeart/2005/8/layout/venn1"/>
-    <dgm:cxn modelId="{9A26FDF3-D7B4-46FA-9F13-7FB369EAFA66}" type="presOf" srcId="{052E23DB-FAF3-4A80-9126-E57170026537}" destId="{F1DEF9BB-7C3F-44CE-8D7D-097F18388513}" srcOrd="0" destOrd="2" presId="urn:microsoft.com/office/officeart/2005/8/layout/venn1"/>
-    <dgm:cxn modelId="{A0AF000C-273B-4A0D-BCA7-D8832A4106EA}" type="presOf" srcId="{FDACCE7C-95A1-4A0F-8E03-28C52837AF44}" destId="{DF9DA87F-8F51-4F68-9420-213A96F10CB8}" srcOrd="1" destOrd="0" presId="urn:microsoft.com/office/officeart/2005/8/layout/venn1"/>
-    <dgm:cxn modelId="{C7800B42-B9AC-4495-8199-E277E25EEF17}" srcId="{FDACCE7C-95A1-4A0F-8E03-28C52837AF44}" destId="{052E23DB-FAF3-4A80-9126-E57170026537}" srcOrd="1" destOrd="0" parTransId="{C63F7E1A-47CB-4811-863F-125DAF10F9F1}" sibTransId="{E85E0722-06B9-4459-AD0E-5294CDDEE2DD}"/>
-    <dgm:cxn modelId="{66806BD8-FAF6-47F2-A4BF-ABF0B75BE0A3}" srcId="{8E1CF7A8-C542-4736-ADCB-ED4FB9CE27E4}" destId="{85FC4795-AFBF-4D0C-9A3B-B25F7375CBB0}" srcOrd="1" destOrd="0" parTransId="{4DCDF301-59BE-4D68-BD2C-A082CE24C106}" sibTransId="{CDB83FCF-76A8-4D7E-B7C2-07C8FFAB0CD9}"/>
     <dgm:cxn modelId="{95FC569A-E248-4CA6-BBA9-9B0B341DA02F}" type="presParOf" srcId="{DB3F9B5B-F93F-4DAB-978B-448054965579}" destId="{B4E38B97-D4C7-4A67-B32A-874A7E1A6EDA}" srcOrd="0" destOrd="0" presId="urn:microsoft.com/office/officeart/2005/8/layout/venn1"/>
     <dgm:cxn modelId="{B6B9CCED-8045-4B45-A35B-567CB9AB4668}" type="presParOf" srcId="{DB3F9B5B-F93F-4DAB-978B-448054965579}" destId="{FD570D4A-91D9-4963-98B5-E44419776B61}" srcOrd="1" destOrd="0" presId="urn:microsoft.com/office/officeart/2005/8/layout/venn1"/>
     <dgm:cxn modelId="{6BD68CE3-0A96-4720-9416-36E8484DEA9B}" type="presParOf" srcId="{DB3F9B5B-F93F-4DAB-978B-448054965579}" destId="{79C4CD74-0998-4073-AFD1-30A57F9C07BA}" srcOrd="2" destOrd="0" presId="urn:microsoft.com/office/officeart/2005/8/layout/venn1"/>
@@ -12495,14 +11547,14 @@
   <dgm:whole/>
   <dgm:extLst>
     <a:ext uri="http://schemas.microsoft.com/office/drawing/2008/diagram">
-      <dsp:dataModelExt xmlns:dsp="http://schemas.microsoft.com/office/drawing/2008/diagram" relId="rId6" minVer="http://schemas.openxmlformats.org/drawingml/2006/diagram"/>
+      <dsp:dataModelExt xmlns:dsp="http://schemas.microsoft.com/office/drawing/2008/diagram" xmlns="" relId="rId6" minVer="http://schemas.openxmlformats.org/drawingml/2006/diagram"/>
     </a:ext>
   </dgm:extLst>
 </dgm:dataModel>
 </file>
 
 <file path=ppt/diagrams/drawing1.xml><?xml version="1.0" encoding="utf-8"?>
-<dsp:drawing xmlns:dgm="http://schemas.openxmlformats.org/drawingml/2006/diagram" xmlns:dsp="http://schemas.microsoft.com/office/drawing/2008/diagram" xmlns:a="http://schemas.openxmlformats.org/drawingml/2006/main">
+<dsp:drawing xmlns:dgm="http://schemas.openxmlformats.org/drawingml/2006/diagram" xmlns:a="http://schemas.openxmlformats.org/drawingml/2006/main" xmlns:dsp="http://schemas.microsoft.com/office/drawing/2008/diagram">
   <dsp:spTree>
     <dsp:nvGrpSpPr>
       <dsp:cNvPr id="0" name=""/>
@@ -14972,6 +14024,7 @@
           <a:p>
             <a:fld id="{10D6157F-6178-4C5D-84B6-3212A508189F}" type="datetimeFigureOut">
               <a:rPr lang="en-PH" smtClean="0"/>
+              <a:pPr/>
               <a:t>4/13/2015</a:t>
             </a:fld>
             <a:endParaRPr lang="en-PH"/>
@@ -15131,6 +14184,7 @@
           <a:p>
             <a:fld id="{9D823904-C342-46F6-821D-C04D675A125D}" type="slidenum">
               <a:rPr lang="en-PH" smtClean="0"/>
+              <a:pPr/>
               <a:t>‹#›</a:t>
             </a:fld>
             <a:endParaRPr lang="en-PH"/>
@@ -15140,7 +14194,7 @@
     </p:spTree>
     <p:extLst>
       <p:ext uri="{BB962C8B-B14F-4D97-AF65-F5344CB8AC3E}">
-        <p14:creationId xmlns:p14="http://schemas.microsoft.com/office/powerpoint/2010/main" val="3905499089"/>
+        <p14:creationId xmlns:p14="http://schemas.microsoft.com/office/powerpoint/2010/main" xmlns="" val="3905499089"/>
       </p:ext>
     </p:extLst>
   </p:cSld>
@@ -15309,6 +14363,7 @@
           <a:p>
             <a:fld id="{9D823904-C342-46F6-821D-C04D675A125D}" type="slidenum">
               <a:rPr lang="en-PH" smtClean="0"/>
+              <a:pPr/>
               <a:t>1</a:t>
             </a:fld>
             <a:endParaRPr lang="en-PH"/>
@@ -15318,7 +14373,7 @@
     </p:spTree>
     <p:extLst>
       <p:ext uri="{BB962C8B-B14F-4D97-AF65-F5344CB8AC3E}">
-        <p14:creationId xmlns:p14="http://schemas.microsoft.com/office/powerpoint/2010/main" val="1372717531"/>
+        <p14:creationId xmlns:p14="http://schemas.microsoft.com/office/powerpoint/2010/main" xmlns="" val="1372717531"/>
       </p:ext>
     </p:extLst>
   </p:cSld>
@@ -15575,6 +14630,7 @@
           <a:p>
             <a:fld id="{9D823904-C342-46F6-821D-C04D675A125D}" type="slidenum">
               <a:rPr lang="en-PH" smtClean="0"/>
+              <a:pPr/>
               <a:t>10</a:t>
             </a:fld>
             <a:endParaRPr lang="en-PH"/>
@@ -15584,7 +14640,7 @@
     </p:spTree>
     <p:extLst>
       <p:ext uri="{BB962C8B-B14F-4D97-AF65-F5344CB8AC3E}">
-        <p14:creationId xmlns:p14="http://schemas.microsoft.com/office/powerpoint/2010/main" val="3120440904"/>
+        <p14:creationId xmlns:p14="http://schemas.microsoft.com/office/powerpoint/2010/main" xmlns="" val="3120440904"/>
       </p:ext>
     </p:extLst>
   </p:cSld>
@@ -15799,6 +14855,7 @@
           <a:p>
             <a:fld id="{9D823904-C342-46F6-821D-C04D675A125D}" type="slidenum">
               <a:rPr lang="en-PH" smtClean="0"/>
+              <a:pPr/>
               <a:t>14</a:t>
             </a:fld>
             <a:endParaRPr lang="en-PH"/>
@@ -15808,7 +14865,7 @@
     </p:spTree>
     <p:extLst>
       <p:ext uri="{BB962C8B-B14F-4D97-AF65-F5344CB8AC3E}">
-        <p14:creationId xmlns:p14="http://schemas.microsoft.com/office/powerpoint/2010/main" val="2173844024"/>
+        <p14:creationId xmlns:p14="http://schemas.microsoft.com/office/powerpoint/2010/main" xmlns="" val="2173844024"/>
       </p:ext>
     </p:extLst>
   </p:cSld>
@@ -15935,6 +14992,7 @@
           <a:p>
             <a:fld id="{9D823904-C342-46F6-821D-C04D675A125D}" type="slidenum">
               <a:rPr lang="en-PH" smtClean="0"/>
+              <a:pPr/>
               <a:t>17</a:t>
             </a:fld>
             <a:endParaRPr lang="en-PH"/>
@@ -15944,7 +15002,7 @@
     </p:spTree>
     <p:extLst>
       <p:ext uri="{BB962C8B-B14F-4D97-AF65-F5344CB8AC3E}">
-        <p14:creationId xmlns:p14="http://schemas.microsoft.com/office/powerpoint/2010/main" val="349408586"/>
+        <p14:creationId xmlns:p14="http://schemas.microsoft.com/office/powerpoint/2010/main" xmlns="" val="349408586"/>
       </p:ext>
     </p:extLst>
   </p:cSld>
@@ -16071,6 +15129,7 @@
           <a:p>
             <a:fld id="{9D823904-C342-46F6-821D-C04D675A125D}" type="slidenum">
               <a:rPr lang="en-PH" smtClean="0"/>
+              <a:pPr/>
               <a:t>20</a:t>
             </a:fld>
             <a:endParaRPr lang="en-PH"/>
@@ -16080,7 +15139,7 @@
     </p:spTree>
     <p:extLst>
       <p:ext uri="{BB962C8B-B14F-4D97-AF65-F5344CB8AC3E}">
-        <p14:creationId xmlns:p14="http://schemas.microsoft.com/office/powerpoint/2010/main" val="573440948"/>
+        <p14:creationId xmlns:p14="http://schemas.microsoft.com/office/powerpoint/2010/main" xmlns="" val="573440948"/>
       </p:ext>
     </p:extLst>
   </p:cSld>
@@ -16167,6 +15226,7 @@
           <a:p>
             <a:fld id="{9D823904-C342-46F6-821D-C04D675A125D}" type="slidenum">
               <a:rPr lang="en-PH" smtClean="0"/>
+              <a:pPr/>
               <a:t>21</a:t>
             </a:fld>
             <a:endParaRPr lang="en-PH"/>
@@ -16176,7 +15236,7 @@
     </p:spTree>
     <p:extLst>
       <p:ext uri="{BB962C8B-B14F-4D97-AF65-F5344CB8AC3E}">
-        <p14:creationId xmlns:p14="http://schemas.microsoft.com/office/powerpoint/2010/main" val="880013428"/>
+        <p14:creationId xmlns:p14="http://schemas.microsoft.com/office/powerpoint/2010/main" xmlns="" val="880013428"/>
       </p:ext>
     </p:extLst>
   </p:cSld>
@@ -16251,6 +15311,7 @@
           <a:p>
             <a:fld id="{9D823904-C342-46F6-821D-C04D675A125D}" type="slidenum">
               <a:rPr lang="en-PH" smtClean="0"/>
+              <a:pPr/>
               <a:t>23</a:t>
             </a:fld>
             <a:endParaRPr lang="en-PH"/>
@@ -16260,7 +15321,7 @@
     </p:spTree>
     <p:extLst>
       <p:ext uri="{BB962C8B-B14F-4D97-AF65-F5344CB8AC3E}">
-        <p14:creationId xmlns:p14="http://schemas.microsoft.com/office/powerpoint/2010/main" val="2955863588"/>
+        <p14:creationId xmlns:p14="http://schemas.microsoft.com/office/powerpoint/2010/main" xmlns="" val="2955863588"/>
       </p:ext>
     </p:extLst>
   </p:cSld>
@@ -16354,6 +15415,7 @@
           <a:p>
             <a:fld id="{9D823904-C342-46F6-821D-C04D675A125D}" type="slidenum">
               <a:rPr lang="en-PH" smtClean="0"/>
+              <a:pPr/>
               <a:t>24</a:t>
             </a:fld>
             <a:endParaRPr lang="en-PH"/>
@@ -16363,7 +15425,111 @@
     </p:spTree>
     <p:extLst>
       <p:ext uri="{BB962C8B-B14F-4D97-AF65-F5344CB8AC3E}">
-        <p14:creationId xmlns:p14="http://schemas.microsoft.com/office/powerpoint/2010/main" val="3320321370"/>
+        <p14:creationId xmlns:p14="http://schemas.microsoft.com/office/powerpoint/2010/main" xmlns="" val="3320321370"/>
+      </p:ext>
+    </p:extLst>
+  </p:cSld>
+  <p:clrMapOvr>
+    <a:masterClrMapping/>
+  </p:clrMapOvr>
+</p:notes>
+</file>
+
+<file path=ppt/notesSlides/notesSlide17.xml><?xml version="1.0" encoding="utf-8"?>
+<p:notes xmlns:a="http://schemas.openxmlformats.org/drawingml/2006/main" xmlns:r="http://schemas.openxmlformats.org/officeDocument/2006/relationships" xmlns:p="http://schemas.openxmlformats.org/presentationml/2006/main">
+  <p:cSld>
+    <p:spTree>
+      <p:nvGrpSpPr>
+        <p:cNvPr id="1" name=""/>
+        <p:cNvGrpSpPr/>
+        <p:nvPr/>
+      </p:nvGrpSpPr>
+      <p:grpSpPr>
+        <a:xfrm>
+          <a:off x="0" y="0"/>
+          <a:ext cx="0" cy="0"/>
+          <a:chOff x="0" y="0"/>
+          <a:chExt cx="0" cy="0"/>
+        </a:xfrm>
+      </p:grpSpPr>
+      <p:sp>
+        <p:nvSpPr>
+          <p:cNvPr id="2" name="Slide Image Placeholder 1"/>
+          <p:cNvSpPr>
+            <a:spLocks noGrp="1" noRot="1" noChangeAspect="1"/>
+          </p:cNvSpPr>
+          <p:nvPr>
+            <p:ph type="sldImg"/>
+          </p:nvPr>
+        </p:nvSpPr>
+        <p:spPr/>
+      </p:sp>
+      <p:sp>
+        <p:nvSpPr>
+          <p:cNvPr id="3" name="Notes Placeholder 2"/>
+          <p:cNvSpPr>
+            <a:spLocks noGrp="1"/>
+          </p:cNvSpPr>
+          <p:nvPr>
+            <p:ph type="body" idx="1"/>
+          </p:nvPr>
+        </p:nvSpPr>
+        <p:spPr/>
+        <p:txBody>
+          <a:bodyPr/>
+          <a:lstStyle/>
+          <a:p>
+            <a:r>
+              <a:rPr lang="en-PH" dirty="0" smtClean="0"/>
+              <a:t>Conclusion</a:t>
+            </a:r>
+            <a:r>
+              <a:rPr lang="en-PH" baseline="0" dirty="0" smtClean="0"/>
+              <a:t> – </a:t>
+            </a:r>
+            <a:r>
+              <a:rPr lang="en-PH" baseline="0" dirty="0" err="1" smtClean="0"/>
+              <a:t>Dimapilis</a:t>
+            </a:r>
+            <a:endParaRPr lang="en-PH" baseline="0" dirty="0" smtClean="0"/>
+          </a:p>
+          <a:p>
+            <a:r>
+              <a:rPr lang="en-PH" baseline="0" dirty="0" smtClean="0"/>
+              <a:t>Closing - Everyone</a:t>
+            </a:r>
+            <a:endParaRPr lang="en-PH" dirty="0"/>
+          </a:p>
+        </p:txBody>
+      </p:sp>
+      <p:sp>
+        <p:nvSpPr>
+          <p:cNvPr id="4" name="Slide Number Placeholder 3"/>
+          <p:cNvSpPr>
+            <a:spLocks noGrp="1"/>
+          </p:cNvSpPr>
+          <p:nvPr>
+            <p:ph type="sldNum" sz="quarter" idx="10"/>
+          </p:nvPr>
+        </p:nvSpPr>
+        <p:spPr/>
+        <p:txBody>
+          <a:bodyPr/>
+          <a:lstStyle/>
+          <a:p>
+            <a:fld id="{9D823904-C342-46F6-821D-C04D675A125D}" type="slidenum">
+              <a:rPr lang="en-PH" smtClean="0"/>
+              <a:pPr/>
+              <a:t>25</a:t>
+            </a:fld>
+            <a:endParaRPr lang="en-PH"/>
+          </a:p>
+        </p:txBody>
+      </p:sp>
+    </p:spTree>
+    <p:extLst>
+      <p:ext uri="{BB962C8B-B14F-4D97-AF65-F5344CB8AC3E}">
+        <p14:creationId xmlns:p14="http://schemas.microsoft.com/office/powerpoint/2010/main" xmlns="" val="3320321370"/>
       </p:ext>
     </p:extLst>
   </p:cSld>
@@ -16442,6 +15608,7 @@
           <a:p>
             <a:fld id="{9D823904-C342-46F6-821D-C04D675A125D}" type="slidenum">
               <a:rPr lang="en-PH" smtClean="0"/>
+              <a:pPr/>
               <a:t>2</a:t>
             </a:fld>
             <a:endParaRPr lang="en-PH"/>
@@ -16451,7 +15618,7 @@
     </p:spTree>
     <p:extLst>
       <p:ext uri="{BB962C8B-B14F-4D97-AF65-F5344CB8AC3E}">
-        <p14:creationId xmlns:p14="http://schemas.microsoft.com/office/powerpoint/2010/main" val="609033898"/>
+        <p14:creationId xmlns:p14="http://schemas.microsoft.com/office/powerpoint/2010/main" xmlns="" val="609033898"/>
       </p:ext>
     </p:extLst>
   </p:cSld>
@@ -16526,6 +15693,7 @@
           <a:p>
             <a:fld id="{9D823904-C342-46F6-821D-C04D675A125D}" type="slidenum">
               <a:rPr lang="en-PH" smtClean="0"/>
+              <a:pPr/>
               <a:t>3</a:t>
             </a:fld>
             <a:endParaRPr lang="en-PH"/>
@@ -16535,7 +15703,7 @@
     </p:spTree>
     <p:extLst>
       <p:ext uri="{BB962C8B-B14F-4D97-AF65-F5344CB8AC3E}">
-        <p14:creationId xmlns:p14="http://schemas.microsoft.com/office/powerpoint/2010/main" val="211825075"/>
+        <p14:creationId xmlns:p14="http://schemas.microsoft.com/office/powerpoint/2010/main" xmlns="" val="211825075"/>
       </p:ext>
     </p:extLst>
   </p:cSld>
@@ -16610,6 +15778,7 @@
           <a:p>
             <a:fld id="{9D823904-C342-46F6-821D-C04D675A125D}" type="slidenum">
               <a:rPr lang="en-PH" smtClean="0"/>
+              <a:pPr/>
               <a:t>4</a:t>
             </a:fld>
             <a:endParaRPr lang="en-PH"/>
@@ -16619,7 +15788,7 @@
     </p:spTree>
     <p:extLst>
       <p:ext uri="{BB962C8B-B14F-4D97-AF65-F5344CB8AC3E}">
-        <p14:creationId xmlns:p14="http://schemas.microsoft.com/office/powerpoint/2010/main" val="1413482659"/>
+        <p14:creationId xmlns:p14="http://schemas.microsoft.com/office/powerpoint/2010/main" xmlns="" val="1413482659"/>
       </p:ext>
     </p:extLst>
   </p:cSld>
@@ -16694,6 +15863,7 @@
           <a:p>
             <a:fld id="{9D823904-C342-46F6-821D-C04D675A125D}" type="slidenum">
               <a:rPr lang="en-PH" smtClean="0"/>
+              <a:pPr/>
               <a:t>5</a:t>
             </a:fld>
             <a:endParaRPr lang="en-PH"/>
@@ -16703,7 +15873,7 @@
     </p:spTree>
     <p:extLst>
       <p:ext uri="{BB962C8B-B14F-4D97-AF65-F5344CB8AC3E}">
-        <p14:creationId xmlns:p14="http://schemas.microsoft.com/office/powerpoint/2010/main" val="608266819"/>
+        <p14:creationId xmlns:p14="http://schemas.microsoft.com/office/powerpoint/2010/main" xmlns="" val="608266819"/>
       </p:ext>
     </p:extLst>
   </p:cSld>
@@ -16778,6 +15948,7 @@
           <a:p>
             <a:fld id="{9D823904-C342-46F6-821D-C04D675A125D}" type="slidenum">
               <a:rPr lang="en-PH" smtClean="0"/>
+              <a:pPr/>
               <a:t>6</a:t>
             </a:fld>
             <a:endParaRPr lang="en-PH"/>
@@ -16787,7 +15958,7 @@
     </p:spTree>
     <p:extLst>
       <p:ext uri="{BB962C8B-B14F-4D97-AF65-F5344CB8AC3E}">
-        <p14:creationId xmlns:p14="http://schemas.microsoft.com/office/powerpoint/2010/main" val="2805043645"/>
+        <p14:creationId xmlns:p14="http://schemas.microsoft.com/office/powerpoint/2010/main" xmlns="" val="2805043645"/>
       </p:ext>
     </p:extLst>
   </p:cSld>
@@ -16866,6 +16037,7 @@
           <a:p>
             <a:fld id="{9D823904-C342-46F6-821D-C04D675A125D}" type="slidenum">
               <a:rPr lang="en-PH" smtClean="0"/>
+              <a:pPr/>
               <a:t>7</a:t>
             </a:fld>
             <a:endParaRPr lang="en-PH"/>
@@ -16875,7 +16047,7 @@
     </p:spTree>
     <p:extLst>
       <p:ext uri="{BB962C8B-B14F-4D97-AF65-F5344CB8AC3E}">
-        <p14:creationId xmlns:p14="http://schemas.microsoft.com/office/powerpoint/2010/main" val="1859080755"/>
+        <p14:creationId xmlns:p14="http://schemas.microsoft.com/office/powerpoint/2010/main" xmlns="" val="1859080755"/>
       </p:ext>
     </p:extLst>
   </p:cSld>
@@ -17090,6 +16262,7 @@
           <a:p>
             <a:fld id="{9D823904-C342-46F6-821D-C04D675A125D}" type="slidenum">
               <a:rPr lang="en-PH" smtClean="0"/>
+              <a:pPr/>
               <a:t>8</a:t>
             </a:fld>
             <a:endParaRPr lang="en-PH"/>
@@ -17099,7 +16272,7 @@
     </p:spTree>
     <p:extLst>
       <p:ext uri="{BB962C8B-B14F-4D97-AF65-F5344CB8AC3E}">
-        <p14:creationId xmlns:p14="http://schemas.microsoft.com/office/powerpoint/2010/main" val="2879147383"/>
+        <p14:creationId xmlns:p14="http://schemas.microsoft.com/office/powerpoint/2010/main" xmlns="" val="2879147383"/>
       </p:ext>
     </p:extLst>
   </p:cSld>
@@ -17356,6 +16529,7 @@
           <a:p>
             <a:fld id="{9D823904-C342-46F6-821D-C04D675A125D}" type="slidenum">
               <a:rPr lang="en-PH" smtClean="0"/>
+              <a:pPr/>
               <a:t>9</a:t>
             </a:fld>
             <a:endParaRPr lang="en-PH"/>
@@ -17365,7 +16539,7 @@
     </p:spTree>
     <p:extLst>
       <p:ext uri="{BB962C8B-B14F-4D97-AF65-F5344CB8AC3E}">
-        <p14:creationId xmlns:p14="http://schemas.microsoft.com/office/powerpoint/2010/main" val="4238400481"/>
+        <p14:creationId xmlns:p14="http://schemas.microsoft.com/office/powerpoint/2010/main" xmlns="" val="4238400481"/>
       </p:ext>
     </p:extLst>
   </p:cSld>
@@ -17601,6 +16775,7 @@
           <a:p>
             <a:fld id="{96DFF08F-DC6B-4601-B491-B0F83F6DD2DA}" type="datetimeFigureOut">
               <a:rPr lang="en-US" dirty="0"/>
+              <a:pPr/>
               <a:t>4/13/2015</a:t>
             </a:fld>
             <a:endParaRPr lang="en-US" dirty="0"/>
@@ -17643,6 +16818,7 @@
           <a:p>
             <a:fld id="{4FAB73BC-B049-4115-A692-8D63A059BFB8}" type="slidenum">
               <a:rPr lang="en-US" dirty="0"/>
+              <a:pPr/>
               <a:t>‹#›</a:t>
             </a:fld>
             <a:endParaRPr lang="en-US" dirty="0"/>
@@ -17804,6 +16980,7 @@
           <a:p>
             <a:fld id="{96DFF08F-DC6B-4601-B491-B0F83F6DD2DA}" type="datetimeFigureOut">
               <a:rPr lang="en-US" dirty="0"/>
+              <a:pPr/>
               <a:t>4/13/2015</a:t>
             </a:fld>
             <a:endParaRPr lang="en-US" dirty="0"/>
@@ -17846,6 +17023,7 @@
           <a:p>
             <a:fld id="{4FAB73BC-B049-4115-A692-8D63A059BFB8}" type="slidenum">
               <a:rPr lang="en-US" dirty="0"/>
+              <a:pPr/>
               <a:t>‹#›</a:t>
             </a:fld>
             <a:endParaRPr lang="en-US" dirty="0"/>
@@ -18055,6 +17233,7 @@
           <a:p>
             <a:fld id="{96DFF08F-DC6B-4601-B491-B0F83F6DD2DA}" type="datetimeFigureOut">
               <a:rPr lang="en-US" dirty="0"/>
+              <a:pPr/>
               <a:t>4/13/2015</a:t>
             </a:fld>
             <a:endParaRPr lang="en-US" dirty="0"/>
@@ -18097,6 +17276,7 @@
           <a:p>
             <a:fld id="{4FAB73BC-B049-4115-A692-8D63A059BFB8}" type="slidenum">
               <a:rPr lang="en-US" dirty="0"/>
+              <a:pPr/>
               <a:t>‹#›</a:t>
             </a:fld>
             <a:endParaRPr lang="en-US" dirty="0"/>
@@ -18220,6 +17400,7 @@
           <a:p>
             <a:fld id="{D62CEF3B-A037-46D0-B02C-1428F07E9383}" type="datetimeFigureOut">
               <a:rPr lang="en-US" dirty="0"/>
+              <a:pPr/>
               <a:t>4/13/2015</a:t>
             </a:fld>
             <a:endParaRPr lang="en-US" dirty="0"/>
@@ -18262,6 +17443,7 @@
           <a:p>
             <a:fld id="{4CE482DC-2269-4F26-9D2A-7E44B1A4CD85}" type="slidenum">
               <a:rPr lang="en-US" dirty="0"/>
+              <a:pPr/>
               <a:t>‹#›</a:t>
             </a:fld>
             <a:endParaRPr lang="en-US" dirty="0"/>
@@ -18558,6 +17740,7 @@
           <a:p>
             <a:fld id="{96DFF08F-DC6B-4601-B491-B0F83F6DD2DA}" type="datetimeFigureOut">
               <a:rPr lang="en-US" dirty="0"/>
+              <a:pPr/>
               <a:t>4/13/2015</a:t>
             </a:fld>
             <a:endParaRPr lang="en-US" dirty="0"/>
@@ -18600,6 +17783,7 @@
           <a:p>
             <a:fld id="{4FAB73BC-B049-4115-A692-8D63A059BFB8}" type="slidenum">
               <a:rPr lang="en-US" dirty="0"/>
+              <a:pPr/>
               <a:t>‹#›</a:t>
             </a:fld>
             <a:endParaRPr lang="en-US" dirty="0"/>
@@ -18828,6 +18012,7 @@
           <a:p>
             <a:fld id="{96DFF08F-DC6B-4601-B491-B0F83F6DD2DA}" type="datetimeFigureOut">
               <a:rPr lang="en-US" dirty="0"/>
+              <a:pPr/>
               <a:t>4/13/2015</a:t>
             </a:fld>
             <a:endParaRPr lang="en-US" dirty="0"/>
@@ -18870,6 +18055,7 @@
           <a:p>
             <a:fld id="{4FAB73BC-B049-4115-A692-8D63A059BFB8}" type="slidenum">
               <a:rPr lang="en-US" dirty="0"/>
+              <a:pPr/>
               <a:t>‹#›</a:t>
             </a:fld>
             <a:endParaRPr lang="en-US" dirty="0"/>
@@ -19202,6 +18388,7 @@
           <a:p>
             <a:fld id="{96DFF08F-DC6B-4601-B491-B0F83F6DD2DA}" type="datetimeFigureOut">
               <a:rPr lang="en-US" dirty="0"/>
+              <a:pPr/>
               <a:t>4/13/2015</a:t>
             </a:fld>
             <a:endParaRPr lang="en-US" dirty="0"/>
@@ -19244,6 +18431,7 @@
           <a:p>
             <a:fld id="{4FAB73BC-B049-4115-A692-8D63A059BFB8}" type="slidenum">
               <a:rPr lang="en-US" dirty="0"/>
+              <a:pPr/>
               <a:t>‹#›</a:t>
             </a:fld>
             <a:endParaRPr lang="en-US" dirty="0"/>
@@ -19315,6 +18503,7 @@
           <a:p>
             <a:fld id="{96DFF08F-DC6B-4601-B491-B0F83F6DD2DA}" type="datetimeFigureOut">
               <a:rPr lang="en-US" dirty="0"/>
+              <a:pPr/>
               <a:t>4/13/2015</a:t>
             </a:fld>
             <a:endParaRPr lang="en-US" dirty="0"/>
@@ -19357,6 +18546,7 @@
           <a:p>
             <a:fld id="{4FAB73BC-B049-4115-A692-8D63A059BFB8}" type="slidenum">
               <a:rPr lang="en-US" dirty="0"/>
+              <a:pPr/>
               <a:t>‹#›</a:t>
             </a:fld>
             <a:endParaRPr lang="en-US" dirty="0"/>
@@ -20206,6 +19396,7 @@
           <a:p>
             <a:fld id="{96DFF08F-DC6B-4601-B491-B0F83F6DD2DA}" type="datetimeFigureOut">
               <a:rPr lang="en-US" dirty="0"/>
+              <a:pPr/>
               <a:t>4/13/2015</a:t>
             </a:fld>
             <a:endParaRPr lang="en-US" dirty="0"/>
@@ -20248,6 +19439,7 @@
           <a:p>
             <a:fld id="{4FAB73BC-B049-4115-A692-8D63A059BFB8}" type="slidenum">
               <a:rPr lang="en-US" dirty="0"/>
+              <a:pPr/>
               <a:t>‹#›</a:t>
             </a:fld>
             <a:endParaRPr lang="en-US" dirty="0"/>
@@ -21058,7 +20250,7 @@
     </p:spTree>
     <p:extLst>
       <p:ext uri="{BB962C8B-B14F-4D97-AF65-F5344CB8AC3E}">
-        <p14:creationId xmlns:p14="http://schemas.microsoft.com/office/powerpoint/2010/main" val="150613023"/>
+        <p14:creationId xmlns:p14="http://schemas.microsoft.com/office/powerpoint/2010/main" xmlns="" val="150613023"/>
       </p:ext>
     </p:extLst>
   </p:cSld>
@@ -21145,11 +20337,7 @@
             </a:r>
             <a:r>
               <a:rPr lang="en-PH" sz="2400" b="1" u="sng" dirty="0" smtClean="0"/>
-              <a:t>App </a:t>
-            </a:r>
-            <a:r>
-              <a:rPr lang="en-PH" sz="2400" b="1" u="sng" dirty="0" smtClean="0"/>
-              <a:t>Design / Development Process, </a:t>
+              <a:t>App Design / Development Process, </a:t>
             </a:r>
             <a:r>
               <a:rPr lang="en-PH" sz="2400" b="1" i="1" u="sng" dirty="0" err="1" smtClean="0"/>
@@ -21371,7 +20559,7 @@
           <a:blip r:embed="rId3">
             <a:extLst>
               <a:ext uri="{28A0092B-C50C-407E-A947-70E740481C1C}">
-                <a14:useLocalDpi xmlns:a14="http://schemas.microsoft.com/office/drawing/2010/main" val="0"/>
+                <a14:useLocalDpi xmlns:a14="http://schemas.microsoft.com/office/drawing/2010/main" xmlns="" val="0"/>
               </a:ext>
             </a:extLst>
           </a:blip>
@@ -21392,7 +20580,7 @@
     </p:spTree>
     <p:extLst>
       <p:ext uri="{BB962C8B-B14F-4D97-AF65-F5344CB8AC3E}">
-        <p14:creationId xmlns:p14="http://schemas.microsoft.com/office/powerpoint/2010/main" val="930853159"/>
+        <p14:creationId xmlns:p14="http://schemas.microsoft.com/office/powerpoint/2010/main" xmlns="" val="930853159"/>
       </p:ext>
     </p:extLst>
   </p:cSld>
@@ -21912,7 +21100,7 @@
             <p:ph idx="1"/>
             <p:extLst>
               <p:ext uri="{D42A27DB-BD31-4B8C-83A1-F6EECF244321}">
-                <p14:modId xmlns:p14="http://schemas.microsoft.com/office/powerpoint/2010/main" val="2266788107"/>
+                <p14:modId xmlns:p14="http://schemas.microsoft.com/office/powerpoint/2010/main" xmlns="" val="2266788107"/>
               </p:ext>
             </p:extLst>
           </p:nvPr>
@@ -21930,7 +21118,7 @@
     </p:spTree>
     <p:extLst>
       <p:ext uri="{BB962C8B-B14F-4D97-AF65-F5344CB8AC3E}">
-        <p14:creationId xmlns:p14="http://schemas.microsoft.com/office/powerpoint/2010/main" val="3793267607"/>
+        <p14:creationId xmlns:p14="http://schemas.microsoft.com/office/powerpoint/2010/main" xmlns="" val="3793267607"/>
       </p:ext>
     </p:extLst>
   </p:cSld>
@@ -22070,7 +21258,7 @@
           <p:nvPr>
             <p:extLst>
               <p:ext uri="{D42A27DB-BD31-4B8C-83A1-F6EECF244321}">
-                <p14:modId xmlns:p14="http://schemas.microsoft.com/office/powerpoint/2010/main" val="2324561009"/>
+                <p14:modId xmlns:p14="http://schemas.microsoft.com/office/powerpoint/2010/main" xmlns="" val="2324561009"/>
               </p:ext>
             </p:extLst>
           </p:nvPr>
@@ -22088,7 +21276,7 @@
     </p:spTree>
     <p:extLst>
       <p:ext uri="{BB962C8B-B14F-4D97-AF65-F5344CB8AC3E}">
-        <p14:creationId xmlns:p14="http://schemas.microsoft.com/office/powerpoint/2010/main" val="1394811396"/>
+        <p14:creationId xmlns:p14="http://schemas.microsoft.com/office/powerpoint/2010/main" xmlns="" val="1394811396"/>
       </p:ext>
     </p:extLst>
   </p:cSld>
@@ -22182,7 +21370,7 @@
             <p:ph type="pic" idx="1"/>
             <p:extLst>
               <p:ext uri="{D42A27DB-BD31-4B8C-83A1-F6EECF244321}">
-                <p14:modId xmlns:p14="http://schemas.microsoft.com/office/powerpoint/2010/main" val="953221219"/>
+                <p14:modId xmlns:p14="http://schemas.microsoft.com/office/powerpoint/2010/main" xmlns="" val="953221219"/>
               </p:ext>
             </p:extLst>
           </p:nvPr>
@@ -22204,7 +21392,7 @@
           <p:nvPr>
             <p:extLst>
               <p:ext uri="{D42A27DB-BD31-4B8C-83A1-F6EECF244321}">
-                <p14:modId xmlns:p14="http://schemas.microsoft.com/office/powerpoint/2010/main" val="3861604498"/>
+                <p14:modId xmlns:p14="http://schemas.microsoft.com/office/powerpoint/2010/main" xmlns="" val="3861604498"/>
               </p:ext>
             </p:extLst>
           </p:nvPr>
@@ -22222,7 +21410,7 @@
     </p:spTree>
     <p:extLst>
       <p:ext uri="{BB962C8B-B14F-4D97-AF65-F5344CB8AC3E}">
-        <p14:creationId xmlns:p14="http://schemas.microsoft.com/office/powerpoint/2010/main" val="731650808"/>
+        <p14:creationId xmlns:p14="http://schemas.microsoft.com/office/powerpoint/2010/main" xmlns="" val="731650808"/>
       </p:ext>
     </p:extLst>
   </p:cSld>
@@ -22438,7 +21626,6 @@
               <a:rPr lang="en-PH" sz="2400" dirty="0" smtClean="0"/>
               <a:t>	Cross checked the actors with 9 sources of influences (Millard, 2015)</a:t>
             </a:r>
-            <a:endParaRPr lang="en-PH" sz="2400" dirty="0" smtClean="0"/>
           </a:p>
           <a:p>
             <a:pPr lvl="0">
@@ -22457,11 +21644,7 @@
             </a:pPr>
             <a:r>
               <a:rPr lang="en-PH" sz="2200" dirty="0" smtClean="0"/>
-              <a:t>Individuals or </a:t>
-            </a:r>
-            <a:r>
-              <a:rPr lang="en-PH" sz="2200" dirty="0" smtClean="0"/>
-              <a:t>Personas that influence the Mobile app design process</a:t>
+              <a:t>Individuals or Personas that influence the Mobile app design process</a:t>
             </a:r>
           </a:p>
           <a:p>
@@ -22503,7 +21686,6 @@
               <a:rPr lang="en-PH" sz="2200" dirty="0" smtClean="0"/>
               <a:t>Intangible and abstract constructs that help form Mobile app design</a:t>
             </a:r>
-            <a:endParaRPr lang="en-PH" sz="2200" dirty="0" smtClean="0"/>
           </a:p>
         </p:txBody>
       </p:sp>
@@ -22519,7 +21701,7 @@
           <a:blip r:embed="rId3">
             <a:extLst>
               <a:ext uri="{28A0092B-C50C-407E-A947-70E740481C1C}">
-                <a14:useLocalDpi xmlns:a14="http://schemas.microsoft.com/office/drawing/2010/main" val="0"/>
+                <a14:useLocalDpi xmlns:a14="http://schemas.microsoft.com/office/drawing/2010/main" xmlns="" val="0"/>
               </a:ext>
             </a:extLst>
           </a:blip>
@@ -22539,7 +21721,7 @@
     </p:spTree>
     <p:extLst>
       <p:ext uri="{BB962C8B-B14F-4D97-AF65-F5344CB8AC3E}">
-        <p14:creationId xmlns:p14="http://schemas.microsoft.com/office/powerpoint/2010/main" val="1119627073"/>
+        <p14:creationId xmlns:p14="http://schemas.microsoft.com/office/powerpoint/2010/main" xmlns="" val="1119627073"/>
       </p:ext>
     </p:extLst>
   </p:cSld>
@@ -23075,7 +22257,7 @@
           <p:nvPr>
             <p:extLst>
               <p:ext uri="{D42A27DB-BD31-4B8C-83A1-F6EECF244321}">
-                <p14:modId xmlns:p14="http://schemas.microsoft.com/office/powerpoint/2010/main" val="3890800602"/>
+                <p14:modId xmlns:p14="http://schemas.microsoft.com/office/powerpoint/2010/main" xmlns="" val="3890800602"/>
               </p:ext>
             </p:extLst>
           </p:nvPr>
@@ -23097,7 +22279,7 @@
           <p:nvPr>
             <p:extLst>
               <p:ext uri="{D42A27DB-BD31-4B8C-83A1-F6EECF244321}">
-                <p14:modId xmlns:p14="http://schemas.microsoft.com/office/powerpoint/2010/main" val="945220982"/>
+                <p14:modId xmlns:p14="http://schemas.microsoft.com/office/powerpoint/2010/main" xmlns="" val="945220982"/>
               </p:ext>
             </p:extLst>
           </p:nvPr>
@@ -23115,7 +22297,7 @@
     </p:spTree>
     <p:extLst>
       <p:ext uri="{BB962C8B-B14F-4D97-AF65-F5344CB8AC3E}">
-        <p14:creationId xmlns:p14="http://schemas.microsoft.com/office/powerpoint/2010/main" val="3506506913"/>
+        <p14:creationId xmlns:p14="http://schemas.microsoft.com/office/powerpoint/2010/main" xmlns="" val="3506506913"/>
       </p:ext>
     </p:extLst>
   </p:cSld>
@@ -23260,7 +22442,7 @@
           <p:nvPr>
             <p:extLst>
               <p:ext uri="{D42A27DB-BD31-4B8C-83A1-F6EECF244321}">
-                <p14:modId xmlns:p14="http://schemas.microsoft.com/office/powerpoint/2010/main" val="3600392312"/>
+                <p14:modId xmlns:p14="http://schemas.microsoft.com/office/powerpoint/2010/main" xmlns="" val="3600392312"/>
               </p:ext>
             </p:extLst>
           </p:nvPr>
@@ -23278,7 +22460,7 @@
     </p:spTree>
     <p:extLst>
       <p:ext uri="{BB962C8B-B14F-4D97-AF65-F5344CB8AC3E}">
-        <p14:creationId xmlns:p14="http://schemas.microsoft.com/office/powerpoint/2010/main" val="1411415103"/>
+        <p14:creationId xmlns:p14="http://schemas.microsoft.com/office/powerpoint/2010/main" xmlns="" val="1411415103"/>
       </p:ext>
     </p:extLst>
   </p:cSld>
@@ -23562,7 +22744,7 @@
           <a:blip r:embed="rId3">
             <a:extLst>
               <a:ext uri="{28A0092B-C50C-407E-A947-70E740481C1C}">
-                <a14:useLocalDpi xmlns:a14="http://schemas.microsoft.com/office/drawing/2010/main" val="0"/>
+                <a14:useLocalDpi xmlns:a14="http://schemas.microsoft.com/office/drawing/2010/main" xmlns="" val="0"/>
               </a:ext>
             </a:extLst>
           </a:blip>
@@ -23587,7 +22769,7 @@
           <p:nvPr>
             <p:extLst>
               <p:ext uri="{D42A27DB-BD31-4B8C-83A1-F6EECF244321}">
-                <p14:modId xmlns:p14="http://schemas.microsoft.com/office/powerpoint/2010/main" val="4091315119"/>
+                <p14:modId xmlns:p14="http://schemas.microsoft.com/office/powerpoint/2010/main" xmlns="" val="4091315119"/>
               </p:ext>
             </p:extLst>
           </p:nvPr>
@@ -23605,7 +22787,7 @@
     </p:spTree>
     <p:extLst>
       <p:ext uri="{BB962C8B-B14F-4D97-AF65-F5344CB8AC3E}">
-        <p14:creationId xmlns:p14="http://schemas.microsoft.com/office/powerpoint/2010/main" val="3078846322"/>
+        <p14:creationId xmlns:p14="http://schemas.microsoft.com/office/powerpoint/2010/main" xmlns="" val="3078846322"/>
       </p:ext>
     </p:extLst>
   </p:cSld>
@@ -23735,7 +22917,7 @@
           <p:nvPr>
             <p:extLst>
               <p:ext uri="{D42A27DB-BD31-4B8C-83A1-F6EECF244321}">
-                <p14:modId xmlns:p14="http://schemas.microsoft.com/office/powerpoint/2010/main" val="3979813673"/>
+                <p14:modId xmlns:p14="http://schemas.microsoft.com/office/powerpoint/2010/main" xmlns="" val="3979813673"/>
               </p:ext>
             </p:extLst>
           </p:nvPr>
@@ -23753,7 +22935,7 @@
     </p:spTree>
     <p:extLst>
       <p:ext uri="{BB962C8B-B14F-4D97-AF65-F5344CB8AC3E}">
-        <p14:creationId xmlns:p14="http://schemas.microsoft.com/office/powerpoint/2010/main" val="505594821"/>
+        <p14:creationId xmlns:p14="http://schemas.microsoft.com/office/powerpoint/2010/main" xmlns="" val="505594821"/>
       </p:ext>
     </p:extLst>
   </p:cSld>
@@ -23892,7 +23074,7 @@
           <p:nvPr>
             <p:extLst>
               <p:ext uri="{D42A27DB-BD31-4B8C-83A1-F6EECF244321}">
-                <p14:modId xmlns:p14="http://schemas.microsoft.com/office/powerpoint/2010/main" val="180764267"/>
+                <p14:modId xmlns:p14="http://schemas.microsoft.com/office/powerpoint/2010/main" xmlns="" val="180764267"/>
               </p:ext>
             </p:extLst>
           </p:nvPr>
@@ -23910,7 +23092,7 @@
     </p:spTree>
     <p:extLst>
       <p:ext uri="{BB962C8B-B14F-4D97-AF65-F5344CB8AC3E}">
-        <p14:creationId xmlns:p14="http://schemas.microsoft.com/office/powerpoint/2010/main" val="3064714115"/>
+        <p14:creationId xmlns:p14="http://schemas.microsoft.com/office/powerpoint/2010/main" xmlns="" val="3064714115"/>
       </p:ext>
     </p:extLst>
   </p:cSld>
@@ -24290,7 +23472,7 @@
           <a:blip r:embed="rId3">
             <a:extLst>
               <a:ext uri="{28A0092B-C50C-407E-A947-70E740481C1C}">
-                <a14:useLocalDpi xmlns:a14="http://schemas.microsoft.com/office/drawing/2010/main" val="0"/>
+                <a14:useLocalDpi xmlns:a14="http://schemas.microsoft.com/office/drawing/2010/main" xmlns="" val="0"/>
               </a:ext>
             </a:extLst>
           </a:blip>
@@ -24311,7 +23493,7 @@
     </p:spTree>
     <p:extLst>
       <p:ext uri="{BB962C8B-B14F-4D97-AF65-F5344CB8AC3E}">
-        <p14:creationId xmlns:p14="http://schemas.microsoft.com/office/powerpoint/2010/main" val="324710674"/>
+        <p14:creationId xmlns:p14="http://schemas.microsoft.com/office/powerpoint/2010/main" xmlns="" val="324710674"/>
       </p:ext>
     </p:extLst>
   </p:cSld>
@@ -24527,7 +23709,7 @@
           <a:blip r:embed="rId3">
             <a:extLst>
               <a:ext uri="{28A0092B-C50C-407E-A947-70E740481C1C}">
-                <a14:useLocalDpi xmlns:a14="http://schemas.microsoft.com/office/drawing/2010/main" val="0"/>
+                <a14:useLocalDpi xmlns:a14="http://schemas.microsoft.com/office/drawing/2010/main" xmlns="" val="0"/>
               </a:ext>
             </a:extLst>
           </a:blip>
@@ -24548,7 +23730,7 @@
     </p:spTree>
     <p:extLst>
       <p:ext uri="{BB962C8B-B14F-4D97-AF65-F5344CB8AC3E}">
-        <p14:creationId xmlns:p14="http://schemas.microsoft.com/office/powerpoint/2010/main" val="3871265919"/>
+        <p14:creationId xmlns:p14="http://schemas.microsoft.com/office/powerpoint/2010/main" xmlns="" val="3871265919"/>
       </p:ext>
     </p:extLst>
   </p:cSld>
@@ -24920,7 +24102,7 @@
           <a:blip r:embed="rId3">
             <a:extLst>
               <a:ext uri="{28A0092B-C50C-407E-A947-70E740481C1C}">
-                <a14:useLocalDpi xmlns:a14="http://schemas.microsoft.com/office/drawing/2010/main" val="0"/>
+                <a14:useLocalDpi xmlns:a14="http://schemas.microsoft.com/office/drawing/2010/main" xmlns="" val="0"/>
               </a:ext>
             </a:extLst>
           </a:blip>
@@ -24945,7 +24127,7 @@
           <p:nvPr>
             <p:extLst>
               <p:ext uri="{D42A27DB-BD31-4B8C-83A1-F6EECF244321}">
-                <p14:modId xmlns:p14="http://schemas.microsoft.com/office/powerpoint/2010/main" val="1743942461"/>
+                <p14:modId xmlns:p14="http://schemas.microsoft.com/office/powerpoint/2010/main" xmlns="" val="1743942461"/>
               </p:ext>
             </p:extLst>
           </p:nvPr>
@@ -24963,7 +24145,7 @@
     </p:spTree>
     <p:extLst>
       <p:ext uri="{BB962C8B-B14F-4D97-AF65-F5344CB8AC3E}">
-        <p14:creationId xmlns:p14="http://schemas.microsoft.com/office/powerpoint/2010/main" val="3409449089"/>
+        <p14:creationId xmlns:p14="http://schemas.microsoft.com/office/powerpoint/2010/main" xmlns="" val="3409449089"/>
       </p:ext>
     </p:extLst>
   </p:cSld>
@@ -25091,7 +24273,7 @@
           <p:nvPr>
             <p:extLst>
               <p:ext uri="{D42A27DB-BD31-4B8C-83A1-F6EECF244321}">
-                <p14:modId xmlns:p14="http://schemas.microsoft.com/office/powerpoint/2010/main" val="3968831474"/>
+                <p14:modId xmlns:p14="http://schemas.microsoft.com/office/powerpoint/2010/main" xmlns="" val="3968831474"/>
               </p:ext>
             </p:extLst>
           </p:nvPr>
@@ -25502,7 +24684,7 @@
     </p:spTree>
     <p:extLst>
       <p:ext uri="{BB962C8B-B14F-4D97-AF65-F5344CB8AC3E}">
-        <p14:creationId xmlns:p14="http://schemas.microsoft.com/office/powerpoint/2010/main" val="3847127212"/>
+        <p14:creationId xmlns:p14="http://schemas.microsoft.com/office/powerpoint/2010/main" xmlns="" val="3847127212"/>
       </p:ext>
     </p:extLst>
   </p:cSld>
@@ -25846,320 +25028,323 @@
           </a:bodyPr>
           <a:lstStyle/>
           <a:p>
-            <a:r>
-              <a:rPr lang="en-PH" sz="1450" dirty="0"/>
-              <a:t>Hill, S. (2015, February 12). </a:t>
-            </a:r>
-            <a:r>
-              <a:rPr lang="en-PH" sz="1450" b="1" dirty="0"/>
-              <a:t>Do you need antivirus on android. </a:t>
-            </a:r>
-            <a:r>
-              <a:rPr lang="en-PH" sz="1450" dirty="0"/>
+            <a:pPr lvl="0"/>
+            <a:r>
+              <a:rPr lang="en-US" sz="1600" dirty="0" smtClean="0"/>
+              <a:t>Dubois, D..(2014, October 21).</a:t>
+            </a:r>
+            <a:r>
+              <a:rPr lang="en-US" sz="1600" b="1" dirty="0" smtClean="0"/>
+              <a:t>The “Social Media New Deal” for Luxury Brands. </a:t>
+            </a:r>
+            <a:r>
+              <a:rPr lang="en-US" sz="1600" dirty="0" smtClean="0"/>
               <a:t>Retrieved from </a:t>
             </a:r>
             <a:r>
-              <a:rPr lang="en-PH" sz="1450" u="sng" dirty="0">
+              <a:rPr lang="en-US" sz="1600" u="sng" dirty="0" smtClean="0">
                 <a:hlinkClick r:id="rId3"/>
               </a:rPr>
-              <a:t>http://www.digitaltrends.com/mobile/do-you-need-antivirus-on-android/</a:t>
-            </a:r>
-            <a:r>
-              <a:rPr lang="en-PH" sz="1450" dirty="0"/>
-              <a:t> </a:t>
-            </a:r>
-          </a:p>
-          <a:p>
-            <a:r>
-              <a:rPr lang="en-PH" sz="1450" dirty="0" err="1"/>
-              <a:t>Hou</a:t>
-            </a:r>
-            <a:r>
-              <a:rPr lang="en-PH" sz="1450" dirty="0"/>
-              <a:t>, O. (2012, July 20). </a:t>
-            </a:r>
-            <a:r>
-              <a:rPr lang="en-PH" sz="1450" b="1" dirty="0"/>
-              <a:t>A Look at Google Bouncer.</a:t>
-            </a:r>
-            <a:r>
-              <a:rPr lang="en-PH" sz="1450" dirty="0"/>
+              <a:t>http://knowledge.insead.edu/marketing-advertising/the-social-media-new-deal-for-luxury-brands-3649</a:t>
+            </a:r>
+            <a:endParaRPr lang="en-PH" sz="1600" dirty="0" smtClean="0"/>
+          </a:p>
+          <a:p>
+            <a:r>
+              <a:rPr lang="en-PH" sz="1600" dirty="0" smtClean="0"/>
+              <a:t>Gerber, S. (2012, December 16). </a:t>
+            </a:r>
+            <a:r>
+              <a:rPr lang="en-PH" sz="1600" b="1" dirty="0" smtClean="0"/>
+              <a:t>13 must-have features for your next mobile app.</a:t>
+            </a:r>
+            <a:r>
+              <a:rPr lang="en-PH" sz="1600" dirty="0" smtClean="0"/>
               <a:t> Retrieved from </a:t>
             </a:r>
             <a:r>
-              <a:rPr lang="en-PH" sz="1450" u="sng" dirty="0">
+              <a:rPr lang="en-PH" sz="1600" u="sng" dirty="0" smtClean="0">
                 <a:hlinkClick r:id="rId4"/>
               </a:rPr>
-              <a:t>http://blog.trendmicro.com/trendlabs-security-intelligence/a-look-at-google-bouncer/</a:t>
-            </a:r>
-            <a:r>
-              <a:rPr lang="en-PH" sz="1450" dirty="0"/>
-              <a:t> </a:t>
-            </a:r>
-          </a:p>
-          <a:p>
-            <a:r>
-              <a:rPr lang="en-PH" sz="1450" dirty="0" err="1"/>
-              <a:t>Boxall</a:t>
-            </a:r>
-            <a:r>
-              <a:rPr lang="en-PH" sz="1450" dirty="0"/>
-              <a:t>, Andy. (2014, December 11</a:t>
-            </a:r>
-            <a:r>
-              <a:rPr lang="en-PH" sz="1450" b="1" dirty="0"/>
-              <a:t>). 2014 is the year of health and fitness apps. </a:t>
-            </a:r>
-            <a:r>
-              <a:rPr lang="en-PH" sz="1450" dirty="0"/>
+              <a:t>http://thenextweb.com/entrepreneur/2012/12/16/13-must-have-features-for-your-business-mobile-app</a:t>
+            </a:r>
+            <a:r>
+              <a:rPr lang="en-PH" sz="1600" u="sng" dirty="0" smtClean="0">
+                <a:hlinkClick r:id="rId4"/>
+              </a:rPr>
+              <a:t>/</a:t>
+            </a:r>
+            <a:endParaRPr lang="en-PH" sz="1600" u="sng" dirty="0" smtClean="0"/>
+          </a:p>
+          <a:p>
+            <a:r>
+              <a:rPr lang="en-PH" sz="1600" b="1" dirty="0" smtClean="0"/>
+              <a:t>Mobile Applications in the building and construction industry. </a:t>
+            </a:r>
+            <a:r>
+              <a:rPr lang="en-PH" sz="1600" dirty="0" smtClean="0"/>
               <a:t>Retrieved from </a:t>
             </a:r>
             <a:r>
-              <a:rPr lang="en-PH" sz="1450" u="sng" dirty="0">
+              <a:rPr lang="en-PH" sz="1600" u="sng" dirty="0" smtClean="0">
                 <a:hlinkClick r:id="rId5"/>
               </a:rPr>
-              <a:t>http://www.digitaltrends.com/mobile/google-play-store-2014-most-downloaded-apps/</a:t>
-            </a:r>
-            <a:r>
-              <a:rPr lang="en-PH" sz="1450" dirty="0"/>
-              <a:t> </a:t>
-            </a:r>
-          </a:p>
-          <a:p>
-            <a:r>
-              <a:rPr lang="en-PH" sz="1450" b="1" dirty="0"/>
-              <a:t>Emerging Trends in Mobile and What They Mean for Your Business. </a:t>
-            </a:r>
-            <a:r>
-              <a:rPr lang="en-PH" sz="1450" dirty="0"/>
-              <a:t>(2014. August 05) Retrieved from http://www.nielsen.com/us/en/insights/news/2014/emerging-trends-in-mobile-and-what-they-mean-for-your-business.html * Mobile Phones.(2014) Retrieved from </a:t>
-            </a:r>
-            <a:r>
-              <a:rPr lang="en-PH" sz="1450" u="sng" dirty="0">
+              <a:t>http://</a:t>
+            </a:r>
+            <a:r>
+              <a:rPr lang="en-PH" sz="1600" u="sng" dirty="0" smtClean="0">
+                <a:hlinkClick r:id="rId5"/>
+              </a:rPr>
+              <a:t>www.functionatl.com/media/support_images/Function_Mobile_Apps_Research.pdf</a:t>
+            </a:r>
+            <a:endParaRPr lang="en-PH" sz="1600" u="sng" dirty="0" smtClean="0"/>
+          </a:p>
+          <a:p>
+            <a:r>
+              <a:rPr lang="en-PH" sz="1600" b="1" dirty="0" smtClean="0"/>
+              <a:t>Mobile App 101: Key Functions to Consider.(</a:t>
+            </a:r>
+            <a:r>
+              <a:rPr lang="en-PH" sz="1600" dirty="0" smtClean="0"/>
+              <a:t>2013, January 28). Retrieved from </a:t>
+            </a:r>
+            <a:r>
+              <a:rPr lang="en-PH" sz="1600" u="sng" dirty="0" smtClean="0">
                 <a:hlinkClick r:id="rId6"/>
               </a:rPr>
-              <a:t>http://www.saferinternet.org/online-issues/parents-and-carers/mobile-phones</a:t>
+              <a:t>http://www.rainmaker-labs.com/mobile-app-key-functions</a:t>
+            </a:r>
+            <a:r>
+              <a:rPr lang="en-PH" sz="1600" u="sng" dirty="0" smtClean="0">
+                <a:hlinkClick r:id="rId6"/>
+              </a:rPr>
+              <a:t>/</a:t>
+            </a:r>
+            <a:endParaRPr lang="en-PH" sz="1600" u="sng" dirty="0" smtClean="0"/>
+          </a:p>
+          <a:p>
+            <a:pPr lvl="0"/>
+            <a:r>
+              <a:rPr lang="en-PH" sz="1600" b="1" dirty="0" smtClean="0"/>
+              <a:t>UI, UX: Who Does What? A Designer's Guide To The Tech Industry. </a:t>
+            </a:r>
+            <a:r>
+              <a:rPr lang="en-PH" sz="1600" dirty="0" smtClean="0"/>
+              <a:t>(2014, July 07). Retrieved from </a:t>
+            </a:r>
+            <a:r>
+              <a:rPr lang="en-PH" sz="1600" u="sng" dirty="0" smtClean="0">
+                <a:hlinkClick r:id="rId7"/>
+              </a:rPr>
+              <a:t>http://www.fastcodesign.com/3032719/ui-ux-who-does-what-a-designers-guide-to-the-tech-industry</a:t>
+            </a:r>
+            <a:r>
+              <a:rPr lang="en-US" sz="1600" dirty="0" smtClean="0"/>
+              <a:t> </a:t>
+            </a:r>
+            <a:r>
+              <a:rPr lang="en-PH" sz="1450" dirty="0" smtClean="0"/>
+              <a:t> </a:t>
+            </a:r>
+            <a:endParaRPr lang="en-PH" sz="1450" dirty="0"/>
+          </a:p>
+          <a:p>
+            <a:pPr lvl="0"/>
+            <a:r>
+              <a:rPr lang="en-PH" sz="1600" dirty="0" smtClean="0"/>
+              <a:t>Steve, C. .</a:t>
+            </a:r>
+            <a:r>
+              <a:rPr lang="en-PH" sz="1600" b="1" dirty="0" smtClean="0"/>
+              <a:t>How to Design a Killer Mobile Ecommerce Website that will Boost Sales. </a:t>
+            </a:r>
+            <a:r>
+              <a:rPr lang="en-PH" sz="1600" dirty="0" smtClean="0"/>
+              <a:t>Retrieved from </a:t>
+            </a:r>
+            <a:r>
+              <a:rPr lang="en-PH" sz="1600" u="sng" dirty="0" smtClean="0">
+                <a:hlinkClick r:id="rId8"/>
+              </a:rPr>
+              <a:t>http://mywifequitherjob.com/how-to-design-a-killer-mobile-ecommerce-website-that-will-boost-sales/</a:t>
+            </a:r>
+            <a:r>
+              <a:rPr lang="en-US" sz="1600" dirty="0" smtClean="0"/>
+              <a:t> </a:t>
+            </a:r>
+            <a:endParaRPr lang="en-PH" sz="1600" dirty="0" smtClean="0"/>
+          </a:p>
+          <a:p>
+            <a:r>
+              <a:rPr lang="en-PH" sz="1600" dirty="0" smtClean="0"/>
+              <a:t>J, F. (2014, January 17). </a:t>
+            </a:r>
+            <a:r>
+              <a:rPr lang="en-PH" sz="1600" dirty="0" err="1" smtClean="0"/>
+              <a:t>L</a:t>
+            </a:r>
+            <a:r>
+              <a:rPr lang="en-PH" sz="1600" b="1" dirty="0" err="1" smtClean="0"/>
+              <a:t>alaking</a:t>
+            </a:r>
+            <a:r>
+              <a:rPr lang="en-PH" sz="1600" b="1" dirty="0" smtClean="0"/>
+              <a:t> </a:t>
+            </a:r>
+            <a:r>
+              <a:rPr lang="en-PH" sz="1600" b="1" dirty="0" err="1" smtClean="0"/>
+              <a:t>naghahanap</a:t>
+            </a:r>
+            <a:r>
+              <a:rPr lang="en-PH" sz="1600" b="1" dirty="0" smtClean="0"/>
+              <a:t> </a:t>
+            </a:r>
+            <a:r>
+              <a:rPr lang="en-PH" sz="1600" b="1" dirty="0" err="1" smtClean="0"/>
+              <a:t>ng</a:t>
+            </a:r>
+            <a:r>
+              <a:rPr lang="en-PH" sz="1600" b="1" dirty="0" smtClean="0"/>
+              <a:t> </a:t>
+            </a:r>
+            <a:r>
+              <a:rPr lang="en-PH" sz="1600" b="1" dirty="0" err="1" smtClean="0"/>
+              <a:t>bulalo</a:t>
+            </a:r>
+            <a:r>
+              <a:rPr lang="en-PH" sz="1600" b="1" dirty="0" smtClean="0"/>
+              <a:t> soup </a:t>
+            </a:r>
+            <a:r>
+              <a:rPr lang="en-PH" sz="1600" b="1" dirty="0" err="1" smtClean="0"/>
+              <a:t>sa</a:t>
+            </a:r>
+            <a:r>
+              <a:rPr lang="en-PH" sz="1600" b="1" dirty="0" smtClean="0"/>
+              <a:t> </a:t>
+            </a:r>
+            <a:r>
+              <a:rPr lang="en-PH" sz="1600" b="1" dirty="0" err="1" smtClean="0"/>
+              <a:t>panaderya</a:t>
+            </a:r>
+            <a:r>
+              <a:rPr lang="en-PH" sz="1600" b="1" dirty="0" smtClean="0"/>
+              <a:t>, </a:t>
+            </a:r>
+            <a:r>
+              <a:rPr lang="en-PH" sz="1600" b="1" dirty="0" err="1" smtClean="0"/>
+              <a:t>nagwala</a:t>
+            </a:r>
+            <a:r>
+              <a:rPr lang="en-PH" sz="1600" b="1" dirty="0" smtClean="0"/>
+              <a:t> </a:t>
+            </a:r>
+            <a:r>
+              <a:rPr lang="en-PH" sz="1600" b="1" dirty="0" err="1" smtClean="0"/>
+              <a:t>nang</a:t>
+            </a:r>
+            <a:r>
+              <a:rPr lang="en-PH" sz="1600" b="1" dirty="0" smtClean="0"/>
+              <a:t> </a:t>
+            </a:r>
+            <a:r>
+              <a:rPr lang="en-PH" sz="1600" b="1" dirty="0" err="1" smtClean="0"/>
+              <a:t>bigyan</a:t>
+            </a:r>
+            <a:r>
+              <a:rPr lang="en-PH" sz="1600" b="1" dirty="0" smtClean="0"/>
+              <a:t> </a:t>
+            </a:r>
+            <a:r>
+              <a:rPr lang="en-PH" sz="1600" b="1" dirty="0" err="1" smtClean="0"/>
+              <a:t>ng</a:t>
+            </a:r>
+            <a:r>
+              <a:rPr lang="en-PH" sz="1600" b="1" dirty="0" smtClean="0"/>
+              <a:t> cup noodles </a:t>
+            </a:r>
+            <a:r>
+              <a:rPr lang="en-PH" sz="1600" b="1" dirty="0" err="1" smtClean="0"/>
+              <a:t>na</a:t>
+            </a:r>
+            <a:r>
+              <a:rPr lang="en-PH" sz="1600" b="1" dirty="0" smtClean="0"/>
+              <a:t> </a:t>
+            </a:r>
+            <a:r>
+              <a:rPr lang="en-PH" sz="1600" b="1" dirty="0" err="1" smtClean="0"/>
+              <a:t>bulalo</a:t>
+            </a:r>
+            <a:r>
+              <a:rPr lang="en-PH" sz="1600" b="1" dirty="0" smtClean="0"/>
+              <a:t> </a:t>
+            </a:r>
+            <a:r>
+              <a:rPr lang="en-PH" sz="1600" b="1" dirty="0" err="1" smtClean="0"/>
+              <a:t>flavor</a:t>
+            </a:r>
+            <a:r>
+              <a:rPr lang="en-PH" sz="1600" b="1" dirty="0" smtClean="0"/>
+              <a:t>.</a:t>
+            </a:r>
+            <a:r>
+              <a:rPr lang="en-PH" sz="1600" dirty="0" smtClean="0"/>
+              <a:t> Retrieved March 1, 2015, from </a:t>
+            </a:r>
+            <a:r>
+              <a:rPr lang="en-PH" sz="1600" u="sng" dirty="0" smtClean="0">
+                <a:hlinkClick r:id="rId9"/>
+              </a:rPr>
+              <a:t>http://www.gmanetwork.com/news/story/344328/ulatfilipino/balitangpinoy/lalaking-naghahanap-ng-bulalo-soup-sa-panaderya-nagwala-nang-bigyan-ng-cup-noodles-na-bulalo-flavor</a:t>
+            </a:r>
+            <a:r>
+              <a:rPr lang="en-PH" sz="1450" b="1" dirty="0" smtClean="0"/>
+              <a:t>UI</a:t>
+            </a:r>
+            <a:r>
+              <a:rPr lang="en-PH" sz="1450" b="1" dirty="0"/>
+              <a:t>, UX: Who Does What? A Designer's Guide To The Tech Industry. </a:t>
             </a:r>
             <a:r>
               <a:rPr lang="en-PH" sz="1450" dirty="0"/>
-              <a:t> </a:t>
-            </a:r>
-          </a:p>
-          <a:p>
-            <a:r>
-              <a:rPr lang="en-PH" sz="1450" dirty="0"/>
-              <a:t>Gerber, S. (2012, December 16). </a:t>
-            </a:r>
-            <a:r>
-              <a:rPr lang="en-PH" sz="1450" b="1" dirty="0"/>
-              <a:t>13 must-have features for your next mobile app.</a:t>
-            </a:r>
-            <a:r>
-              <a:rPr lang="en-PH" sz="1450" dirty="0"/>
-              <a:t> Retrieved from </a:t>
+              <a:t>(2014, July 07). Retrieved from </a:t>
             </a:r>
             <a:r>
               <a:rPr lang="en-PH" sz="1450" u="sng" dirty="0">
                 <a:hlinkClick r:id="rId7"/>
               </a:rPr>
-              <a:t>http://thenextweb.com/entrepreneur/2012/12/16/13-must-have-features-for-your-business-mobile-app/</a:t>
+              <a:t>http://www.fastcodesign.com/3032719/ui-ux-who-does-what-a-designers-guide-to-the-tech-industry</a:t>
             </a:r>
             <a:r>
               <a:rPr lang="en-PH" sz="1450" dirty="0"/>
               <a:t> </a:t>
             </a:r>
-          </a:p>
-          <a:p>
-            <a:r>
-              <a:rPr lang="en-PH" sz="1450" b="1" dirty="0"/>
-              <a:t>Mobile Applications in the building and construction industry. </a:t>
-            </a:r>
-            <a:r>
-              <a:rPr lang="en-PH" sz="1450" dirty="0"/>
-              <a:t>Retrieved from </a:t>
-            </a:r>
-            <a:r>
-              <a:rPr lang="en-PH" sz="1450" u="sng" dirty="0">
-                <a:hlinkClick r:id="rId8"/>
-              </a:rPr>
-              <a:t>http://www.functionatl.com/media/support_images/Function_Mobile_Apps_Research.pdf</a:t>
-            </a:r>
-            <a:r>
-              <a:rPr lang="en-PH" sz="1450" dirty="0"/>
-              <a:t> </a:t>
-            </a:r>
-          </a:p>
-          <a:p>
-            <a:r>
-              <a:rPr lang="en-PH" sz="1450" b="1" dirty="0"/>
-              <a:t>Mobile App 101: Key Functions to Consider.(</a:t>
-            </a:r>
-            <a:r>
-              <a:rPr lang="en-PH" sz="1450" dirty="0"/>
-              <a:t>2013, January 28). Retrieved from </a:t>
-            </a:r>
-            <a:r>
-              <a:rPr lang="en-PH" sz="1450" u="sng" dirty="0">
-                <a:hlinkClick r:id="rId9"/>
-              </a:rPr>
-              <a:t>http://www.rainmaker-labs.com/mobile-app-key-functions/</a:t>
-            </a:r>
-            <a:r>
-              <a:rPr lang="en-PH" sz="1450" dirty="0"/>
-              <a:t> </a:t>
-            </a:r>
-          </a:p>
-          <a:p>
-            <a:r>
-              <a:rPr lang="en-PH" sz="1450" b="1" dirty="0"/>
-              <a:t>UI, UX: Who Does What? A Designer's Guide To The Tech Industry. </a:t>
-            </a:r>
-            <a:r>
-              <a:rPr lang="en-PH" sz="1450" dirty="0"/>
-              <a:t>(2014, July 07). Retrieved from </a:t>
-            </a:r>
-            <a:r>
-              <a:rPr lang="en-PH" sz="1450" u="sng" dirty="0">
+            <a:endParaRPr lang="en-PH" sz="1450" dirty="0" smtClean="0"/>
+          </a:p>
+          <a:p>
+            <a:r>
+              <a:rPr lang="en-PH" sz="1600" dirty="0" err="1" smtClean="0"/>
+              <a:t>Wondrack</a:t>
+            </a:r>
+            <a:r>
+              <a:rPr lang="en-PH" sz="1600" dirty="0" smtClean="0"/>
+              <a:t>, J..(2015, February 25). </a:t>
+            </a:r>
+            <a:r>
+              <a:rPr lang="en-PH" sz="1600" b="1" dirty="0" smtClean="0"/>
+              <a:t>A Common Design Taxonomy.</a:t>
+            </a:r>
+            <a:r>
+              <a:rPr lang="en-PH" sz="1600" dirty="0" smtClean="0"/>
+              <a:t> Retrieved from </a:t>
+            </a:r>
+            <a:r>
+              <a:rPr lang="en-PH" sz="1600" u="sng" dirty="0" smtClean="0">
                 <a:hlinkClick r:id="rId10"/>
               </a:rPr>
-              <a:t>http://www.fastcodesign.com/3032719/ui-ux-who-does-what-a-designers-guide-to-the-tech-industry</a:t>
-            </a:r>
-            <a:r>
-              <a:rPr lang="en-PH" sz="1450" dirty="0"/>
-              <a:t> </a:t>
-            </a:r>
-          </a:p>
-          <a:p>
-            <a:r>
-              <a:rPr lang="en-PH" sz="1450" dirty="0"/>
-              <a:t>Steve, C. .</a:t>
-            </a:r>
-            <a:r>
-              <a:rPr lang="en-PH" sz="1450" b="1" dirty="0"/>
-              <a:t>How to Design a Killer Mobile Ecommerce Website that will Boost Sales. </a:t>
-            </a:r>
-            <a:r>
-              <a:rPr lang="en-PH" sz="1450" dirty="0"/>
-              <a:t>Retrieved from </a:t>
-            </a:r>
-            <a:r>
-              <a:rPr lang="en-PH" sz="1450" u="sng" dirty="0">
-                <a:hlinkClick r:id="rId11"/>
-              </a:rPr>
-              <a:t>http://mywifequitherjob.com/how-to-design-a-killer-mobile-ecommerce-website-that-will-boost-sales/</a:t>
-            </a:r>
-            <a:r>
-              <a:rPr lang="en-PH" sz="1450" dirty="0"/>
-              <a:t> </a:t>
-            </a:r>
-            <a:endParaRPr lang="en-PH" sz="1450" dirty="0" smtClean="0"/>
-          </a:p>
-          <a:p>
-            <a:r>
-              <a:rPr lang="en-PH" sz="1450" dirty="0"/>
-              <a:t>J, F. (2014, January 17). </a:t>
-            </a:r>
-            <a:r>
-              <a:rPr lang="en-PH" sz="1450" dirty="0" err="1"/>
-              <a:t>L</a:t>
-            </a:r>
-            <a:r>
-              <a:rPr lang="en-PH" sz="1450" b="1" dirty="0" err="1"/>
-              <a:t>alaking</a:t>
-            </a:r>
-            <a:r>
-              <a:rPr lang="en-PH" sz="1450" b="1" dirty="0"/>
-              <a:t> </a:t>
-            </a:r>
-            <a:r>
-              <a:rPr lang="en-PH" sz="1450" b="1" dirty="0" err="1"/>
-              <a:t>naghahanap</a:t>
-            </a:r>
-            <a:r>
-              <a:rPr lang="en-PH" sz="1450" b="1" dirty="0"/>
-              <a:t> ng </a:t>
-            </a:r>
-            <a:r>
-              <a:rPr lang="en-PH" sz="1450" b="1" dirty="0" err="1"/>
-              <a:t>bulalo</a:t>
-            </a:r>
-            <a:r>
-              <a:rPr lang="en-PH" sz="1450" b="1" dirty="0"/>
-              <a:t> soup </a:t>
-            </a:r>
-            <a:r>
-              <a:rPr lang="en-PH" sz="1450" b="1" dirty="0" err="1"/>
-              <a:t>sa</a:t>
-            </a:r>
-            <a:r>
-              <a:rPr lang="en-PH" sz="1450" b="1" dirty="0"/>
-              <a:t> </a:t>
-            </a:r>
-            <a:r>
-              <a:rPr lang="en-PH" sz="1450" b="1" dirty="0" err="1"/>
-              <a:t>panaderya</a:t>
-            </a:r>
-            <a:r>
-              <a:rPr lang="en-PH" sz="1450" b="1" dirty="0"/>
-              <a:t>, </a:t>
-            </a:r>
-            <a:r>
-              <a:rPr lang="en-PH" sz="1450" b="1" dirty="0" err="1"/>
-              <a:t>nagwala</a:t>
-            </a:r>
-            <a:r>
-              <a:rPr lang="en-PH" sz="1450" b="1" dirty="0"/>
-              <a:t> </a:t>
-            </a:r>
-            <a:r>
-              <a:rPr lang="en-PH" sz="1450" b="1" dirty="0" err="1"/>
-              <a:t>nang</a:t>
-            </a:r>
-            <a:r>
-              <a:rPr lang="en-PH" sz="1450" b="1" dirty="0"/>
-              <a:t> </a:t>
-            </a:r>
-            <a:r>
-              <a:rPr lang="en-PH" sz="1450" b="1" dirty="0" err="1"/>
-              <a:t>bigyan</a:t>
-            </a:r>
-            <a:r>
-              <a:rPr lang="en-PH" sz="1450" b="1" dirty="0"/>
-              <a:t> ng cup noodles </a:t>
-            </a:r>
-            <a:r>
-              <a:rPr lang="en-PH" sz="1450" b="1" dirty="0" err="1"/>
-              <a:t>na</a:t>
-            </a:r>
-            <a:r>
-              <a:rPr lang="en-PH" sz="1450" b="1" dirty="0"/>
-              <a:t> </a:t>
-            </a:r>
-            <a:r>
-              <a:rPr lang="en-PH" sz="1450" b="1" dirty="0" err="1"/>
-              <a:t>bulalo</a:t>
-            </a:r>
-            <a:r>
-              <a:rPr lang="en-PH" sz="1450" b="1" dirty="0"/>
-              <a:t> flavor.</a:t>
-            </a:r>
-            <a:r>
-              <a:rPr lang="en-PH" sz="1450" dirty="0"/>
-              <a:t> Retrieved March 1, 2015, from </a:t>
-            </a:r>
-            <a:r>
-              <a:rPr lang="en-PH" sz="1450" u="sng" dirty="0">
-                <a:hlinkClick r:id="rId12"/>
-              </a:rPr>
-              <a:t>http://</a:t>
-            </a:r>
-            <a:r>
-              <a:rPr lang="en-PH" sz="1450" u="sng" dirty="0" smtClean="0">
-                <a:hlinkClick r:id="rId12"/>
-              </a:rPr>
-              <a:t>www.gmanetwork.com/news/story/344328/ulatfilipino/balitangpinoy/lalaking-naghahanap-ng-bulalo-soup-sa-panaderya-nagwala-nang-bigyan-ng-cup-noodles-na-bulalo-flavor</a:t>
-            </a:r>
-            <a:endParaRPr lang="en-PH" sz="1450" dirty="0"/>
+              <a:t>http://uxmag.com/articles/a-common-design-taxonomy</a:t>
+            </a:r>
+            <a:endParaRPr lang="en-PH" sz="1600" dirty="0"/>
           </a:p>
         </p:txBody>
       </p:sp>
@@ -26197,10 +25382,10 @@
           <p:nvPr/>
         </p:nvPicPr>
         <p:blipFill>
-          <a:blip r:embed="rId13">
+          <a:blip r:embed="rId11">
             <a:extLst>
               <a:ext uri="{28A0092B-C50C-407E-A947-70E740481C1C}">
-                <a14:useLocalDpi xmlns:a14="http://schemas.microsoft.com/office/drawing/2010/main" val="0"/>
+                <a14:useLocalDpi xmlns:a14="http://schemas.microsoft.com/office/drawing/2010/main" xmlns="" val="0"/>
               </a:ext>
             </a:extLst>
           </a:blip>
@@ -26221,7 +25406,7 @@
     </p:spTree>
     <p:extLst>
       <p:ext uri="{BB962C8B-B14F-4D97-AF65-F5344CB8AC3E}">
-        <p14:creationId xmlns:p14="http://schemas.microsoft.com/office/powerpoint/2010/main" val="2018475917"/>
+        <p14:creationId xmlns:p14="http://schemas.microsoft.com/office/powerpoint/2010/main" xmlns="" val="2018475917"/>
       </p:ext>
     </p:extLst>
   </p:cSld>
@@ -26305,148 +25490,152 @@
           </a:bodyPr>
           <a:lstStyle/>
           <a:p>
+            <a:pPr lvl="0"/>
+            <a:r>
+              <a:rPr lang="en-PH" sz="1500" dirty="0" smtClean="0"/>
+              <a:t>Tyson</a:t>
+            </a:r>
+            <a:r>
+              <a:rPr lang="en-PH" sz="1500" dirty="0"/>
+              <a:t>, J..(2015, February 19).</a:t>
+            </a:r>
+            <a:r>
+              <a:rPr lang="en-PH" sz="1500" b="1" dirty="0"/>
+              <a:t>If You Build it (Right) They Will Come Lessons in successful consumer </a:t>
+            </a:r>
+            <a:r>
+              <a:rPr lang="en-PH" sz="1500" dirty="0"/>
+              <a:t>products from the </a:t>
+            </a:r>
             <a:r>
               <a:rPr lang="en-PH" sz="1500" dirty="0" err="1"/>
-              <a:t>Wondrack</a:t>
+              <a:t>DfE</a:t>
             </a:r>
             <a:r>
               <a:rPr lang="en-PH" sz="1500" dirty="0"/>
-              <a:t>, J..(2015, February 25). </a:t>
-            </a:r>
-            <a:r>
-              <a:rPr lang="en-PH" sz="1500" b="1" dirty="0"/>
-              <a:t>A Common Design Taxonomy.</a:t>
-            </a:r>
-            <a:r>
-              <a:rPr lang="en-PH" sz="1500" dirty="0"/>
-              <a:t> Retrieved from </a:t>
+              <a:t> awards. Retrieved from </a:t>
             </a:r>
             <a:r>
               <a:rPr lang="en-PH" sz="1500" u="sng" dirty="0">
                 <a:hlinkClick r:id="rId3"/>
               </a:rPr>
-              <a:t>http://uxmag.com/articles/a-common-design-taxonomy</a:t>
-            </a:r>
-            <a:r>
-              <a:rPr lang="en-PH" sz="1500" dirty="0"/>
-              <a:t/>
-            </a:r>
-            <a:br>
-              <a:rPr lang="en-PH" sz="1500" dirty="0"/>
-            </a:br>
-            <a:r>
-              <a:rPr lang="en-PH" sz="1500" dirty="0"/>
-              <a:t/>
-            </a:r>
-            <a:br>
-              <a:rPr lang="en-PH" sz="1500" dirty="0"/>
-            </a:br>
-            <a:r>
-              <a:rPr lang="en-PH" sz="1500" dirty="0"/>
-              <a:t>Tyson, J..(2015, February 19).</a:t>
-            </a:r>
-            <a:r>
-              <a:rPr lang="en-PH" sz="1500" b="1" dirty="0"/>
-              <a:t>If You Build it (Right) They Will Come Lessons in successful consumer </a:t>
-            </a:r>
-            <a:r>
-              <a:rPr lang="en-PH" sz="1500" dirty="0"/>
-              <a:t>products from the </a:t>
-            </a:r>
-            <a:r>
-              <a:rPr lang="en-PH" sz="1500" dirty="0" err="1"/>
-              <a:t>DfE</a:t>
-            </a:r>
-            <a:r>
-              <a:rPr lang="en-PH" sz="1500" dirty="0"/>
-              <a:t> awards. Retrieved from </a:t>
-            </a:r>
-            <a:r>
-              <a:rPr lang="en-PH" sz="1500" u="sng" dirty="0">
+              <a:t>http://uxmag.com/articles/if-you-build-it-right-they-will-come</a:t>
+            </a:r>
+            <a:endParaRPr lang="en-PH" sz="1500" dirty="0"/>
+          </a:p>
+          <a:p>
+            <a:pPr lvl="0"/>
+            <a:r>
+              <a:rPr lang="en-PH" sz="1600" dirty="0" smtClean="0"/>
+              <a:t>Tan, A. (2015, February 9). </a:t>
+            </a:r>
+            <a:r>
+              <a:rPr lang="en-PH" sz="1600" b="1" dirty="0" smtClean="0"/>
+              <a:t>How to Choose the Best Platform for Your Mobile App?</a:t>
+            </a:r>
+            <a:r>
+              <a:rPr lang="en-PH" sz="1600" dirty="0" smtClean="0"/>
+              <a:t> Retrieved March 1, 2015, from </a:t>
+            </a:r>
+            <a:r>
+              <a:rPr lang="en-PH" sz="1600" u="sng" dirty="0" smtClean="0">
                 <a:hlinkClick r:id="rId4"/>
               </a:rPr>
-              <a:t>http://uxmag.com/articles/if-you-build-it-right-they-will-come</a:t>
-            </a:r>
-            <a:endParaRPr lang="en-PH" sz="1500" dirty="0"/>
-          </a:p>
-          <a:p>
-            <a:r>
-              <a:rPr lang="en-PH" sz="1500" dirty="0"/>
-              <a:t>Tan, A. (2015, February 9). </a:t>
-            </a:r>
-            <a:r>
-              <a:rPr lang="en-PH" sz="1500" b="1" dirty="0"/>
-              <a:t>How to Choose the Best Platform for Your Mobile App?</a:t>
-            </a:r>
-            <a:r>
-              <a:rPr lang="en-PH" sz="1500" dirty="0"/>
-              <a:t> Retrieved March 1, 2015, from </a:t>
-            </a:r>
-            <a:r>
-              <a:rPr lang="en-PH" sz="1500" u="sng" dirty="0">
+              <a:t>https://www.smaato.com/how-to-choose-the-best-platform-for-your-mobile-app/</a:t>
+            </a:r>
+            <a:r>
+              <a:rPr lang="en-US" sz="1600" dirty="0" smtClean="0"/>
+              <a:t> </a:t>
+            </a:r>
+            <a:endParaRPr lang="en-PH" sz="1600" dirty="0" smtClean="0"/>
+          </a:p>
+          <a:p>
+            <a:r>
+              <a:rPr lang="en-PH" sz="1600" dirty="0" err="1" smtClean="0"/>
+              <a:t>Luces</a:t>
+            </a:r>
+            <a:r>
+              <a:rPr lang="en-PH" sz="1600" dirty="0" smtClean="0"/>
+              <a:t>, K/JDS. GMA News. </a:t>
+            </a:r>
+            <a:r>
+              <a:rPr lang="en-PH" sz="1600" dirty="0" err="1" smtClean="0"/>
+              <a:t>Pinoy</a:t>
+            </a:r>
+            <a:r>
+              <a:rPr lang="en-PH" sz="1600" dirty="0" smtClean="0"/>
+              <a:t> </a:t>
+            </a:r>
+            <a:r>
+              <a:rPr lang="en-PH" sz="1600" dirty="0" err="1" smtClean="0"/>
+              <a:t>Flappy</a:t>
+            </a:r>
+            <a:r>
+              <a:rPr lang="en-PH" sz="1600" dirty="0" smtClean="0"/>
+              <a:t> Bird-inspired game </a:t>
+            </a:r>
+            <a:r>
+              <a:rPr lang="en-PH" sz="1600" dirty="0" err="1" smtClean="0"/>
+              <a:t>Pugo</a:t>
+            </a:r>
+            <a:r>
+              <a:rPr lang="en-PH" sz="1600" dirty="0" smtClean="0"/>
+              <a:t> is top pick on </a:t>
+            </a:r>
+            <a:r>
+              <a:rPr lang="en-PH" sz="1600" dirty="0" err="1" smtClean="0"/>
+              <a:t>AppStore</a:t>
+            </a:r>
+            <a:r>
+              <a:rPr lang="en-PH" sz="1600" dirty="0" smtClean="0"/>
+              <a:t> Retrieved from </a:t>
+            </a:r>
+            <a:r>
+              <a:rPr lang="en-PH" sz="1600" u="sng" dirty="0" smtClean="0">
                 <a:hlinkClick r:id="rId5"/>
               </a:rPr>
-              <a:t>https://www.smaato.com/how-to-choose-the-best-platform-for-your-mobile-app/</a:t>
+              <a:t>http://www.gmanetwork.com/news/story/350722/scitech/geeksandgaming/pinoy-flappy-bird-inspired-game-pugo-is-top-pick-on-appstore</a:t>
+            </a:r>
+            <a:r>
+              <a:rPr lang="en-PH" sz="1600" u="sng" dirty="0" smtClean="0">
+                <a:hlinkClick r:id="rId5"/>
+              </a:rPr>
+              <a:t>/</a:t>
+            </a:r>
+            <a:r>
+              <a:rPr lang="en-PH" sz="1500" dirty="0" smtClean="0"/>
+              <a:t> </a:t>
             </a:r>
             <a:endParaRPr lang="en-PH" sz="1500" dirty="0"/>
           </a:p>
           <a:p>
             <a:r>
+              <a:rPr lang="en-PH" sz="1500" b="1" dirty="0"/>
+              <a:t>Imagine Cup 2014 Winners.</a:t>
+            </a:r>
+            <a:r>
               <a:rPr lang="en-PH" sz="1500" dirty="0"/>
-              <a:t>IDC: </a:t>
-            </a:r>
-            <a:r>
-              <a:rPr lang="en-PH" sz="1500" b="1" dirty="0"/>
-              <a:t>Smartphone OS Market Share. (</a:t>
-            </a:r>
-            <a:r>
-              <a:rPr lang="en-PH" sz="1500" b="1" dirty="0" err="1"/>
-              <a:t>n.d.</a:t>
-            </a:r>
-            <a:r>
-              <a:rPr lang="en-PH" sz="1500" b="1" dirty="0"/>
-              <a:t>).</a:t>
-            </a:r>
-            <a:r>
-              <a:rPr lang="en-PH" sz="1500" dirty="0"/>
-              <a:t> Retrieved March 1, 2015, from </a:t>
+              <a:t> (2014). Retrieved from </a:t>
             </a:r>
             <a:r>
               <a:rPr lang="en-PH" sz="1500" u="sng" dirty="0">
                 <a:hlinkClick r:id="rId6"/>
               </a:rPr>
-              <a:t>http://www.idc.com/prodserv/smartphone-os-market-share.jsp</a:t>
-            </a:r>
-            <a:endParaRPr lang="en-PH" sz="1500" dirty="0"/>
-          </a:p>
-          <a:p>
-            <a:r>
-              <a:rPr lang="en-PH" sz="1500" dirty="0" err="1"/>
-              <a:t>Luces</a:t>
+              <a:t>https://www.imaginecup.com/Custom/Index/2014Winners_Finals</a:t>
             </a:r>
             <a:r>
               <a:rPr lang="en-PH" sz="1500" dirty="0"/>
-              <a:t>, K/JDS. GMA News. </a:t>
-            </a:r>
-            <a:r>
-              <a:rPr lang="en-PH" sz="1500" dirty="0" err="1"/>
-              <a:t>Pinoy</a:t>
-            </a:r>
+              <a:t> </a:t>
+            </a:r>
+          </a:p>
+          <a:p>
             <a:r>
               <a:rPr lang="en-PH" sz="1500" dirty="0"/>
-              <a:t> Flappy Bird-inspired game </a:t>
-            </a:r>
-            <a:r>
-              <a:rPr lang="en-PH" sz="1500" dirty="0" err="1"/>
-              <a:t>Pugo</a:t>
-            </a:r>
-            <a:r>
-              <a:rPr lang="en-PH" sz="1500" dirty="0"/>
-              <a:t> is top pick on </a:t>
-            </a:r>
-            <a:r>
-              <a:rPr lang="en-PH" sz="1500" dirty="0" err="1"/>
-              <a:t>AppStore</a:t>
+              <a:t>Castillo, W. (2015, January 30). </a:t>
+            </a:r>
+            <a:r>
+              <a:rPr lang="en-PH" sz="1500" b="1" dirty="0"/>
+              <a:t>Voices: Do companies take college student app developers seriously?.</a:t>
             </a:r>
             <a:r>
               <a:rPr lang="en-PH" sz="1500" dirty="0"/>
@@ -26456,7 +25645,7 @@
               <a:rPr lang="en-PH" sz="1500" u="sng" dirty="0">
                 <a:hlinkClick r:id="rId7"/>
               </a:rPr>
-              <a:t>http://www.gmanetwork.com/news/story/350722/scitech/geeksandgaming/pinoy-flappy-bird-inspired-game-pugo-is-top-pick-on-appstore/</a:t>
+              <a:t>http://college.usatoday.com/2015/01/30/voices-do-companies-take-college-student-web-developers-seriously/</a:t>
             </a:r>
             <a:r>
               <a:rPr lang="en-PH" sz="1500" dirty="0"/>
@@ -26465,18 +25654,22 @@
           </a:p>
           <a:p>
             <a:r>
+              <a:rPr lang="en-PH" sz="1500" dirty="0"/>
+              <a:t>Anderson, T.(2015, February 16).</a:t>
+            </a:r>
+            <a:r>
               <a:rPr lang="en-PH" sz="1500" b="1" dirty="0"/>
-              <a:t>Imagine Cup 2014 Winners.</a:t>
+              <a:t>What does the rise of digital marketing mean for luxury brands?.</a:t>
             </a:r>
             <a:r>
               <a:rPr lang="en-PH" sz="1500" dirty="0"/>
-              <a:t> (2014). Retrieved from </a:t>
+              <a:t> Retrieved from </a:t>
             </a:r>
             <a:r>
               <a:rPr lang="en-PH" sz="1500" u="sng" dirty="0">
                 <a:hlinkClick r:id="rId8"/>
               </a:rPr>
-              <a:t>https://www.imaginecup.com/Custom/Index/2014Winners_Finals</a:t>
+              <a:t>http://www.theguardian.com/marketing-luxury-goods-feb-15/2015/feb/16/digital-marketing-luxury-brands</a:t>
             </a:r>
             <a:r>
               <a:rPr lang="en-PH" sz="1500" dirty="0"/>
@@ -26485,12 +25678,16 @@
           </a:p>
           <a:p>
             <a:r>
+              <a:rPr lang="en-PH" sz="1500" dirty="0" err="1"/>
+              <a:t>Fadeyev</a:t>
+            </a:r>
+            <a:r>
               <a:rPr lang="en-PH" sz="1500" dirty="0"/>
-              <a:t>Castillo, W. (2015, January 30). </a:t>
+              <a:t>, D..(2008, December 15). </a:t>
             </a:r>
             <a:r>
               <a:rPr lang="en-PH" sz="1500" b="1" dirty="0"/>
-              <a:t>Voices: Do companies take college student app developers seriously?.</a:t>
+              <a:t>10 Useful Techniques To Improve Your User Interface Designs.</a:t>
             </a:r>
             <a:r>
               <a:rPr lang="en-PH" sz="1500" dirty="0"/>
@@ -26500,68 +25697,70 @@
               <a:rPr lang="en-PH" sz="1500" u="sng" dirty="0">
                 <a:hlinkClick r:id="rId9"/>
               </a:rPr>
-              <a:t>http://college.usatoday.com/2015/01/30/voices-do-companies-take-college-student-web-developers-seriously/</a:t>
-            </a:r>
-            <a:r>
-              <a:rPr lang="en-PH" sz="1500" dirty="0"/>
+              <a:t>http://www.smashingmagazine.com/2008/12/15/10-useful-techniques-to-improve-your-user-interface-designs/</a:t>
+            </a:r>
+            <a:endParaRPr lang="en-PH" sz="1500" dirty="0"/>
+          </a:p>
+          <a:p>
+            <a:pPr lvl="0"/>
+            <a:r>
+              <a:rPr lang="en-PH" sz="1400" b="1" dirty="0" err="1" smtClean="0"/>
+              <a:t>Kuyimobile</a:t>
+            </a:r>
+            <a:r>
+              <a:rPr lang="en-PH" sz="1400" b="1" dirty="0" smtClean="0"/>
               <a:t> </a:t>
             </a:r>
-          </a:p>
-          <a:p>
-            <a:r>
-              <a:rPr lang="en-PH" sz="1500" dirty="0"/>
-              <a:t>Anderson, T.(2015, February 16).</a:t>
-            </a:r>
-            <a:r>
-              <a:rPr lang="en-PH" sz="1500" b="1" dirty="0"/>
-              <a:t>What does the rise of digital marketing mean for luxury brands?.</a:t>
-            </a:r>
-            <a:r>
-              <a:rPr lang="en-PH" sz="1500" dirty="0"/>
-              <a:t> Retrieved from </a:t>
-            </a:r>
-            <a:r>
-              <a:rPr lang="en-PH" sz="1500" u="sng" dirty="0">
+            <a:r>
+              <a:rPr lang="en-PH" sz="1400" dirty="0" smtClean="0"/>
+              <a:t>(</a:t>
+            </a:r>
+            <a:r>
+              <a:rPr lang="en-PH" sz="1400" dirty="0" err="1" smtClean="0"/>
+              <a:t>n.d</a:t>
+            </a:r>
+            <a:r>
+              <a:rPr lang="en-PH" sz="1400" dirty="0" smtClean="0"/>
+              <a:t>.). Retrieved April 12, 2015, from </a:t>
+            </a:r>
+            <a:r>
+              <a:rPr lang="en-PH" sz="1400" u="sng" dirty="0" smtClean="0">
                 <a:hlinkClick r:id="rId10"/>
               </a:rPr>
-              <a:t>http://www.theguardian.com/marketing-luxury-goods-feb-15/2015/feb/16/digital-marketing-luxury-brands</a:t>
-            </a:r>
-            <a:r>
-              <a:rPr lang="en-PH" sz="1500" dirty="0"/>
-              <a:t> </a:t>
-            </a:r>
-          </a:p>
-          <a:p>
-            <a:r>
-              <a:rPr lang="en-PH" sz="1500" dirty="0" err="1"/>
-              <a:t>Fadeyev</a:t>
-            </a:r>
-            <a:r>
-              <a:rPr lang="en-PH" sz="1500" dirty="0"/>
-              <a:t>, D..(2008, December 15). </a:t>
-            </a:r>
-            <a:r>
-              <a:rPr lang="en-PH" sz="1500" b="1" dirty="0"/>
-              <a:t>10 Useful Techniques To Improve Your User Interface Designs.</a:t>
-            </a:r>
-            <a:r>
-              <a:rPr lang="en-PH" sz="1500" dirty="0"/>
-              <a:t> Retrieved from </a:t>
-            </a:r>
-            <a:r>
-              <a:rPr lang="en-PH" sz="1500" u="sng" dirty="0">
-                <a:hlinkClick r:id="rId11"/>
+              <a:t>http://</a:t>
+            </a:r>
+            <a:r>
+              <a:rPr lang="en-PH" sz="1400" u="sng" dirty="0" smtClean="0">
+                <a:hlinkClick r:id="rId10"/>
               </a:rPr>
-              <a:t>http://www.smashingmagazine.com/2008/12/15/10-useful-techniques-to-improve-your-user-interface-designs/</a:t>
-            </a:r>
-            <a:endParaRPr lang="en-PH" sz="1500" dirty="0"/>
-          </a:p>
-          <a:p>
-            <a:r>
-              <a:rPr lang="en-PH" sz="1500" u="sng" dirty="0" smtClean="0">
-                <a:hlinkClick r:id="rId12"/>
+              <a:t>www.kuyimobile.com/</a:t>
+            </a:r>
+            <a:endParaRPr lang="en-PH" sz="1400" dirty="0" smtClean="0"/>
+          </a:p>
+          <a:p>
+            <a:r>
+              <a:rPr lang="en-PH" sz="1400" dirty="0" smtClean="0"/>
+              <a:t>Day</a:t>
+            </a:r>
+            <a:r>
+              <a:rPr lang="en-PH" sz="1400" dirty="0" smtClean="0"/>
+              <a:t>, G. (1998). </a:t>
+            </a:r>
+            <a:r>
+              <a:rPr lang="en-PH" sz="1400" b="1" dirty="0" smtClean="0"/>
+              <a:t>What Does it Mean to be Market-Driven?</a:t>
+            </a:r>
+            <a:r>
+              <a:rPr lang="en-PH" sz="1400" dirty="0" smtClean="0"/>
+              <a:t> Retrieved April 11, 2015, from </a:t>
+            </a:r>
+            <a:r>
+              <a:rPr lang="en-PH" sz="1400" u="sng" dirty="0" smtClean="0">
+                <a:solidFill>
+                  <a:srgbClr val="92D050"/>
+                </a:solidFill>
               </a:rPr>
-              <a:t>Kuyimobile.com</a:t>
+              <a:t>http://www.walsh.edu/uploads/BUS416Week4WhatDoesitMeantobeMarketDriven-11464.pdf</a:t>
             </a:r>
             <a:endParaRPr lang="en-PH" sz="1500" dirty="0"/>
           </a:p>
@@ -26595,10 +25794,6 @@
           <a:lstStyle/>
           <a:p>
             <a:pPr algn="r"/>
-            <a:r>
-              <a:rPr lang="en-PH" smtClean="0"/>
-              <a:t>Thank you!</a:t>
-            </a:r>
             <a:endParaRPr lang="en-PH" dirty="0"/>
           </a:p>
         </p:txBody>
@@ -26612,10 +25807,10 @@
           <p:nvPr/>
         </p:nvPicPr>
         <p:blipFill>
-          <a:blip r:embed="rId13">
+          <a:blip r:embed="rId11">
             <a:extLst>
               <a:ext uri="{28A0092B-C50C-407E-A947-70E740481C1C}">
-                <a14:useLocalDpi xmlns:a14="http://schemas.microsoft.com/office/drawing/2010/main" val="0"/>
+                <a14:useLocalDpi xmlns:a14="http://schemas.microsoft.com/office/drawing/2010/main" xmlns="" val="0"/>
               </a:ext>
             </a:extLst>
           </a:blip>
@@ -26636,7 +25831,468 @@
     </p:spTree>
     <p:extLst>
       <p:ext uri="{BB962C8B-B14F-4D97-AF65-F5344CB8AC3E}">
-        <p14:creationId xmlns:p14="http://schemas.microsoft.com/office/powerpoint/2010/main" val="368736011"/>
+        <p14:creationId xmlns:p14="http://schemas.microsoft.com/office/powerpoint/2010/main" xmlns="" val="368736011"/>
+      </p:ext>
+    </p:extLst>
+  </p:cSld>
+  <p:clrMapOvr>
+    <a:masterClrMapping/>
+  </p:clrMapOvr>
+  <p:timing>
+    <p:tnLst>
+      <p:par>
+        <p:cTn id="1" dur="indefinite" restart="never" nodeType="tmRoot"/>
+      </p:par>
+    </p:tnLst>
+  </p:timing>
+</p:sld>
+</file>
+
+<file path=ppt/slides/slide25.xml><?xml version="1.0" encoding="utf-8"?>
+<p:sld xmlns:a="http://schemas.openxmlformats.org/drawingml/2006/main" xmlns:r="http://schemas.openxmlformats.org/officeDocument/2006/relationships" xmlns:p="http://schemas.openxmlformats.org/presentationml/2006/main">
+  <p:cSld>
+    <p:spTree>
+      <p:nvGrpSpPr>
+        <p:cNvPr id="1" name=""/>
+        <p:cNvGrpSpPr/>
+        <p:nvPr/>
+      </p:nvGrpSpPr>
+      <p:grpSpPr>
+        <a:xfrm>
+          <a:off x="0" y="0"/>
+          <a:ext cx="0" cy="0"/>
+          <a:chOff x="0" y="0"/>
+          <a:chExt cx="0" cy="0"/>
+        </a:xfrm>
+      </p:grpSpPr>
+      <p:sp>
+        <p:nvSpPr>
+          <p:cNvPr id="2" name="Title 1"/>
+          <p:cNvSpPr>
+            <a:spLocks noGrp="1"/>
+          </p:cNvSpPr>
+          <p:nvPr>
+            <p:ph type="title"/>
+          </p:nvPr>
+        </p:nvSpPr>
+        <p:spPr>
+          <a:xfrm>
+            <a:off x="457200" y="1634888"/>
+            <a:ext cx="3200400" cy="2286000"/>
+          </a:xfrm>
+        </p:spPr>
+        <p:txBody>
+          <a:bodyPr/>
+          <a:lstStyle/>
+          <a:p>
+            <a:r>
+              <a:rPr lang="en-PH" dirty="0" smtClean="0"/>
+              <a:t>Sources:</a:t>
+            </a:r>
+            <a:endParaRPr lang="en-PH" dirty="0"/>
+          </a:p>
+        </p:txBody>
+      </p:sp>
+      <p:sp>
+        <p:nvSpPr>
+          <p:cNvPr id="3" name="Content Placeholder 2"/>
+          <p:cNvSpPr>
+            <a:spLocks noGrp="1"/>
+          </p:cNvSpPr>
+          <p:nvPr>
+            <p:ph idx="1"/>
+          </p:nvPr>
+        </p:nvSpPr>
+        <p:spPr>
+          <a:xfrm>
+            <a:off x="4180115" y="98344"/>
+            <a:ext cx="7951325" cy="6759656"/>
+          </a:xfrm>
+        </p:spPr>
+        <p:txBody>
+          <a:bodyPr>
+            <a:noAutofit/>
+          </a:bodyPr>
+          <a:lstStyle/>
+          <a:p>
+            <a:pPr lvl="0">
+              <a:buNone/>
+            </a:pPr>
+            <a:r>
+              <a:rPr lang="en-PH" sz="1600" dirty="0" smtClean="0"/>
+              <a:t>  Warren</a:t>
+            </a:r>
+            <a:r>
+              <a:rPr lang="en-PH" sz="1600" dirty="0" smtClean="0"/>
+              <a:t>, C. (2010, July 7). </a:t>
+            </a:r>
+            <a:r>
+              <a:rPr lang="en-PH" sz="1600" b="1" dirty="0" smtClean="0"/>
+              <a:t>5 Things to Consider When Designing Your Mobile App</a:t>
+            </a:r>
+            <a:r>
+              <a:rPr lang="en-PH" sz="1600" dirty="0" smtClean="0"/>
+              <a:t>. Retrieved April 11, 2015, from </a:t>
+            </a:r>
+            <a:r>
+              <a:rPr lang="en-PH" sz="1600" u="sng" dirty="0" smtClean="0">
+                <a:hlinkClick r:id="rId3"/>
+              </a:rPr>
+              <a:t>http://mashable.com/2010/07/07/designing-mobile-apps</a:t>
+            </a:r>
+            <a:r>
+              <a:rPr lang="en-PH" sz="1600" u="sng" dirty="0" smtClean="0">
+                <a:hlinkClick r:id="rId3"/>
+              </a:rPr>
+              <a:t>/</a:t>
+            </a:r>
+            <a:endParaRPr lang="en-PH" sz="1500" dirty="0"/>
+          </a:p>
+          <a:p>
+            <a:pPr lvl="0"/>
+            <a:r>
+              <a:rPr lang="en-PH" sz="1600" dirty="0" smtClean="0"/>
+              <a:t>Tan, A. (2015, February 9). </a:t>
+            </a:r>
+            <a:r>
+              <a:rPr lang="en-PH" sz="1600" b="1" dirty="0" smtClean="0"/>
+              <a:t>How to Choose the Best Platform for Your Mobile App?</a:t>
+            </a:r>
+            <a:r>
+              <a:rPr lang="en-PH" sz="1600" dirty="0" smtClean="0"/>
+              <a:t> Retrieved March 1, 2015, from </a:t>
+            </a:r>
+            <a:r>
+              <a:rPr lang="en-PH" sz="1600" u="sng" dirty="0" smtClean="0">
+                <a:hlinkClick r:id="rId4"/>
+              </a:rPr>
+              <a:t>https://www.smaato.com/how-to-choose-the-best-platform-for-your-mobile-app/</a:t>
+            </a:r>
+            <a:r>
+              <a:rPr lang="en-US" sz="1600" dirty="0" smtClean="0"/>
+              <a:t> </a:t>
+            </a:r>
+            <a:endParaRPr lang="en-PH" sz="1600" dirty="0" smtClean="0"/>
+          </a:p>
+          <a:p>
+            <a:pPr lvl="0"/>
+            <a:r>
+              <a:rPr lang="en-PH" sz="1600" dirty="0" smtClean="0"/>
+              <a:t>Pearson, D. (2014, October 22). </a:t>
+            </a:r>
+            <a:r>
+              <a:rPr lang="en-PH" sz="1600" b="1" dirty="0" smtClean="0"/>
+              <a:t>Report: Mobile to become gaming's biggest market by 2015.</a:t>
+            </a:r>
+            <a:r>
+              <a:rPr lang="en-PH" sz="1600" dirty="0" smtClean="0"/>
+              <a:t> Retrieved April 11, 2015, from </a:t>
+            </a:r>
+            <a:r>
+              <a:rPr lang="en-PH" sz="1600" u="sng" dirty="0" smtClean="0">
+                <a:hlinkClick r:id="rId5"/>
+              </a:rPr>
+              <a:t>http://www.gamesindustry.biz/articles/2014-10-22-report-mobile-to-become-gamings-biggest-market-by-2015</a:t>
+            </a:r>
+            <a:endParaRPr lang="en-PH" sz="1600" dirty="0" smtClean="0"/>
+          </a:p>
+          <a:p>
+            <a:pPr lvl="0"/>
+            <a:r>
+              <a:rPr lang="en-PH" sz="1600" dirty="0" smtClean="0"/>
+              <a:t>Morrison, C. (2014, November 10). </a:t>
+            </a:r>
+            <a:r>
+              <a:rPr lang="en-PH" sz="1600" b="1" dirty="0" smtClean="0"/>
+              <a:t>Why You Shouldn’t Hire a UI/UX Designer</a:t>
+            </a:r>
+            <a:r>
+              <a:rPr lang="en-PH" sz="1600" dirty="0" smtClean="0"/>
+              <a:t>. Retrieved April 12, 2015, from </a:t>
+            </a:r>
+            <a:r>
+              <a:rPr lang="en-PH" sz="1600" u="sng" dirty="0" smtClean="0">
+                <a:hlinkClick r:id="rId6"/>
+              </a:rPr>
+              <a:t>http://www.usertesting.com/blog/2014/11/10/dont-hire-ui-ux-designer/</a:t>
+            </a:r>
+            <a:endParaRPr lang="en-PH" sz="1600" dirty="0" smtClean="0"/>
+          </a:p>
+          <a:p>
+            <a:pPr lvl="0"/>
+            <a:r>
+              <a:rPr lang="en-PH" sz="1600" b="1" dirty="0" smtClean="0"/>
+              <a:t>Game Developers Association of the Philippines | We make games that rock! </a:t>
+            </a:r>
+            <a:r>
+              <a:rPr lang="en-PH" sz="1600" dirty="0" smtClean="0"/>
+              <a:t>(</a:t>
+            </a:r>
+            <a:r>
+              <a:rPr lang="en-PH" sz="1600" dirty="0" err="1" smtClean="0"/>
+              <a:t>n.d</a:t>
+            </a:r>
+            <a:r>
+              <a:rPr lang="en-PH" sz="1600" dirty="0" smtClean="0"/>
+              <a:t>.). Retrieved April 12, 2015, from </a:t>
+            </a:r>
+            <a:r>
+              <a:rPr lang="en-PH" sz="1600" u="sng" dirty="0" smtClean="0">
+                <a:hlinkClick r:id="rId7"/>
+              </a:rPr>
+              <a:t>http://www.gdap.org.ph</a:t>
+            </a:r>
+            <a:r>
+              <a:rPr lang="en-PH" sz="1600" u="sng" dirty="0" smtClean="0">
+                <a:hlinkClick r:id="rId7"/>
+              </a:rPr>
+              <a:t>/</a:t>
+            </a:r>
+            <a:r>
+              <a:rPr lang="en-PH" sz="1500" dirty="0" smtClean="0"/>
+              <a:t> </a:t>
+            </a:r>
+            <a:endParaRPr lang="en-PH" sz="1500" dirty="0"/>
+          </a:p>
+          <a:p>
+            <a:pPr lvl="0"/>
+            <a:r>
+              <a:rPr lang="en-PH" sz="1600" b="1" dirty="0" smtClean="0"/>
+              <a:t>DLSU, Nokia stage inter-school mobile app </a:t>
+            </a:r>
+            <a:r>
+              <a:rPr lang="en-PH" sz="1600" b="1" dirty="0" err="1" smtClean="0"/>
+              <a:t>dev't</a:t>
+            </a:r>
+            <a:r>
+              <a:rPr lang="en-PH" sz="1600" b="1" dirty="0" smtClean="0"/>
+              <a:t> contest.</a:t>
+            </a:r>
+            <a:r>
+              <a:rPr lang="en-PH" sz="1600" dirty="0" smtClean="0"/>
+              <a:t> (2012, February 2). Retrieved April 12, 2015, from </a:t>
+            </a:r>
+            <a:r>
+              <a:rPr lang="en-PH" sz="1600" u="sng" dirty="0" smtClean="0">
+                <a:hlinkClick r:id="rId8"/>
+              </a:rPr>
+              <a:t>http://newsbytes.ph/2012/02/02/dlsu-nokia-stage-inter-school-mobile-app-devt-contest/</a:t>
+            </a:r>
+            <a:endParaRPr lang="en-PH" sz="1600" dirty="0" smtClean="0"/>
+          </a:p>
+          <a:p>
+            <a:pPr lvl="0"/>
+            <a:r>
+              <a:rPr lang="en-PH" sz="1600" b="1" dirty="0" smtClean="0"/>
+              <a:t>UP coders win Accenture app-development competition.</a:t>
+            </a:r>
+            <a:r>
+              <a:rPr lang="en-PH" sz="1600" dirty="0" smtClean="0"/>
+              <a:t> (2014, February 8). Retrieved April 12, 2015, from </a:t>
+            </a:r>
+            <a:r>
+              <a:rPr lang="en-US" sz="1600" u="sng" dirty="0" smtClean="0">
+                <a:hlinkClick r:id="rId9"/>
+              </a:rPr>
+              <a:t> </a:t>
+            </a:r>
+            <a:r>
+              <a:rPr lang="en-PH" sz="1600" u="sng" dirty="0" smtClean="0">
+                <a:hlinkClick r:id="rId9"/>
+              </a:rPr>
+              <a:t>http://www.gmanetwork.com/news/story/347605/ </a:t>
+            </a:r>
+            <a:r>
+              <a:rPr lang="en-PH" sz="1600" u="sng" dirty="0" err="1" smtClean="0">
+                <a:hlinkClick r:id="rId9"/>
+              </a:rPr>
+              <a:t>scitech</a:t>
+            </a:r>
+            <a:r>
+              <a:rPr lang="en-PH" sz="1600" u="sng" dirty="0" smtClean="0">
+                <a:hlinkClick r:id="rId9"/>
+              </a:rPr>
+              <a:t>/technology/up-coders-win-</a:t>
+            </a:r>
+            <a:r>
+              <a:rPr lang="en-PH" sz="1600" u="sng" dirty="0" err="1" smtClean="0">
+                <a:hlinkClick r:id="rId9"/>
+              </a:rPr>
+              <a:t>accenture</a:t>
+            </a:r>
+            <a:r>
+              <a:rPr lang="en-PH" sz="1600" u="sng" dirty="0" smtClean="0">
+                <a:hlinkClick r:id="rId9"/>
+              </a:rPr>
+              <a:t>-app-development-competition</a:t>
+            </a:r>
+            <a:endParaRPr lang="en-PH" sz="1600" dirty="0" smtClean="0"/>
+          </a:p>
+          <a:p>
+            <a:pPr lvl="0"/>
+            <a:r>
+              <a:rPr lang="en-PH" sz="1600" b="1" dirty="0" err="1" smtClean="0"/>
+              <a:t>Caritakathon</a:t>
+            </a:r>
+            <a:r>
+              <a:rPr lang="en-PH" sz="1600" b="1" dirty="0" smtClean="0"/>
+              <a:t> 2014.</a:t>
+            </a:r>
+            <a:r>
+              <a:rPr lang="en-PH" sz="1600" dirty="0" smtClean="0"/>
+              <a:t> (</a:t>
+            </a:r>
+            <a:r>
+              <a:rPr lang="en-PH" sz="1600" dirty="0" err="1" smtClean="0"/>
+              <a:t>n.d</a:t>
+            </a:r>
+            <a:r>
+              <a:rPr lang="en-PH" sz="1600" dirty="0" smtClean="0"/>
+              <a:t>.). Retrieved April 12, 2015, from </a:t>
+            </a:r>
+            <a:r>
+              <a:rPr lang="en-PH" sz="1600" u="sng" dirty="0" smtClean="0">
+                <a:hlinkClick r:id="rId10"/>
+              </a:rPr>
+              <a:t>http://www.pwdo.org/hackathon</a:t>
+            </a:r>
+            <a:r>
+              <a:rPr lang="en-PH" sz="1600" u="sng" dirty="0" smtClean="0">
+                <a:hlinkClick r:id="rId10"/>
+              </a:rPr>
+              <a:t>/</a:t>
+            </a:r>
+            <a:endParaRPr lang="en-PH" sz="1600" u="sng" dirty="0" smtClean="0"/>
+          </a:p>
+          <a:p>
+            <a:r>
+              <a:rPr lang="en-PH" sz="1600" b="1" dirty="0" smtClean="0"/>
+              <a:t>Philippine Commission on Women.</a:t>
+            </a:r>
+            <a:r>
+              <a:rPr lang="en-PH" sz="1600" dirty="0" smtClean="0"/>
+              <a:t> (</a:t>
+            </a:r>
+            <a:r>
+              <a:rPr lang="en-PH" sz="1600" dirty="0" err="1" smtClean="0"/>
+              <a:t>n.d</a:t>
+            </a:r>
+            <a:r>
+              <a:rPr lang="en-PH" sz="1600" dirty="0" smtClean="0"/>
+              <a:t>.). Retrieved April 12, 2015, from </a:t>
+            </a:r>
+            <a:r>
+              <a:rPr lang="en-PH" sz="1600" u="sng" dirty="0" smtClean="0">
+                <a:hlinkClick r:id="rId11"/>
+              </a:rPr>
+              <a:t>http://</a:t>
+            </a:r>
+            <a:r>
+              <a:rPr lang="en-PH" sz="1600" u="sng" dirty="0" smtClean="0">
+                <a:hlinkClick r:id="rId11"/>
+              </a:rPr>
+              <a:t>www.pcw.gov.ph/event/magna-carta-women-mobile-apps-development-contest</a:t>
+            </a:r>
+            <a:endParaRPr lang="en-PH" sz="1600" u="sng" dirty="0" smtClean="0"/>
+          </a:p>
+          <a:p>
+            <a:pPr lvl="0"/>
+            <a:r>
+              <a:rPr lang="en-PH" sz="1600" b="1" dirty="0" smtClean="0"/>
+              <a:t>Developers Connect Philippines | Frequently Asked Questions. </a:t>
+            </a:r>
+            <a:r>
+              <a:rPr lang="en-PH" sz="1600" dirty="0" smtClean="0"/>
+              <a:t>(</a:t>
+            </a:r>
+            <a:r>
+              <a:rPr lang="en-PH" sz="1600" dirty="0" err="1" smtClean="0"/>
+              <a:t>n.d</a:t>
+            </a:r>
+            <a:r>
+              <a:rPr lang="en-PH" sz="1600" dirty="0" smtClean="0"/>
+              <a:t>.). Retrieved April 12, 2015, from http://devcon.ph/about</a:t>
+            </a:r>
+          </a:p>
+          <a:p>
+            <a:endParaRPr lang="en-PH" sz="1600" dirty="0" smtClean="0"/>
+          </a:p>
+          <a:p>
+            <a:pPr lvl="0"/>
+            <a:endParaRPr lang="en-PH" sz="1600" dirty="0" smtClean="0"/>
+          </a:p>
+          <a:p>
+            <a:pPr>
+              <a:buFont typeface="Wingdings" panose="05000000000000000000" pitchFamily="2" charset="2"/>
+              <a:buChar char="Ø"/>
+            </a:pPr>
+            <a:endParaRPr lang="en-PH" sz="1500" dirty="0"/>
+          </a:p>
+        </p:txBody>
+      </p:sp>
+      <p:sp>
+        <p:nvSpPr>
+          <p:cNvPr id="4" name="Text Placeholder 3"/>
+          <p:cNvSpPr>
+            <a:spLocks noGrp="1"/>
+          </p:cNvSpPr>
+          <p:nvPr>
+            <p:ph type="body" sz="half" idx="2"/>
+          </p:nvPr>
+        </p:nvSpPr>
+        <p:spPr>
+          <a:xfrm>
+            <a:off x="457200" y="6101256"/>
+            <a:ext cx="3200400" cy="345838"/>
+          </a:xfrm>
+        </p:spPr>
+        <p:txBody>
+          <a:bodyPr/>
+          <a:lstStyle/>
+          <a:p>
+            <a:pPr algn="r"/>
+            <a:r>
+              <a:rPr lang="en-PH" dirty="0" smtClean="0"/>
+              <a:t>Thank you</a:t>
+            </a:r>
+            <a:endParaRPr lang="en-PH" dirty="0"/>
+          </a:p>
+        </p:txBody>
+      </p:sp>
+      <p:pic>
+        <p:nvPicPr>
+          <p:cNvPr id="6" name="Picture 5"/>
+          <p:cNvPicPr>
+            <a:picLocks noChangeAspect="1"/>
+          </p:cNvPicPr>
+          <p:nvPr/>
+        </p:nvPicPr>
+        <p:blipFill>
+          <a:blip r:embed="rId12">
+            <a:extLst>
+              <a:ext uri="{28A0092B-C50C-407E-A947-70E740481C1C}">
+                <a14:useLocalDpi xmlns:a14="http://schemas.microsoft.com/office/drawing/2010/main" xmlns="" val="0"/>
+              </a:ext>
+            </a:extLst>
+          </a:blip>
+          <a:stretch>
+            <a:fillRect/>
+          </a:stretch>
+        </p:blipFill>
+        <p:spPr>
+          <a:xfrm>
+            <a:off x="1215188" y="1154206"/>
+            <a:ext cx="1588168" cy="1397588"/>
+          </a:xfrm>
+          <a:prstGeom prst="rect">
+            <a:avLst/>
+          </a:prstGeom>
+        </p:spPr>
+      </p:pic>
+    </p:spTree>
+    <p:extLst>
+      <p:ext uri="{BB962C8B-B14F-4D97-AF65-F5344CB8AC3E}">
+        <p14:creationId xmlns:p14="http://schemas.microsoft.com/office/powerpoint/2010/main" xmlns="" val="368736011"/>
       </p:ext>
     </p:extLst>
   </p:cSld>
@@ -26800,7 +26456,6 @@
               <a:rPr lang="en-PH" sz="1600" dirty="0" smtClean="0"/>
               <a:t>Design Process Implications</a:t>
             </a:r>
-            <a:endParaRPr lang="en-PH" sz="1600" dirty="0" smtClean="0"/>
           </a:p>
           <a:p>
             <a:pPr>
@@ -26809,23 +26464,11 @@
             </a:pPr>
             <a:r>
               <a:rPr lang="en-PH" sz="2400" dirty="0" smtClean="0"/>
-              <a:t>Methodology</a:t>
-            </a:r>
-            <a:r>
-              <a:rPr lang="en-PH" sz="2400" dirty="0" smtClean="0"/>
-              <a:t>: </a:t>
+              <a:t>Methodology: </a:t>
             </a:r>
             <a:r>
               <a:rPr lang="en-PH" sz="2400" b="1" dirty="0" smtClean="0"/>
-              <a:t>Research </a:t>
-            </a:r>
-            <a:r>
-              <a:rPr lang="en-PH" sz="2400" b="1" dirty="0" smtClean="0"/>
-              <a:t>and </a:t>
-            </a:r>
-            <a:r>
-              <a:rPr lang="en-PH" sz="2400" b="1" dirty="0" smtClean="0"/>
-              <a:t>Analysis</a:t>
+              <a:t>Research and Analysis</a:t>
             </a:r>
           </a:p>
           <a:p>
@@ -26864,7 +26507,7 @@
           <a:blip r:embed="rId3">
             <a:extLst>
               <a:ext uri="{28A0092B-C50C-407E-A947-70E740481C1C}">
-                <a14:useLocalDpi xmlns:a14="http://schemas.microsoft.com/office/drawing/2010/main" val="0"/>
+                <a14:useLocalDpi xmlns:a14="http://schemas.microsoft.com/office/drawing/2010/main" xmlns="" val="0"/>
               </a:ext>
             </a:extLst>
           </a:blip>
@@ -26885,7 +26528,7 @@
     </p:spTree>
     <p:extLst>
       <p:ext uri="{BB962C8B-B14F-4D97-AF65-F5344CB8AC3E}">
-        <p14:creationId xmlns:p14="http://schemas.microsoft.com/office/powerpoint/2010/main" val="934823157"/>
+        <p14:creationId xmlns:p14="http://schemas.microsoft.com/office/powerpoint/2010/main" xmlns="" val="934823157"/>
       </p:ext>
     </p:extLst>
   </p:cSld>
@@ -27413,7 +27056,6 @@
               <a:rPr lang="en-PH" sz="2800" dirty="0" smtClean="0"/>
               <a:t>What are the implications in the design process?</a:t>
             </a:r>
-            <a:endParaRPr lang="en-PH" sz="2800" dirty="0" smtClean="0"/>
           </a:p>
         </p:txBody>
       </p:sp>
@@ -27429,7 +27071,7 @@
           <a:blip r:embed="rId3">
             <a:extLst>
               <a:ext uri="{28A0092B-C50C-407E-A947-70E740481C1C}">
-                <a14:useLocalDpi xmlns:a14="http://schemas.microsoft.com/office/drawing/2010/main" val="0"/>
+                <a14:useLocalDpi xmlns:a14="http://schemas.microsoft.com/office/drawing/2010/main" xmlns="" val="0"/>
               </a:ext>
             </a:extLst>
           </a:blip>
@@ -27450,7 +27092,7 @@
     </p:spTree>
     <p:extLst>
       <p:ext uri="{BB962C8B-B14F-4D97-AF65-F5344CB8AC3E}">
-        <p14:creationId xmlns:p14="http://schemas.microsoft.com/office/powerpoint/2010/main" val="2898729764"/>
+        <p14:creationId xmlns:p14="http://schemas.microsoft.com/office/powerpoint/2010/main" xmlns="" val="2898729764"/>
       </p:ext>
     </p:extLst>
   </p:cSld>
@@ -27883,7 +27525,7 @@
           <a:blip r:embed="rId3">
             <a:extLst>
               <a:ext uri="{28A0092B-C50C-407E-A947-70E740481C1C}">
-                <a14:useLocalDpi xmlns:a14="http://schemas.microsoft.com/office/drawing/2010/main" val="0"/>
+                <a14:useLocalDpi xmlns:a14="http://schemas.microsoft.com/office/drawing/2010/main" xmlns="" val="0"/>
               </a:ext>
             </a:extLst>
           </a:blip>
@@ -27910,7 +27552,7 @@
           <p:nvPr>
             <p:extLst>
               <p:ext uri="{D42A27DB-BD31-4B8C-83A1-F6EECF244321}">
-                <p14:modId xmlns:p14="http://schemas.microsoft.com/office/powerpoint/2010/main" val="3886171748"/>
+                <p14:modId xmlns:p14="http://schemas.microsoft.com/office/powerpoint/2010/main" xmlns="" val="3886171748"/>
               </p:ext>
             </p:extLst>
           </p:nvPr>
@@ -28223,7 +27865,7 @@
     </p:spTree>
     <p:extLst>
       <p:ext uri="{BB962C8B-B14F-4D97-AF65-F5344CB8AC3E}">
-        <p14:creationId xmlns:p14="http://schemas.microsoft.com/office/powerpoint/2010/main" val="167901154"/>
+        <p14:creationId xmlns:p14="http://schemas.microsoft.com/office/powerpoint/2010/main" xmlns="" val="167901154"/>
       </p:ext>
     </p:extLst>
   </p:cSld>
@@ -28813,7 +28455,7 @@
           <a:blip r:embed="rId3">
             <a:extLst>
               <a:ext uri="{28A0092B-C50C-407E-A947-70E740481C1C}">
-                <a14:useLocalDpi xmlns:a14="http://schemas.microsoft.com/office/drawing/2010/main" val="0"/>
+                <a14:useLocalDpi xmlns:a14="http://schemas.microsoft.com/office/drawing/2010/main" xmlns="" val="0"/>
               </a:ext>
             </a:extLst>
           </a:blip>
@@ -28834,7 +28476,7 @@
     </p:spTree>
     <p:extLst>
       <p:ext uri="{BB962C8B-B14F-4D97-AF65-F5344CB8AC3E}">
-        <p14:creationId xmlns:p14="http://schemas.microsoft.com/office/powerpoint/2010/main" val="841417838"/>
+        <p14:creationId xmlns:p14="http://schemas.microsoft.com/office/powerpoint/2010/main" xmlns="" val="841417838"/>
       </p:ext>
     </p:extLst>
   </p:cSld>
@@ -29107,11 +28749,7 @@
           <a:p>
             <a:r>
               <a:rPr lang="en-PH" dirty="0" smtClean="0"/>
-              <a:t>Research </a:t>
-            </a:r>
-            <a:r>
-              <a:rPr lang="en-PH" dirty="0" smtClean="0"/>
-              <a:t>Findings</a:t>
+              <a:t>Research Findings</a:t>
             </a:r>
             <a:endParaRPr lang="en-PH" dirty="0"/>
           </a:p>
@@ -29152,7 +28790,7 @@
           <a:blip r:embed="rId3">
             <a:extLst>
               <a:ext uri="{28A0092B-C50C-407E-A947-70E740481C1C}">
-                <a14:useLocalDpi xmlns:a14="http://schemas.microsoft.com/office/drawing/2010/main" val="0"/>
+                <a14:useLocalDpi xmlns:a14="http://schemas.microsoft.com/office/drawing/2010/main" xmlns="" val="0"/>
               </a:ext>
             </a:extLst>
           </a:blip>
@@ -29173,7 +28811,7 @@
     </p:spTree>
     <p:extLst>
       <p:ext uri="{BB962C8B-B14F-4D97-AF65-F5344CB8AC3E}">
-        <p14:creationId xmlns:p14="http://schemas.microsoft.com/office/powerpoint/2010/main" val="2768167528"/>
+        <p14:creationId xmlns:p14="http://schemas.microsoft.com/office/powerpoint/2010/main" xmlns="" val="2768167528"/>
       </p:ext>
     </p:extLst>
   </p:cSld>
@@ -29327,7 +28965,6 @@
               <a:rPr lang="en-PH" sz="2400" b="1" u="sng" dirty="0" smtClean="0"/>
               <a:t>(Tyson, 2015)</a:t>
             </a:r>
-            <a:endParaRPr lang="en-PH" sz="2400" b="1" u="sng" dirty="0" smtClean="0"/>
           </a:p>
           <a:p>
             <a:pPr lvl="1">
@@ -29370,7 +29007,7 @@
           <a:blip r:embed="rId3">
             <a:extLst>
               <a:ext uri="{28A0092B-C50C-407E-A947-70E740481C1C}">
-                <a14:useLocalDpi xmlns:a14="http://schemas.microsoft.com/office/drawing/2010/main" val="0"/>
+                <a14:useLocalDpi xmlns:a14="http://schemas.microsoft.com/office/drawing/2010/main" xmlns="" val="0"/>
               </a:ext>
             </a:extLst>
           </a:blip>
@@ -29391,7 +29028,7 @@
     </p:spTree>
     <p:extLst>
       <p:ext uri="{BB962C8B-B14F-4D97-AF65-F5344CB8AC3E}">
-        <p14:creationId xmlns:p14="http://schemas.microsoft.com/office/powerpoint/2010/main" val="2766319834"/>
+        <p14:creationId xmlns:p14="http://schemas.microsoft.com/office/powerpoint/2010/main" xmlns="" val="2766319834"/>
       </p:ext>
     </p:extLst>
   </p:cSld>
@@ -29763,7 +29400,7 @@
           <a:blip r:embed="rId3">
             <a:extLst>
               <a:ext uri="{28A0092B-C50C-407E-A947-70E740481C1C}">
-                <a14:useLocalDpi xmlns:a14="http://schemas.microsoft.com/office/drawing/2010/main" val="0"/>
+                <a14:useLocalDpi xmlns:a14="http://schemas.microsoft.com/office/drawing/2010/main" xmlns="" val="0"/>
               </a:ext>
             </a:extLst>
           </a:blip>
@@ -29784,7 +29421,7 @@
     </p:spTree>
     <p:extLst>
       <p:ext uri="{BB962C8B-B14F-4D97-AF65-F5344CB8AC3E}">
-        <p14:creationId xmlns:p14="http://schemas.microsoft.com/office/powerpoint/2010/main" val="1405418967"/>
+        <p14:creationId xmlns:p14="http://schemas.microsoft.com/office/powerpoint/2010/main" xmlns="" val="1405418967"/>
       </p:ext>
     </p:extLst>
   </p:cSld>
@@ -30115,7 +29752,7 @@
     </a:clrScheme>
     <a:fontScheme name="Retrospect">
       <a:majorFont>
-        <a:latin typeface="Calibri Light" panose="020F0302020204030204"/>
+        <a:latin typeface="Calibri Light"/>
         <a:ea typeface=""/>
         <a:cs typeface=""/>
         <a:font script="Jpan" typeface="ＭＳ Ｐゴシック"/>
@@ -30150,7 +29787,7 @@
         <a:font script="Geor" typeface="Sylfaen"/>
       </a:majorFont>
       <a:minorFont>
-        <a:latin typeface="Calibri" panose="020F0502020204030204"/>
+        <a:latin typeface="Calibri"/>
         <a:ea typeface=""/>
         <a:cs typeface=""/>
         <a:font script="Jpan" typeface="ＭＳ Ｐゴシック"/>
@@ -30349,7 +29986,7 @@
   <a:extraClrSchemeLst/>
   <a:extLst>
     <a:ext uri="{05A4C25C-085E-4340-85A3-A5531E510DB2}">
-      <thm15:themeFamily xmlns:thm15="http://schemas.microsoft.com/office/thememl/2012/main" name="Retrospect" id="{5F128B03-DCCA-4EEB-AB3B-CF2899314A46}" vid="{9CC26709-368C-4D72-9060-94E5B3FF3CD6}"/>
+      <thm15:themeFamily xmlns:thm15="http://schemas.microsoft.com/office/thememl/2012/main" xmlns="" name="Retrospect" id="{5F128B03-DCCA-4EEB-AB3B-CF2899314A46}" vid="{9CC26709-368C-4D72-9060-94E5B3FF3CD6}"/>
     </a:ext>
   </a:extLst>
 </a:theme>
@@ -30398,7 +30035,7 @@
     </a:clrScheme>
     <a:fontScheme name="Office">
       <a:majorFont>
-        <a:latin typeface="Calibri Light" panose="020F0302020204030204"/>
+        <a:latin typeface="Calibri Light"/>
         <a:ea typeface=""/>
         <a:cs typeface=""/>
         <a:font script="Jpan" typeface="ＭＳ Ｐゴシック"/>
@@ -30433,7 +30070,7 @@
         <a:font script="Geor" typeface="Sylfaen"/>
       </a:majorFont>
       <a:minorFont>
-        <a:latin typeface="Calibri" panose="020F0502020204030204"/>
+        <a:latin typeface="Calibri"/>
         <a:ea typeface=""/>
         <a:cs typeface=""/>
         <a:font script="Jpan" typeface="ＭＳ Ｐゴシック"/>
@@ -30610,7 +30247,7 @@
   <a:extraClrSchemeLst/>
   <a:extLst>
     <a:ext uri="{05A4C25C-085E-4340-85A3-A5531E510DB2}">
-      <thm15:themeFamily xmlns:thm15="http://schemas.microsoft.com/office/thememl/2012/main" name="Office Theme" id="{62F939B6-93AF-4DB8-9C6B-D6C7DFDC589F}" vid="{4A3C46E8-61CC-4603-A589-7422A47A8E4A}"/>
+      <thm15:themeFamily xmlns:thm15="http://schemas.microsoft.com/office/thememl/2012/main" xmlns="" name="Office Theme" id="{62F939B6-93AF-4DB8-9C6B-D6C7DFDC589F}" vid="{4A3C46E8-61CC-4603-A589-7422A47A8E4A}"/>
     </a:ext>
   </a:extLst>
 </a:theme>
